--- a/Techniker Dokus/Mockup Admin.pptx
+++ b/Techniker Dokus/Mockup Admin.pptx
@@ -121,18 +121,6 @@
 </p:presentation>
 </file>
 
-<file path=ppt/commentAuthors.xml><?xml version="1.0" encoding="utf-8"?>
-<p:cmAuthorLst xmlns:a="http://schemas.openxmlformats.org/drawingml/2006/main" xmlns:r="http://schemas.openxmlformats.org/officeDocument/2006/relationships" xmlns:p="http://schemas.openxmlformats.org/presentationml/2006/main">
-  <p:cmAuthor id="1" name="Michael DiCaro" initials="MD" lastIdx="1" clrIdx="0">
-    <p:extLst>
-      <p:ext uri="{19B8F6BF-5375-455C-9EA6-DF929625EA0E}">
-        <p15:presenceInfo xmlns:p15="http://schemas.microsoft.com/office/powerpoint/2012/main" userId="Michael DiCaro" providerId="None"/>
-      </p:ext>
-    </p:extLst>
-  </p:cmAuthor>
-</p:cmAuthorLst>
-</file>
-
 <file path=ppt/slideLayouts/slideLayout1.xml><?xml version="1.0" encoding="utf-8"?>
 <p:sldLayout xmlns:a="http://schemas.openxmlformats.org/drawingml/2006/main" xmlns:r="http://schemas.openxmlformats.org/officeDocument/2006/relationships" xmlns:p="http://schemas.openxmlformats.org/presentationml/2006/main" type="title" preserve="1">
   <p:cSld name="Titelfolie">
@@ -264,7 +252,7 @@
           <a:p>
             <a:fld id="{9AE0B9D9-3596-4B24-B3CA-03CDA3BD7579}" type="datetimeFigureOut">
               <a:rPr lang="de-DE" smtClean="0"/>
-              <a:t>10.02.2016</a:t>
+              <a:t>04.03.2016</a:t>
             </a:fld>
             <a:endParaRPr lang="de-DE"/>
           </a:p>
@@ -434,7 +422,7 @@
           <a:p>
             <a:fld id="{9AE0B9D9-3596-4B24-B3CA-03CDA3BD7579}" type="datetimeFigureOut">
               <a:rPr lang="de-DE" smtClean="0"/>
-              <a:t>10.02.2016</a:t>
+              <a:t>04.03.2016</a:t>
             </a:fld>
             <a:endParaRPr lang="de-DE"/>
           </a:p>
@@ -614,7 +602,7 @@
           <a:p>
             <a:fld id="{9AE0B9D9-3596-4B24-B3CA-03CDA3BD7579}" type="datetimeFigureOut">
               <a:rPr lang="de-DE" smtClean="0"/>
-              <a:t>10.02.2016</a:t>
+              <a:t>04.03.2016</a:t>
             </a:fld>
             <a:endParaRPr lang="de-DE"/>
           </a:p>
@@ -874,7 +862,7 @@
           <a:p>
             <a:fld id="{9AE0B9D9-3596-4B24-B3CA-03CDA3BD7579}" type="datetimeFigureOut">
               <a:rPr lang="de-DE" smtClean="0"/>
-              <a:t>10.02.2016</a:t>
+              <a:t>04.03.2016</a:t>
             </a:fld>
             <a:endParaRPr lang="de-DE"/>
           </a:p>
@@ -1120,7 +1108,7 @@
           <a:p>
             <a:fld id="{9AE0B9D9-3596-4B24-B3CA-03CDA3BD7579}" type="datetimeFigureOut">
               <a:rPr lang="de-DE" smtClean="0"/>
-              <a:t>10.02.2016</a:t>
+              <a:t>04.03.2016</a:t>
             </a:fld>
             <a:endParaRPr lang="de-DE"/>
           </a:p>
@@ -1352,7 +1340,7 @@
           <a:p>
             <a:fld id="{9AE0B9D9-3596-4B24-B3CA-03CDA3BD7579}" type="datetimeFigureOut">
               <a:rPr lang="de-DE" smtClean="0"/>
-              <a:t>10.02.2016</a:t>
+              <a:t>04.03.2016</a:t>
             </a:fld>
             <a:endParaRPr lang="de-DE"/>
           </a:p>
@@ -1719,7 +1707,7 @@
           <a:p>
             <a:fld id="{9AE0B9D9-3596-4B24-B3CA-03CDA3BD7579}" type="datetimeFigureOut">
               <a:rPr lang="de-DE" smtClean="0"/>
-              <a:t>10.02.2016</a:t>
+              <a:t>04.03.2016</a:t>
             </a:fld>
             <a:endParaRPr lang="de-DE"/>
           </a:p>
@@ -1837,7 +1825,7 @@
           <a:p>
             <a:fld id="{9AE0B9D9-3596-4B24-B3CA-03CDA3BD7579}" type="datetimeFigureOut">
               <a:rPr lang="de-DE" smtClean="0"/>
-              <a:t>10.02.2016</a:t>
+              <a:t>04.03.2016</a:t>
             </a:fld>
             <a:endParaRPr lang="de-DE"/>
           </a:p>
@@ -1932,7 +1920,7 @@
           <a:p>
             <a:fld id="{9AE0B9D9-3596-4B24-B3CA-03CDA3BD7579}" type="datetimeFigureOut">
               <a:rPr lang="de-DE" smtClean="0"/>
-              <a:t>10.02.2016</a:t>
+              <a:t>04.03.2016</a:t>
             </a:fld>
             <a:endParaRPr lang="de-DE"/>
           </a:p>
@@ -2209,7 +2197,7 @@
           <a:p>
             <a:fld id="{9AE0B9D9-3596-4B24-B3CA-03CDA3BD7579}" type="datetimeFigureOut">
               <a:rPr lang="de-DE" smtClean="0"/>
-              <a:t>10.02.2016</a:t>
+              <a:t>04.03.2016</a:t>
             </a:fld>
             <a:endParaRPr lang="de-DE"/>
           </a:p>
@@ -2462,7 +2450,7 @@
           <a:p>
             <a:fld id="{9AE0B9D9-3596-4B24-B3CA-03CDA3BD7579}" type="datetimeFigureOut">
               <a:rPr lang="de-DE" smtClean="0"/>
-              <a:t>10.02.2016</a:t>
+              <a:t>04.03.2016</a:t>
             </a:fld>
             <a:endParaRPr lang="de-DE"/>
           </a:p>
@@ -2680,7 +2668,7 @@
           <a:p>
             <a:fld id="{9AE0B9D9-3596-4B24-B3CA-03CDA3BD7579}" type="datetimeFigureOut">
               <a:rPr lang="de-DE" smtClean="0"/>
-              <a:t>10.02.2016</a:t>
+              <a:t>04.03.2016</a:t>
             </a:fld>
             <a:endParaRPr lang="de-DE"/>
           </a:p>
@@ -3537,7 +3525,7 @@
             <a:pPr algn="ctr"/>
             <a:r>
               <a:rPr lang="de-DE" dirty="0" smtClean="0"/>
-              <a:t>GA</a:t>
+              <a:t>MM</a:t>
             </a:r>
             <a:endParaRPr lang="de-DE" dirty="0"/>
           </a:p>
@@ -3720,15 +3708,7 @@
             <a:pPr algn="ctr"/>
             <a:r>
               <a:rPr lang="de-DE" dirty="0" smtClean="0"/>
-              <a:t>Log </a:t>
-            </a:r>
-            <a:r>
-              <a:rPr lang="de-DE" dirty="0" err="1" smtClean="0"/>
-              <a:t>me</a:t>
-            </a:r>
-            <a:r>
-              <a:rPr lang="de-DE" dirty="0" smtClean="0"/>
-              <a:t> in</a:t>
+              <a:t>Login</a:t>
             </a:r>
             <a:endParaRPr lang="de-DE" dirty="0"/>
           </a:p>
@@ -3780,7 +3760,7 @@
           <p:nvPr>
             <p:extLst>
               <p:ext uri="{D42A27DB-BD31-4B8C-83A1-F6EECF244321}">
-                <p14:modId xmlns:p14="http://schemas.microsoft.com/office/powerpoint/2010/main" val="2889468507"/>
+                <p14:modId xmlns:p14="http://schemas.microsoft.com/office/powerpoint/2010/main" val="24871639"/>
               </p:ext>
             </p:extLst>
           </p:nvPr>
@@ -3820,12 +3800,42 @@
                     <a:lstStyle/>
                     <a:p>
                       <a:r>
+                        <a:rPr lang="de-DE" dirty="0" smtClean="0"/>
+                        <a:t>Max Musterlehrer (MM)</a:t>
+                      </a:r>
+                      <a:endParaRPr lang="de-DE" dirty="0"/>
+                    </a:p>
+                  </a:txBody>
+                  <a:tcPr/>
+                </a:tc>
+              </a:tr>
+              <a:tr h="370840">
+                <a:tc>
+                  <a:txBody>
+                    <a:bodyPr/>
+                    <a:lstStyle/>
+                    <a:p>
+                      <a:r>
+                        <a:rPr lang="de-DE" dirty="0" smtClean="0"/>
+                        <a:t>Abteilung:</a:t>
+                      </a:r>
+                      <a:endParaRPr lang="de-DE" dirty="0"/>
+                    </a:p>
+                  </a:txBody>
+                  <a:tcPr/>
+                </a:tc>
+                <a:tc>
+                  <a:txBody>
+                    <a:bodyPr/>
+                    <a:lstStyle/>
+                    <a:p>
+                      <a:r>
                         <a:rPr lang="de-DE" dirty="0" err="1" smtClean="0"/>
                         <a:t>Gregorian</a:t>
                       </a:r>
                       <a:r>
                         <a:rPr lang="de-DE" dirty="0" smtClean="0"/>
-                        <a:t> Abteilungsleiter (FA)</a:t>
+                        <a:t>, Schmitt-Schwickert</a:t>
                       </a:r>
                       <a:endParaRPr lang="de-DE" dirty="0"/>
                     </a:p>
@@ -3841,7 +3851,7 @@
                     <a:p>
                       <a:r>
                         <a:rPr lang="de-DE" dirty="0" smtClean="0"/>
-                        <a:t>Abteilung:</a:t>
+                        <a:t>Fachschaft:</a:t>
                       </a:r>
                       <a:endParaRPr lang="de-DE" dirty="0"/>
                     </a:p>
@@ -3854,31 +3864,9 @@
                     <a:lstStyle/>
                     <a:p>
                       <a:r>
-                        <a:rPr lang="de-DE" dirty="0" err="1" smtClean="0"/>
-                        <a:t>Gregorian</a:t>
-                      </a:r>
-                      <a:endParaRPr lang="de-DE" dirty="0"/>
-                    </a:p>
-                  </a:txBody>
-                  <a:tcPr/>
-                </a:tc>
-              </a:tr>
-              <a:tr h="370840">
-                <a:tc>
-                  <a:txBody>
-                    <a:bodyPr/>
-                    <a:lstStyle/>
-                    <a:p>
-                      <a:endParaRPr lang="de-DE" dirty="0"/>
-                    </a:p>
-                  </a:txBody>
-                  <a:tcPr/>
-                </a:tc>
-                <a:tc>
-                  <a:txBody>
-                    <a:bodyPr/>
-                    <a:lstStyle/>
-                    <a:p>
+                        <a:rPr lang="de-DE" dirty="0" smtClean="0"/>
+                        <a:t>Elektrotechnik</a:t>
+                      </a:r>
                       <a:endParaRPr lang="de-DE" dirty="0"/>
                     </a:p>
                   </a:txBody>
@@ -3929,8 +3917,8 @@
         </p:nvSpPr>
         <p:spPr>
           <a:xfrm>
-            <a:off x="461997" y="2493818"/>
-            <a:ext cx="2481942" cy="3574473"/>
+            <a:off x="461997" y="2493816"/>
+            <a:ext cx="2481942" cy="1698620"/>
           </a:xfrm>
           <a:prstGeom prst="roundRect">
             <a:avLst/>
@@ -3975,8 +3963,8 @@
         </p:nvSpPr>
         <p:spPr>
           <a:xfrm>
-            <a:off x="3202738" y="2493819"/>
-            <a:ext cx="2481942" cy="2411556"/>
+            <a:off x="3202738" y="2493818"/>
+            <a:ext cx="2481942" cy="3574473"/>
           </a:xfrm>
           <a:prstGeom prst="roundRect">
             <a:avLst/>
@@ -4035,8 +4023,8 @@
         </p:nvSpPr>
         <p:spPr>
           <a:xfrm>
-            <a:off x="5943479" y="2493818"/>
-            <a:ext cx="2481942" cy="2411557"/>
+            <a:off x="5943479" y="2493817"/>
+            <a:ext cx="2481942" cy="3574473"/>
           </a:xfrm>
           <a:prstGeom prst="roundRect">
             <a:avLst/>
@@ -4096,7 +4084,7 @@
         <p:spPr>
           <a:xfrm>
             <a:off x="8684219" y="2493816"/>
-            <a:ext cx="2621089" cy="2411559"/>
+            <a:ext cx="2621089" cy="3574473"/>
           </a:xfrm>
           <a:prstGeom prst="roundRect">
             <a:avLst/>
@@ -4207,8 +4195,8 @@
         </p:nvSpPr>
         <p:spPr>
           <a:xfrm>
-            <a:off x="3202738" y="5181599"/>
-            <a:ext cx="8170112" cy="886691"/>
+            <a:off x="461997" y="4313208"/>
+            <a:ext cx="2481942" cy="1755081"/>
           </a:xfrm>
           <a:prstGeom prst="roundRect">
             <a:avLst/>
@@ -4236,10 +4224,10 @@
           <a:p>
             <a:pPr algn="ctr"/>
             <a:r>
-              <a:rPr lang="de-DE" sz="3200" dirty="0" smtClean="0"/>
-              <a:t>Benutzerverwaltung</a:t>
-            </a:r>
-            <a:endParaRPr lang="de-DE" sz="3200" dirty="0" smtClean="0"/>
+              <a:rPr lang="de-DE" sz="2800" dirty="0" smtClean="0"/>
+              <a:t>Haushaltsetat</a:t>
+            </a:r>
+            <a:endParaRPr lang="de-DE" sz="2800" dirty="0"/>
           </a:p>
         </p:txBody>
       </p:sp>
@@ -4289,7 +4277,7 @@
         <p:spPr>
           <a:xfrm>
             <a:off x="2600696" y="1883779"/>
-            <a:ext cx="6366230" cy="523220"/>
+            <a:ext cx="6689973" cy="523220"/>
           </a:xfrm>
           <a:prstGeom prst="rect">
             <a:avLst/>
@@ -4304,19 +4292,7 @@
           <a:p>
             <a:r>
               <a:rPr lang="de-DE" sz="2800" dirty="0" smtClean="0"/>
-              <a:t>Alle </a:t>
-            </a:r>
-            <a:r>
-              <a:rPr lang="de-DE" sz="2800" dirty="0" smtClean="0"/>
-              <a:t>Bestellungen im </a:t>
-            </a:r>
-            <a:r>
-              <a:rPr lang="de-DE" sz="2800" dirty="0" smtClean="0"/>
-              <a:t>diesem </a:t>
-            </a:r>
-            <a:r>
-              <a:rPr lang="de-DE" sz="2800" dirty="0" smtClean="0"/>
-              <a:t>Haushaltsjahr</a:t>
+              <a:t>Ihre Bestellungen im aktuellen Haushaltsjahr</a:t>
             </a:r>
             <a:endParaRPr lang="de-DE" sz="2800" dirty="0"/>
           </a:p>
@@ -4421,14 +4397,14 @@
           <p:nvPr>
             <p:extLst>
               <p:ext uri="{D42A27DB-BD31-4B8C-83A1-F6EECF244321}">
-                <p14:modId xmlns:p14="http://schemas.microsoft.com/office/powerpoint/2010/main" val="3865529253"/>
+                <p14:modId xmlns:p14="http://schemas.microsoft.com/office/powerpoint/2010/main" val="3485475424"/>
               </p:ext>
             </p:extLst>
           </p:nvPr>
         </p:nvGraphicFramePr>
         <p:xfrm>
-          <a:off x="657809" y="2711796"/>
-          <a:ext cx="10991885" cy="1092097"/>
+          <a:off x="657810" y="2737115"/>
+          <a:ext cx="10991884" cy="1112520"/>
         </p:xfrm>
         <a:graphic>
           <a:graphicData uri="http://schemas.openxmlformats.org/drawingml/2006/table">
@@ -4437,57 +4413,26 @@
                 <a:tableStyleId>{5C22544A-7EE6-4342-B048-85BDC9FD1C3A}</a:tableStyleId>
               </a:tblPr>
               <a:tblGrid>
-                <a:gridCol w="1657654"/>
-                <a:gridCol w="1122680"/>
-                <a:gridCol w="1289304"/>
-                <a:gridCol w="694944"/>
-                <a:gridCol w="978408"/>
-                <a:gridCol w="1170433"/>
-                <a:gridCol w="1287760"/>
-                <a:gridCol w="1318280"/>
-                <a:gridCol w="1472422"/>
+                <a:gridCol w="1570269"/>
+                <a:gridCol w="1346394"/>
+                <a:gridCol w="724395"/>
+                <a:gridCol w="819397"/>
+                <a:gridCol w="1163782"/>
+                <a:gridCol w="2576945"/>
+                <a:gridCol w="1531917"/>
+                <a:gridCol w="1258785"/>
               </a:tblGrid>
-              <a:tr h="360588">
-                <a:tc>
-                  <a:txBody>
-                    <a:bodyPr/>
-                    <a:lstStyle/>
-                    <a:p>
-                      <a:r>
-                        <a:rPr lang="de-DE" sz="1400" dirty="0" smtClean="0"/>
-                        <a:t>Lehrer</a:t>
-                      </a:r>
-                      <a:endParaRPr lang="de-DE" sz="1400" dirty="0"/>
-                    </a:p>
-                  </a:txBody>
-                  <a:tcPr/>
-                </a:tc>
-                <a:tc>
-                  <a:txBody>
-                    <a:bodyPr/>
-                    <a:lstStyle/>
-                    <a:p>
-                      <a:pPr marL="0" marR="0" indent="0" algn="l" defTabSz="914400" rtl="0" eaLnBrk="1" fontAlgn="auto" latinLnBrk="0" hangingPunct="1">
-                        <a:lnSpc>
-                          <a:spcPct val="100000"/>
-                        </a:lnSpc>
-                        <a:spcBef>
-                          <a:spcPts val="0"/>
-                        </a:spcBef>
-                        <a:spcAft>
-                          <a:spcPts val="0"/>
-                        </a:spcAft>
-                        <a:buClrTx/>
-                        <a:buSzTx/>
-                        <a:buFontTx/>
-                        <a:buNone/>
-                        <a:tabLst/>
-                        <a:defRPr/>
-                      </a:pPr>
+              <a:tr h="370840">
+                <a:tc>
+                  <a:txBody>
+                    <a:bodyPr/>
+                    <a:lstStyle/>
+                    <a:p>
                       <a:r>
                         <a:rPr lang="de-DE" sz="1400" dirty="0" smtClean="0"/>
                         <a:t>Titel</a:t>
                       </a:r>
+                      <a:endParaRPr lang="de-DE" sz="1400" dirty="0"/>
                     </a:p>
                   </a:txBody>
                   <a:tcPr/>
@@ -4591,47 +4536,17 @@
                   <a:tcPr/>
                 </a:tc>
               </a:tr>
-              <a:tr h="361407">
-                <a:tc>
-                  <a:txBody>
-                    <a:bodyPr/>
-                    <a:lstStyle/>
-                    <a:p>
-                      <a:r>
-                        <a:rPr lang="de-DE" sz="1400" dirty="0" err="1" smtClean="0"/>
-                        <a:t>MaxMusterlehrer</a:t>
-                      </a:r>
-                      <a:endParaRPr lang="de-DE" sz="1400" dirty="0"/>
-                    </a:p>
-                  </a:txBody>
-                  <a:tcPr/>
-                </a:tc>
-                <a:tc>
-                  <a:txBody>
-                    <a:bodyPr/>
-                    <a:lstStyle/>
-                    <a:p>
-                      <a:pPr marL="0" marR="0" indent="0" algn="l" defTabSz="914400" rtl="0" eaLnBrk="1" fontAlgn="auto" latinLnBrk="0" hangingPunct="1">
-                        <a:lnSpc>
-                          <a:spcPct val="100000"/>
-                        </a:lnSpc>
-                        <a:spcBef>
-                          <a:spcPts val="0"/>
-                        </a:spcBef>
-                        <a:spcAft>
-                          <a:spcPts val="0"/>
-                        </a:spcAft>
-                        <a:buClrTx/>
-                        <a:buSzTx/>
-                        <a:buFontTx/>
-                        <a:buNone/>
-                        <a:tabLst/>
-                        <a:defRPr/>
-                      </a:pPr>
+              <a:tr h="370840">
+                <a:tc>
+                  <a:txBody>
+                    <a:bodyPr/>
+                    <a:lstStyle/>
+                    <a:p>
                       <a:r>
                         <a:rPr lang="de-DE" sz="1400" dirty="0" smtClean="0"/>
                         <a:t>Der PIC</a:t>
                       </a:r>
+                      <a:endParaRPr lang="de-DE" sz="1400" dirty="0"/>
                     </a:p>
                   </a:txBody>
                   <a:tcPr/>
@@ -4744,43 +4659,12 @@
                   <a:tcPr/>
                 </a:tc>
               </a:tr>
-              <a:tr h="370102">
-                <a:tc>
-                  <a:txBody>
-                    <a:bodyPr/>
-                    <a:lstStyle/>
-                    <a:p>
-                      <a:r>
-                        <a:rPr lang="de-DE" sz="1400" dirty="0" err="1" smtClean="0"/>
-                        <a:t>PeterMusterlehrer</a:t>
-                      </a:r>
-                      <a:endParaRPr lang="de-DE" sz="1400" dirty="0"/>
-                    </a:p>
-                  </a:txBody>
-                  <a:tcPr/>
-                </a:tc>
-                <a:tc>
-                  <a:txBody>
-                    <a:bodyPr/>
-                    <a:lstStyle/>
-                    <a:p>
-                      <a:pPr marL="0" marR="0" indent="0" algn="l" defTabSz="914400" rtl="0" eaLnBrk="1" fontAlgn="auto" latinLnBrk="0" hangingPunct="1">
-                        <a:lnSpc>
-                          <a:spcPct val="100000"/>
-                        </a:lnSpc>
-                        <a:spcBef>
-                          <a:spcPts val="0"/>
-                        </a:spcBef>
-                        <a:spcAft>
-                          <a:spcPts val="0"/>
-                        </a:spcAft>
-                        <a:buClrTx/>
-                        <a:buSzTx/>
-                        <a:buFontTx/>
-                        <a:buNone/>
-                        <a:tabLst/>
-                        <a:defRPr/>
-                      </a:pPr>
+              <a:tr h="370840">
+                <a:tc>
+                  <a:txBody>
+                    <a:bodyPr/>
+                    <a:lstStyle/>
+                    <a:p>
                       <a:r>
                         <a:rPr lang="de-DE" sz="1400" dirty="0" smtClean="0"/>
                         <a:t>Das</a:t>
@@ -4789,7 +4673,7 @@
                         <a:rPr lang="de-DE" sz="1400" baseline="0" dirty="0" smtClean="0"/>
                         <a:t> Netzteil</a:t>
                       </a:r>
-                      <a:endParaRPr lang="de-DE" sz="1400" dirty="0" smtClean="0"/>
+                      <a:endParaRPr lang="de-DE" sz="1400" dirty="0"/>
                     </a:p>
                   </a:txBody>
                   <a:tcPr/>
@@ -4915,14 +4799,14 @@
           <p:nvPr>
             <p:extLst>
               <p:ext uri="{D42A27DB-BD31-4B8C-83A1-F6EECF244321}">
-                <p14:modId xmlns:p14="http://schemas.microsoft.com/office/powerpoint/2010/main" val="276669261"/>
+                <p14:modId xmlns:p14="http://schemas.microsoft.com/office/powerpoint/2010/main" val="2077685238"/>
               </p:ext>
             </p:extLst>
           </p:nvPr>
         </p:nvGraphicFramePr>
         <p:xfrm>
           <a:off x="657806" y="4266263"/>
-          <a:ext cx="10991889" cy="741680"/>
+          <a:ext cx="10991888" cy="741680"/>
         </p:xfrm>
         <a:graphic>
           <a:graphicData uri="http://schemas.openxmlformats.org/drawingml/2006/table">
@@ -4931,15 +4815,14 @@
                 <a:tableStyleId>{5C22544A-7EE6-4342-B048-85BDC9FD1C3A}</a:tableStyleId>
               </a:tblPr>
               <a:tblGrid>
-                <a:gridCol w="1500178"/>
-                <a:gridCol w="1161288"/>
-                <a:gridCol w="1271016"/>
-                <a:gridCol w="731520"/>
-                <a:gridCol w="804672"/>
-                <a:gridCol w="1133856"/>
-                <a:gridCol w="1109941"/>
-                <a:gridCol w="1356527"/>
-                <a:gridCol w="1922891"/>
+                <a:gridCol w="1574755"/>
+                <a:gridCol w="1341912"/>
+                <a:gridCol w="712519"/>
+                <a:gridCol w="831273"/>
+                <a:gridCol w="1140031"/>
+                <a:gridCol w="2600696"/>
+                <a:gridCol w="1555668"/>
+                <a:gridCol w="1235034"/>
               </a:tblGrid>
               <a:tr h="370840">
                 <a:tc>
@@ -4949,39 +4832,9 @@
                     <a:p>
                       <a:r>
                         <a:rPr lang="de-DE" sz="1400" dirty="0" smtClean="0"/>
-                        <a:t>Lehrer</a:t>
+                        <a:t>Bezeichnung</a:t>
                       </a:r>
                       <a:endParaRPr lang="de-DE" sz="1400" dirty="0"/>
-                    </a:p>
-                  </a:txBody>
-                  <a:tcPr/>
-                </a:tc>
-                <a:tc>
-                  <a:txBody>
-                    <a:bodyPr/>
-                    <a:lstStyle/>
-                    <a:p>
-                      <a:pPr marL="0" marR="0" indent="0" algn="l" defTabSz="914400" rtl="0" eaLnBrk="1" fontAlgn="auto" latinLnBrk="0" hangingPunct="1">
-                        <a:lnSpc>
-                          <a:spcPct val="100000"/>
-                        </a:lnSpc>
-                        <a:spcBef>
-                          <a:spcPts val="0"/>
-                        </a:spcBef>
-                        <a:spcAft>
-                          <a:spcPts val="0"/>
-                        </a:spcAft>
-                        <a:buClrTx/>
-                        <a:buSzTx/>
-                        <a:buFontTx/>
-                        <a:buNone/>
-                        <a:tabLst/>
-                        <a:defRPr/>
-                      </a:pPr>
-                      <a:r>
-                        <a:rPr lang="de-DE" sz="1400" dirty="0" smtClean="0"/>
-                        <a:t>Bezeichnung</a:t>
-                      </a:r>
                     </a:p>
                   </a:txBody>
                   <a:tcPr/>
@@ -5092,20 +4945,6 @@
                     <a:lstStyle/>
                     <a:p>
                       <a:r>
-                        <a:rPr lang="de-DE" sz="1400" dirty="0" err="1" smtClean="0"/>
-                        <a:t>MaxMusterlehrer</a:t>
-                      </a:r>
-                      <a:endParaRPr lang="de-DE" sz="1400" dirty="0"/>
-                    </a:p>
-                  </a:txBody>
-                  <a:tcPr/>
-                </a:tc>
-                <a:tc>
-                  <a:txBody>
-                    <a:bodyPr/>
-                    <a:lstStyle/>
-                    <a:p>
-                      <a:r>
                         <a:rPr lang="de-DE" sz="1400" dirty="0" smtClean="0"/>
                         <a:t>Lötzinn</a:t>
                       </a:r>
@@ -5199,7 +5038,7 @@
                     <a:bodyPr/>
                     <a:lstStyle/>
                     <a:p>
-                      <a:pPr algn="l"/>
+                      <a:pPr algn="ctr"/>
                       <a:r>
                         <a:rPr lang="de-DE" sz="1400" dirty="0" smtClean="0"/>
                         <a:t>AUSSTEHEND</a:t>
@@ -5223,14 +5062,14 @@
           <p:nvPr>
             <p:extLst>
               <p:ext uri="{D42A27DB-BD31-4B8C-83A1-F6EECF244321}">
-                <p14:modId xmlns:p14="http://schemas.microsoft.com/office/powerpoint/2010/main" val="3032307941"/>
+                <p14:modId xmlns:p14="http://schemas.microsoft.com/office/powerpoint/2010/main" val="3114195273"/>
               </p:ext>
             </p:extLst>
           </p:nvPr>
         </p:nvGraphicFramePr>
         <p:xfrm>
-          <a:off x="657804" y="5462279"/>
-          <a:ext cx="10991890" cy="859578"/>
+          <a:off x="657806" y="5486358"/>
+          <a:ext cx="10991890" cy="741680"/>
         </p:xfrm>
         <a:graphic>
           <a:graphicData uri="http://schemas.openxmlformats.org/drawingml/2006/table">
@@ -5239,14 +5078,13 @@
                 <a:tableStyleId>{5C22544A-7EE6-4342-B048-85BDC9FD1C3A}</a:tableStyleId>
               </a:tblPr>
               <a:tblGrid>
-                <a:gridCol w="1536754"/>
-                <a:gridCol w="1133856"/>
-                <a:gridCol w="859536"/>
-                <a:gridCol w="1335024"/>
-                <a:gridCol w="1271016"/>
-                <a:gridCol w="2076876"/>
-                <a:gridCol w="1318163"/>
-                <a:gridCol w="1460665"/>
+                <a:gridCol w="1570270"/>
+                <a:gridCol w="1346397"/>
+                <a:gridCol w="1365662"/>
+                <a:gridCol w="1306286"/>
+                <a:gridCol w="2624447"/>
+                <a:gridCol w="1543792"/>
+                <a:gridCol w="1235036"/>
               </a:tblGrid>
               <a:tr h="370840">
                 <a:tc>
@@ -5256,41 +5094,8 @@
                     <a:p>
                       <a:r>
                         <a:rPr lang="de-DE" sz="1400" dirty="0" smtClean="0"/>
-                        <a:t>Lehrer</a:t>
-                      </a:r>
-                      <a:endParaRPr lang="de-DE" sz="1400" dirty="0"/>
-                    </a:p>
-                  </a:txBody>
-                  <a:tcPr/>
-                </a:tc>
-                <a:tc>
-                  <a:txBody>
-                    <a:bodyPr/>
-                    <a:lstStyle/>
-                    <a:p>
-                      <a:pPr marL="0" marR="0" indent="0" algn="l" defTabSz="914400" rtl="0" eaLnBrk="1" fontAlgn="auto" latinLnBrk="0" hangingPunct="1">
-                        <a:lnSpc>
-                          <a:spcPct val="100000"/>
-                        </a:lnSpc>
-                        <a:spcBef>
-                          <a:spcPts val="0"/>
-                        </a:spcBef>
-                        <a:spcAft>
-                          <a:spcPts val="0"/>
-                        </a:spcAft>
-                        <a:buClrTx/>
-                        <a:buSzTx/>
-                        <a:buFontTx/>
-                        <a:buNone/>
-                        <a:tabLst/>
-                        <a:defRPr/>
-                      </a:pPr>
-                      <a:r>
-                        <a:rPr lang="de-DE" sz="1400" dirty="0" smtClean="0"/>
                         <a:t>Bezeichnung</a:t>
                       </a:r>
-                    </a:p>
-                    <a:p>
                       <a:endParaRPr lang="de-DE" sz="1400" dirty="0"/>
                     </a:p>
                   </a:txBody>
@@ -5305,12 +5110,6 @@
                         <a:rPr lang="de-DE" sz="1400" dirty="0" smtClean="0"/>
                         <a:t>Zeitraum</a:t>
                       </a:r>
-                    </a:p>
-                    <a:p>
-                      <a:r>
-                        <a:rPr lang="de-DE" sz="1400" dirty="0" smtClean="0"/>
-                        <a:t>Monate</a:t>
-                      </a:r>
                       <a:endParaRPr lang="de-DE" sz="1400" dirty="0"/>
                     </a:p>
                   </a:txBody>
@@ -5391,47 +5190,17 @@
                   <a:tcPr/>
                 </a:tc>
               </a:tr>
-              <a:tr h="341418">
-                <a:tc>
-                  <a:txBody>
-                    <a:bodyPr/>
-                    <a:lstStyle/>
-                    <a:p>
-                      <a:r>
-                        <a:rPr lang="de-DE" sz="1400" dirty="0" err="1" smtClean="0"/>
-                        <a:t>PeterMusterlehrer</a:t>
-                      </a:r>
-                      <a:endParaRPr lang="de-DE" sz="1400" dirty="0"/>
-                    </a:p>
-                  </a:txBody>
-                  <a:tcPr/>
-                </a:tc>
-                <a:tc>
-                  <a:txBody>
-                    <a:bodyPr/>
-                    <a:lstStyle/>
-                    <a:p>
-                      <a:pPr marL="0" marR="0" indent="0" algn="l" defTabSz="914400" rtl="0" eaLnBrk="1" fontAlgn="auto" latinLnBrk="0" hangingPunct="1">
-                        <a:lnSpc>
-                          <a:spcPct val="100000"/>
-                        </a:lnSpc>
-                        <a:spcBef>
-                          <a:spcPts val="0"/>
-                        </a:spcBef>
-                        <a:spcAft>
-                          <a:spcPts val="0"/>
-                        </a:spcAft>
-                        <a:buClrTx/>
-                        <a:buSzTx/>
-                        <a:buFontTx/>
-                        <a:buNone/>
-                        <a:tabLst/>
-                        <a:defRPr/>
-                      </a:pPr>
+              <a:tr h="370840">
+                <a:tc>
+                  <a:txBody>
+                    <a:bodyPr/>
+                    <a:lstStyle/>
+                    <a:p>
                       <a:r>
                         <a:rPr lang="de-DE" sz="1400" dirty="0" smtClean="0"/>
                         <a:t>CT</a:t>
                       </a:r>
+                      <a:endParaRPr lang="de-DE" sz="1400" dirty="0"/>
                     </a:p>
                   </a:txBody>
                   <a:tcPr/>
@@ -5443,7 +5212,7 @@
                     <a:p>
                       <a:r>
                         <a:rPr lang="de-DE" sz="1400" dirty="0" smtClean="0"/>
-                        <a:t>12 </a:t>
+                        <a:t>12 Monate</a:t>
                       </a:r>
                       <a:endParaRPr lang="de-DE" sz="1400" dirty="0"/>
                     </a:p>
@@ -5579,307 +5348,16 @@
           </a:p>
         </p:txBody>
       </p:sp>
-      <p:sp>
-        <p:nvSpPr>
-          <p:cNvPr id="33" name="Rechteck 32"/>
-          <p:cNvSpPr/>
-          <p:nvPr/>
-        </p:nvSpPr>
-        <p:spPr>
-          <a:xfrm>
-            <a:off x="2333626" y="1482491"/>
-            <a:ext cx="1219200" cy="337052"/>
-          </a:xfrm>
-          <a:prstGeom prst="rect">
-            <a:avLst/>
-          </a:prstGeom>
-        </p:spPr>
-        <p:style>
-          <a:lnRef idx="2">
-            <a:schemeClr val="dk1"/>
-          </a:lnRef>
-          <a:fillRef idx="1">
-            <a:schemeClr val="lt1"/>
-          </a:fillRef>
-          <a:effectRef idx="0">
-            <a:schemeClr val="dk1"/>
-          </a:effectRef>
-          <a:fontRef idx="minor">
-            <a:schemeClr val="dk1"/>
-          </a:fontRef>
-        </p:style>
-        <p:txBody>
-          <a:bodyPr rtlCol="0" anchor="ctr"/>
-          <a:lstStyle/>
-          <a:p>
-            <a:pPr algn="ctr"/>
-            <a:endParaRPr lang="de-DE"/>
-          </a:p>
-        </p:txBody>
-      </p:sp>
-      <p:sp>
-        <p:nvSpPr>
-          <p:cNvPr id="16" name="Textfeld 15"/>
-          <p:cNvSpPr txBox="1"/>
-          <p:nvPr/>
-        </p:nvSpPr>
-        <p:spPr>
-          <a:xfrm>
-            <a:off x="203199" y="1360559"/>
-            <a:ext cx="2999539" cy="523220"/>
-          </a:xfrm>
-          <a:prstGeom prst="rect">
-            <a:avLst/>
-          </a:prstGeom>
-          <a:noFill/>
-        </p:spPr>
-        <p:txBody>
-          <a:bodyPr wrap="none" rtlCol="0">
-            <a:spAutoFit/>
-          </a:bodyPr>
-          <a:lstStyle/>
-          <a:p>
-            <a:r>
-              <a:rPr lang="de-DE" sz="2800" dirty="0" smtClean="0"/>
-              <a:t>Haushaltsjahr 2016</a:t>
-            </a:r>
-            <a:endParaRPr lang="de-DE" sz="2800" dirty="0"/>
-          </a:p>
-        </p:txBody>
-      </p:sp>
-      <p:sp>
-        <p:nvSpPr>
-          <p:cNvPr id="18" name="Abgerundetes Rechteck 17">
-            <a:hlinkClick r:id="rId3" action="ppaction://hlinksldjump"/>
-          </p:cNvPr>
-          <p:cNvSpPr/>
-          <p:nvPr/>
-        </p:nvSpPr>
-        <p:spPr>
-          <a:xfrm>
-            <a:off x="4232158" y="1036539"/>
-            <a:ext cx="1206741" cy="320634"/>
-          </a:xfrm>
-          <a:prstGeom prst="roundRect">
-            <a:avLst/>
-          </a:prstGeom>
-          <a:ln w="12700"/>
-        </p:spPr>
-        <p:style>
-          <a:lnRef idx="1">
-            <a:schemeClr val="accent3"/>
-          </a:lnRef>
-          <a:fillRef idx="2">
-            <a:schemeClr val="accent3"/>
-          </a:fillRef>
-          <a:effectRef idx="1">
-            <a:schemeClr val="accent3"/>
-          </a:effectRef>
-          <a:fontRef idx="minor">
-            <a:schemeClr val="dk1"/>
-          </a:fontRef>
-        </p:style>
-        <p:txBody>
-          <a:bodyPr rtlCol="0" anchor="ctr"/>
-          <a:lstStyle/>
-          <a:p>
-            <a:pPr algn="ctr"/>
-            <a:r>
-              <a:rPr lang="de-DE" dirty="0" err="1" smtClean="0"/>
-              <a:t>Logout</a:t>
-            </a:r>
-            <a:endParaRPr lang="de-DE" dirty="0"/>
-          </a:p>
-        </p:txBody>
-      </p:sp>
-      <p:sp>
-        <p:nvSpPr>
-          <p:cNvPr id="12" name="Rechteck 11"/>
-          <p:cNvSpPr/>
-          <p:nvPr/>
-        </p:nvSpPr>
-        <p:spPr>
-          <a:xfrm>
-            <a:off x="10981623" y="4712676"/>
-            <a:ext cx="192145" cy="211015"/>
-          </a:xfrm>
-          <a:prstGeom prst="rect">
-            <a:avLst/>
-          </a:prstGeom>
-        </p:spPr>
-        <p:style>
-          <a:lnRef idx="2">
-            <a:schemeClr val="accent6"/>
-          </a:lnRef>
-          <a:fillRef idx="1">
-            <a:schemeClr val="lt1"/>
-          </a:fillRef>
-          <a:effectRef idx="0">
-            <a:schemeClr val="accent6"/>
-          </a:effectRef>
-          <a:fontRef idx="minor">
-            <a:schemeClr val="dk1"/>
-          </a:fontRef>
-        </p:style>
-        <p:txBody>
-          <a:bodyPr rtlCol="0" anchor="ctr"/>
-          <a:lstStyle/>
-          <a:p>
-            <a:pPr algn="ctr"/>
-            <a:r>
-              <a:rPr lang="de-DE" dirty="0" smtClean="0">
-                <a:solidFill>
-                  <a:schemeClr val="accent6"/>
-                </a:solidFill>
-              </a:rPr>
-              <a:t>√</a:t>
-            </a:r>
-            <a:endParaRPr lang="de-DE" dirty="0">
-              <a:solidFill>
-                <a:schemeClr val="accent6"/>
-              </a:solidFill>
-            </a:endParaRPr>
-          </a:p>
-        </p:txBody>
-      </p:sp>
-      <p:sp>
-        <p:nvSpPr>
-          <p:cNvPr id="30" name="Rechteck 29"/>
-          <p:cNvSpPr/>
-          <p:nvPr/>
-        </p:nvSpPr>
-        <p:spPr>
-          <a:xfrm>
-            <a:off x="11291897" y="4712676"/>
-            <a:ext cx="192145" cy="211015"/>
-          </a:xfrm>
-          <a:prstGeom prst="rect">
-            <a:avLst/>
-          </a:prstGeom>
-        </p:spPr>
-        <p:style>
-          <a:lnRef idx="2">
-            <a:schemeClr val="accent6"/>
-          </a:lnRef>
-          <a:fillRef idx="1">
-            <a:schemeClr val="lt1"/>
-          </a:fillRef>
-          <a:effectRef idx="0">
-            <a:schemeClr val="accent6"/>
-          </a:effectRef>
-          <a:fontRef idx="minor">
-            <a:schemeClr val="dk1"/>
-          </a:fontRef>
-        </p:style>
-        <p:txBody>
-          <a:bodyPr rtlCol="0" anchor="ctr"/>
-          <a:lstStyle/>
-          <a:p>
-            <a:pPr algn="ctr"/>
-            <a:r>
-              <a:rPr lang="de-DE" dirty="0" smtClean="0">
-                <a:solidFill>
-                  <a:srgbClr val="FF0000"/>
-                </a:solidFill>
-              </a:rPr>
-              <a:t>X</a:t>
-            </a:r>
-            <a:endParaRPr lang="de-DE" dirty="0">
-              <a:solidFill>
-                <a:srgbClr val="FF0000"/>
-              </a:solidFill>
-            </a:endParaRPr>
-          </a:p>
-        </p:txBody>
-      </p:sp>
-      <p:sp>
-        <p:nvSpPr>
-          <p:cNvPr id="31" name="Rechteck 30"/>
-          <p:cNvSpPr/>
-          <p:nvPr/>
-        </p:nvSpPr>
-        <p:spPr>
-          <a:xfrm>
-            <a:off x="3202738" y="1517301"/>
-            <a:ext cx="263943" cy="241161"/>
-          </a:xfrm>
-          <a:prstGeom prst="rect">
-            <a:avLst/>
-          </a:prstGeom>
-        </p:spPr>
-        <p:style>
-          <a:lnRef idx="2">
-            <a:schemeClr val="dk1"/>
-          </a:lnRef>
-          <a:fillRef idx="1">
-            <a:schemeClr val="lt1"/>
-          </a:fillRef>
-          <a:effectRef idx="0">
-            <a:schemeClr val="dk1"/>
-          </a:effectRef>
-          <a:fontRef idx="minor">
-            <a:schemeClr val="dk1"/>
-          </a:fontRef>
-        </p:style>
-        <p:txBody>
-          <a:bodyPr rtlCol="0" anchor="ctr"/>
-          <a:lstStyle/>
-          <a:p>
-            <a:pPr algn="ctr"/>
-            <a:endParaRPr lang="de-DE"/>
-          </a:p>
-        </p:txBody>
-      </p:sp>
-      <p:sp>
-        <p:nvSpPr>
-          <p:cNvPr id="32" name="Gleichschenkliges Dreieck 31"/>
-          <p:cNvSpPr/>
-          <p:nvPr/>
-        </p:nvSpPr>
-        <p:spPr>
-          <a:xfrm rot="10800000">
-            <a:off x="3239250" y="1572469"/>
-            <a:ext cx="190918" cy="156783"/>
-          </a:xfrm>
-          <a:prstGeom prst="triangle">
-            <a:avLst/>
-          </a:prstGeom>
-        </p:spPr>
-        <p:style>
-          <a:lnRef idx="2">
-            <a:schemeClr val="accent1">
-              <a:shade val="50000"/>
-            </a:schemeClr>
-          </a:lnRef>
-          <a:fillRef idx="1">
-            <a:schemeClr val="accent1"/>
-          </a:fillRef>
-          <a:effectRef idx="0">
-            <a:schemeClr val="accent1"/>
-          </a:effectRef>
-          <a:fontRef idx="minor">
-            <a:schemeClr val="lt1"/>
-          </a:fontRef>
-        </p:style>
-        <p:txBody>
-          <a:bodyPr rtlCol="0" anchor="ctr"/>
-          <a:lstStyle/>
-          <a:p>
-            <a:pPr algn="ctr"/>
-            <a:endParaRPr lang="de-DE"/>
-          </a:p>
-        </p:txBody>
-      </p:sp>
       <p:graphicFrame>
         <p:nvGraphicFramePr>
-          <p:cNvPr id="35" name="Tabelle 34"/>
+          <p:cNvPr id="15" name="Tabelle 14"/>
           <p:cNvGraphicFramePr>
             <a:graphicFrameLocks noGrp="1"/>
           </p:cNvGraphicFramePr>
           <p:nvPr>
             <p:extLst>
               <p:ext uri="{D42A27DB-BD31-4B8C-83A1-F6EECF244321}">
-                <p14:modId xmlns:p14="http://schemas.microsoft.com/office/powerpoint/2010/main" val="2567544615"/>
+                <p14:modId xmlns:p14="http://schemas.microsoft.com/office/powerpoint/2010/main" val="1101122687"/>
               </p:ext>
             </p:extLst>
           </p:nvPr>
@@ -5919,12 +5397,42 @@
                     <a:lstStyle/>
                     <a:p>
                       <a:r>
+                        <a:rPr lang="de-DE" dirty="0" smtClean="0"/>
+                        <a:t>Max Musterlehrer (MM)</a:t>
+                      </a:r>
+                      <a:endParaRPr lang="de-DE" dirty="0"/>
+                    </a:p>
+                  </a:txBody>
+                  <a:tcPr/>
+                </a:tc>
+              </a:tr>
+              <a:tr h="370840">
+                <a:tc>
+                  <a:txBody>
+                    <a:bodyPr/>
+                    <a:lstStyle/>
+                    <a:p>
+                      <a:r>
+                        <a:rPr lang="de-DE" dirty="0" smtClean="0"/>
+                        <a:t>Abteilung:</a:t>
+                      </a:r>
+                      <a:endParaRPr lang="de-DE" dirty="0"/>
+                    </a:p>
+                  </a:txBody>
+                  <a:tcPr/>
+                </a:tc>
+                <a:tc>
+                  <a:txBody>
+                    <a:bodyPr/>
+                    <a:lstStyle/>
+                    <a:p>
+                      <a:r>
                         <a:rPr lang="de-DE" dirty="0" err="1" smtClean="0"/>
                         <a:t>Gregorian</a:t>
                       </a:r>
                       <a:r>
                         <a:rPr lang="de-DE" dirty="0" smtClean="0"/>
-                        <a:t> Abteilungsleiter (FA)</a:t>
+                        <a:t>, Schmitt-Schwickert</a:t>
                       </a:r>
                       <a:endParaRPr lang="de-DE" dirty="0"/>
                     </a:p>
@@ -5940,7 +5448,7 @@
                     <a:p>
                       <a:r>
                         <a:rPr lang="de-DE" dirty="0" smtClean="0"/>
-                        <a:t>Abteilung:</a:t>
+                        <a:t>Fachschaft:</a:t>
                       </a:r>
                       <a:endParaRPr lang="de-DE" dirty="0"/>
                     </a:p>
@@ -5953,31 +5461,9 @@
                     <a:lstStyle/>
                     <a:p>
                       <a:r>
-                        <a:rPr lang="de-DE" dirty="0" err="1" smtClean="0"/>
-                        <a:t>Gregorian</a:t>
-                      </a:r>
-                      <a:endParaRPr lang="de-DE" dirty="0"/>
-                    </a:p>
-                  </a:txBody>
-                  <a:tcPr/>
-                </a:tc>
-              </a:tr>
-              <a:tr h="370840">
-                <a:tc>
-                  <a:txBody>
-                    <a:bodyPr/>
-                    <a:lstStyle/>
-                    <a:p>
-                      <a:endParaRPr lang="de-DE" dirty="0"/>
-                    </a:p>
-                  </a:txBody>
-                  <a:tcPr/>
-                </a:tc>
-                <a:tc>
-                  <a:txBody>
-                    <a:bodyPr/>
-                    <a:lstStyle/>
-                    <a:p>
+                        <a:rPr lang="de-DE" dirty="0" smtClean="0"/>
+                        <a:t>Elektrotechnik</a:t>
+                      </a:r>
                       <a:endParaRPr lang="de-DE" dirty="0"/>
                     </a:p>
                   </a:txBody>
@@ -5988,6 +5474,81 @@
           </a:graphicData>
         </a:graphic>
       </p:graphicFrame>
+      <p:sp>
+        <p:nvSpPr>
+          <p:cNvPr id="16" name="Textfeld 15"/>
+          <p:cNvSpPr txBox="1"/>
+          <p:nvPr/>
+        </p:nvSpPr>
+        <p:spPr>
+          <a:xfrm>
+            <a:off x="203199" y="1360559"/>
+            <a:ext cx="2999539" cy="523220"/>
+          </a:xfrm>
+          <a:prstGeom prst="rect">
+            <a:avLst/>
+          </a:prstGeom>
+          <a:noFill/>
+        </p:spPr>
+        <p:txBody>
+          <a:bodyPr wrap="none" rtlCol="0">
+            <a:spAutoFit/>
+          </a:bodyPr>
+          <a:lstStyle/>
+          <a:p>
+            <a:r>
+              <a:rPr lang="de-DE" sz="2800" dirty="0" smtClean="0"/>
+              <a:t>Haushaltsjahr 2016</a:t>
+            </a:r>
+            <a:endParaRPr lang="de-DE" sz="2800" dirty="0"/>
+          </a:p>
+        </p:txBody>
+      </p:sp>
+      <p:sp>
+        <p:nvSpPr>
+          <p:cNvPr id="18" name="Abgerundetes Rechteck 17">
+            <a:hlinkClick r:id="rId3" action="ppaction://hlinksldjump"/>
+          </p:cNvPr>
+          <p:cNvSpPr/>
+          <p:nvPr/>
+        </p:nvSpPr>
+        <p:spPr>
+          <a:xfrm>
+            <a:off x="4232158" y="1036539"/>
+            <a:ext cx="1206741" cy="320634"/>
+          </a:xfrm>
+          <a:prstGeom prst="roundRect">
+            <a:avLst/>
+          </a:prstGeom>
+          <a:ln w="12700"/>
+        </p:spPr>
+        <p:style>
+          <a:lnRef idx="1">
+            <a:schemeClr val="accent3"/>
+          </a:lnRef>
+          <a:fillRef idx="2">
+            <a:schemeClr val="accent3"/>
+          </a:fillRef>
+          <a:effectRef idx="1">
+            <a:schemeClr val="accent3"/>
+          </a:effectRef>
+          <a:fontRef idx="minor">
+            <a:schemeClr val="dk1"/>
+          </a:fontRef>
+        </p:style>
+        <p:txBody>
+          <a:bodyPr rtlCol="0" anchor="ctr"/>
+          <a:lstStyle/>
+          <a:p>
+            <a:pPr algn="ctr"/>
+            <a:r>
+              <a:rPr lang="de-DE" dirty="0" err="1" smtClean="0"/>
+              <a:t>Logout</a:t>
+            </a:r>
+            <a:endParaRPr lang="de-DE" dirty="0"/>
+          </a:p>
+        </p:txBody>
+      </p:sp>
     </p:spTree>
     <p:extLst>
       <p:ext uri="{BB962C8B-B14F-4D97-AF65-F5344CB8AC3E}">
@@ -6025,615 +5586,16 @@
           <a:chExt cx="0" cy="0"/>
         </a:xfrm>
       </p:grpSpPr>
-      <p:sp>
-        <p:nvSpPr>
-          <p:cNvPr id="5" name="Textfeld 4"/>
-          <p:cNvSpPr txBox="1"/>
-          <p:nvPr/>
-        </p:nvSpPr>
-        <p:spPr>
-          <a:xfrm>
-            <a:off x="203199" y="1360559"/>
-            <a:ext cx="2999539" cy="523220"/>
-          </a:xfrm>
-          <a:prstGeom prst="rect">
-            <a:avLst/>
-          </a:prstGeom>
-          <a:noFill/>
-        </p:spPr>
-        <p:txBody>
-          <a:bodyPr wrap="none" rtlCol="0">
-            <a:spAutoFit/>
-          </a:bodyPr>
-          <a:lstStyle/>
-          <a:p>
-            <a:r>
-              <a:rPr lang="de-DE" sz="2800" dirty="0" smtClean="0"/>
-              <a:t>Haushaltsjahr 2016</a:t>
-            </a:r>
-            <a:endParaRPr lang="de-DE" sz="2800" dirty="0"/>
-          </a:p>
-        </p:txBody>
-      </p:sp>
-      <p:sp>
-        <p:nvSpPr>
-          <p:cNvPr id="7" name="Abgerundetes Rechteck 6">
-            <a:hlinkClick r:id="rId2" action="ppaction://hlinksldjump"/>
-          </p:cNvPr>
-          <p:cNvSpPr/>
-          <p:nvPr/>
-        </p:nvSpPr>
-        <p:spPr>
-          <a:xfrm>
-            <a:off x="4232158" y="1036539"/>
-            <a:ext cx="1206741" cy="320634"/>
-          </a:xfrm>
-          <a:prstGeom prst="roundRect">
-            <a:avLst/>
-          </a:prstGeom>
-          <a:ln w="12700"/>
-        </p:spPr>
-        <p:style>
-          <a:lnRef idx="1">
-            <a:schemeClr val="accent3"/>
-          </a:lnRef>
-          <a:fillRef idx="2">
-            <a:schemeClr val="accent3"/>
-          </a:fillRef>
-          <a:effectRef idx="1">
-            <a:schemeClr val="accent3"/>
-          </a:effectRef>
-          <a:fontRef idx="minor">
-            <a:schemeClr val="dk1"/>
-          </a:fontRef>
-        </p:style>
-        <p:txBody>
-          <a:bodyPr rtlCol="0" anchor="ctr"/>
-          <a:lstStyle/>
-          <a:p>
-            <a:pPr algn="ctr"/>
-            <a:r>
-              <a:rPr lang="de-DE" dirty="0" err="1" smtClean="0"/>
-              <a:t>Logout</a:t>
-            </a:r>
-            <a:endParaRPr lang="de-DE" dirty="0"/>
-          </a:p>
-        </p:txBody>
-      </p:sp>
-      <p:sp>
-        <p:nvSpPr>
-          <p:cNvPr id="8" name="Rechteck 7"/>
-          <p:cNvSpPr/>
-          <p:nvPr/>
-        </p:nvSpPr>
-        <p:spPr>
-          <a:xfrm>
-            <a:off x="1455387" y="3830333"/>
-            <a:ext cx="3776354" cy="570015"/>
-          </a:xfrm>
-          <a:prstGeom prst="rect">
-            <a:avLst/>
-          </a:prstGeom>
-        </p:spPr>
-        <p:style>
-          <a:lnRef idx="2">
-            <a:schemeClr val="dk1"/>
-          </a:lnRef>
-          <a:fillRef idx="1">
-            <a:schemeClr val="lt1"/>
-          </a:fillRef>
-          <a:effectRef idx="0">
-            <a:schemeClr val="dk1"/>
-          </a:effectRef>
-          <a:fontRef idx="minor">
-            <a:schemeClr val="dk1"/>
-          </a:fontRef>
-        </p:style>
-        <p:txBody>
-          <a:bodyPr rtlCol="0" anchor="ctr"/>
-          <a:lstStyle/>
-          <a:p>
-            <a:pPr algn="ctr"/>
-            <a:endParaRPr lang="de-DE"/>
-          </a:p>
-        </p:txBody>
-      </p:sp>
-      <p:sp>
-        <p:nvSpPr>
-          <p:cNvPr id="9" name="Rechteck 8"/>
-          <p:cNvSpPr/>
-          <p:nvPr/>
-        </p:nvSpPr>
-        <p:spPr>
-          <a:xfrm>
-            <a:off x="1455387" y="2609446"/>
-            <a:ext cx="3776354" cy="570015"/>
-          </a:xfrm>
-          <a:prstGeom prst="rect">
-            <a:avLst/>
-          </a:prstGeom>
-        </p:spPr>
-        <p:style>
-          <a:lnRef idx="2">
-            <a:schemeClr val="dk1"/>
-          </a:lnRef>
-          <a:fillRef idx="1">
-            <a:schemeClr val="lt1"/>
-          </a:fillRef>
-          <a:effectRef idx="0">
-            <a:schemeClr val="dk1"/>
-          </a:effectRef>
-          <a:fontRef idx="minor">
-            <a:schemeClr val="dk1"/>
-          </a:fontRef>
-        </p:style>
-        <p:txBody>
-          <a:bodyPr rtlCol="0" anchor="ctr"/>
-          <a:lstStyle/>
-          <a:p>
-            <a:pPr algn="ctr"/>
-            <a:endParaRPr lang="de-DE"/>
-          </a:p>
-        </p:txBody>
-      </p:sp>
-      <p:sp>
-        <p:nvSpPr>
-          <p:cNvPr id="10" name="Rechteck 9"/>
-          <p:cNvSpPr/>
-          <p:nvPr/>
-        </p:nvSpPr>
-        <p:spPr>
-          <a:xfrm>
-            <a:off x="1455387" y="5046560"/>
-            <a:ext cx="3776354" cy="570015"/>
-          </a:xfrm>
-          <a:prstGeom prst="rect">
-            <a:avLst/>
-          </a:prstGeom>
-        </p:spPr>
-        <p:style>
-          <a:lnRef idx="2">
-            <a:schemeClr val="dk1"/>
-          </a:lnRef>
-          <a:fillRef idx="1">
-            <a:schemeClr val="lt1"/>
-          </a:fillRef>
-          <a:effectRef idx="0">
-            <a:schemeClr val="dk1"/>
-          </a:effectRef>
-          <a:fontRef idx="minor">
-            <a:schemeClr val="dk1"/>
-          </a:fontRef>
-        </p:style>
-        <p:txBody>
-          <a:bodyPr rtlCol="0" anchor="ctr"/>
-          <a:lstStyle/>
-          <a:p>
-            <a:pPr algn="ctr"/>
-            <a:endParaRPr lang="de-DE"/>
-          </a:p>
-        </p:txBody>
-      </p:sp>
-      <p:sp>
-        <p:nvSpPr>
-          <p:cNvPr id="11" name="Rechteck 10"/>
-          <p:cNvSpPr/>
-          <p:nvPr/>
-        </p:nvSpPr>
-        <p:spPr>
-          <a:xfrm>
-            <a:off x="6935190" y="2614105"/>
-            <a:ext cx="3776354" cy="570015"/>
-          </a:xfrm>
-          <a:prstGeom prst="rect">
-            <a:avLst/>
-          </a:prstGeom>
-        </p:spPr>
-        <p:style>
-          <a:lnRef idx="2">
-            <a:schemeClr val="dk1"/>
-          </a:lnRef>
-          <a:fillRef idx="1">
-            <a:schemeClr val="lt1"/>
-          </a:fillRef>
-          <a:effectRef idx="0">
-            <a:schemeClr val="dk1"/>
-          </a:effectRef>
-          <a:fontRef idx="minor">
-            <a:schemeClr val="dk1"/>
-          </a:fontRef>
-        </p:style>
-        <p:txBody>
-          <a:bodyPr rtlCol="0" anchor="ctr"/>
-          <a:lstStyle/>
-          <a:p>
-            <a:pPr algn="ctr"/>
-            <a:endParaRPr lang="de-DE"/>
-          </a:p>
-        </p:txBody>
-      </p:sp>
-      <p:sp>
-        <p:nvSpPr>
-          <p:cNvPr id="12" name="Rechteck 11"/>
-          <p:cNvSpPr/>
-          <p:nvPr/>
-        </p:nvSpPr>
-        <p:spPr>
-          <a:xfrm>
-            <a:off x="6935190" y="5046561"/>
-            <a:ext cx="3776354" cy="570015"/>
-          </a:xfrm>
-          <a:prstGeom prst="rect">
-            <a:avLst/>
-          </a:prstGeom>
-        </p:spPr>
-        <p:style>
-          <a:lnRef idx="2">
-            <a:schemeClr val="dk1"/>
-          </a:lnRef>
-          <a:fillRef idx="1">
-            <a:schemeClr val="lt1"/>
-          </a:fillRef>
-          <a:effectRef idx="0">
-            <a:schemeClr val="dk1"/>
-          </a:effectRef>
-          <a:fontRef idx="minor">
-            <a:schemeClr val="dk1"/>
-          </a:fontRef>
-        </p:style>
-        <p:txBody>
-          <a:bodyPr rtlCol="0" anchor="ctr"/>
-          <a:lstStyle/>
-          <a:p>
-            <a:pPr algn="ctr"/>
-            <a:endParaRPr lang="de-DE"/>
-          </a:p>
-        </p:txBody>
-      </p:sp>
-      <p:sp>
-        <p:nvSpPr>
-          <p:cNvPr id="13" name="Rechteck 12"/>
-          <p:cNvSpPr/>
-          <p:nvPr/>
-        </p:nvSpPr>
-        <p:spPr>
-          <a:xfrm>
-            <a:off x="6935190" y="3830333"/>
-            <a:ext cx="3776354" cy="570015"/>
-          </a:xfrm>
-          <a:prstGeom prst="rect">
-            <a:avLst/>
-          </a:prstGeom>
-        </p:spPr>
-        <p:style>
-          <a:lnRef idx="2">
-            <a:schemeClr val="dk1"/>
-          </a:lnRef>
-          <a:fillRef idx="1">
-            <a:schemeClr val="lt1"/>
-          </a:fillRef>
-          <a:effectRef idx="0">
-            <a:schemeClr val="dk1"/>
-          </a:effectRef>
-          <a:fontRef idx="minor">
-            <a:schemeClr val="dk1"/>
-          </a:fontRef>
-        </p:style>
-        <p:txBody>
-          <a:bodyPr rtlCol="0" anchor="ctr"/>
-          <a:lstStyle/>
-          <a:p>
-            <a:pPr algn="ctr"/>
-            <a:endParaRPr lang="de-DE"/>
-          </a:p>
-        </p:txBody>
-      </p:sp>
-      <p:sp>
-        <p:nvSpPr>
-          <p:cNvPr id="14" name="Textfeld 13"/>
-          <p:cNvSpPr txBox="1"/>
-          <p:nvPr/>
-        </p:nvSpPr>
-        <p:spPr>
-          <a:xfrm>
-            <a:off x="4514894" y="1772552"/>
-            <a:ext cx="3172279" cy="461665"/>
-          </a:xfrm>
-          <a:prstGeom prst="rect">
-            <a:avLst/>
-          </a:prstGeom>
-          <a:noFill/>
-        </p:spPr>
-        <p:txBody>
-          <a:bodyPr wrap="none" rtlCol="0">
-            <a:spAutoFit/>
-          </a:bodyPr>
-          <a:lstStyle/>
-          <a:p>
-            <a:r>
-              <a:rPr lang="de-DE" sz="2400" dirty="0" smtClean="0"/>
-              <a:t>Neue Bestellung Bücher</a:t>
-            </a:r>
-            <a:endParaRPr lang="de-DE" sz="2400" dirty="0"/>
-          </a:p>
-        </p:txBody>
-      </p:sp>
-      <p:sp>
-        <p:nvSpPr>
-          <p:cNvPr id="15" name="Textfeld 14"/>
-          <p:cNvSpPr txBox="1"/>
-          <p:nvPr/>
-        </p:nvSpPr>
-        <p:spPr>
-          <a:xfrm>
-            <a:off x="2978784" y="2192655"/>
-            <a:ext cx="729559" cy="461665"/>
-          </a:xfrm>
-          <a:prstGeom prst="rect">
-            <a:avLst/>
-          </a:prstGeom>
-          <a:noFill/>
-        </p:spPr>
-        <p:txBody>
-          <a:bodyPr wrap="none" rtlCol="0">
-            <a:spAutoFit/>
-          </a:bodyPr>
-          <a:lstStyle/>
-          <a:p>
-            <a:r>
-              <a:rPr lang="de-DE" sz="2400" dirty="0" smtClean="0"/>
-              <a:t>Titel</a:t>
-            </a:r>
-            <a:endParaRPr lang="de-DE" sz="2400" dirty="0"/>
-          </a:p>
-        </p:txBody>
-      </p:sp>
-      <p:sp>
-        <p:nvSpPr>
-          <p:cNvPr id="16" name="Rechteck 15"/>
-          <p:cNvSpPr/>
-          <p:nvPr/>
-        </p:nvSpPr>
-        <p:spPr>
-          <a:xfrm>
-            <a:off x="2978784" y="3411585"/>
-            <a:ext cx="768159" cy="461665"/>
-          </a:xfrm>
-          <a:prstGeom prst="rect">
-            <a:avLst/>
-          </a:prstGeom>
-        </p:spPr>
-        <p:txBody>
-          <a:bodyPr wrap="none">
-            <a:spAutoFit/>
-          </a:bodyPr>
-          <a:lstStyle/>
-          <a:p>
-            <a:r>
-              <a:rPr lang="de-DE" sz="2400" dirty="0" smtClean="0"/>
-              <a:t>ISBN</a:t>
-            </a:r>
-            <a:endParaRPr lang="de-DE" sz="2400" dirty="0"/>
-          </a:p>
-        </p:txBody>
-      </p:sp>
-      <p:sp>
-        <p:nvSpPr>
-          <p:cNvPr id="17" name="Rechteck 16"/>
-          <p:cNvSpPr/>
-          <p:nvPr/>
-        </p:nvSpPr>
-        <p:spPr>
-          <a:xfrm>
-            <a:off x="2852306" y="4618870"/>
-            <a:ext cx="1021113" cy="461665"/>
-          </a:xfrm>
-          <a:prstGeom prst="rect">
-            <a:avLst/>
-          </a:prstGeom>
-        </p:spPr>
-        <p:txBody>
-          <a:bodyPr wrap="none">
-            <a:spAutoFit/>
-          </a:bodyPr>
-          <a:lstStyle/>
-          <a:p>
-            <a:r>
-              <a:rPr lang="de-DE" sz="2400" dirty="0" smtClean="0"/>
-              <a:t>Anzahl</a:t>
-            </a:r>
-            <a:endParaRPr lang="de-DE" sz="2400" dirty="0"/>
-          </a:p>
-        </p:txBody>
-      </p:sp>
-      <p:sp>
-        <p:nvSpPr>
-          <p:cNvPr id="18" name="Rechteck 17"/>
-          <p:cNvSpPr/>
-          <p:nvPr/>
-        </p:nvSpPr>
-        <p:spPr>
-          <a:xfrm>
-            <a:off x="8123782" y="2192654"/>
-            <a:ext cx="1469441" cy="461665"/>
-          </a:xfrm>
-          <a:prstGeom prst="rect">
-            <a:avLst/>
-          </a:prstGeom>
-        </p:spPr>
-        <p:txBody>
-          <a:bodyPr wrap="none">
-            <a:spAutoFit/>
-          </a:bodyPr>
-          <a:lstStyle/>
-          <a:p>
-            <a:r>
-              <a:rPr lang="de-DE" sz="2400" dirty="0" smtClean="0"/>
-              <a:t>Stückpreis</a:t>
-            </a:r>
-            <a:endParaRPr lang="de-DE" sz="2400" dirty="0"/>
-          </a:p>
-        </p:txBody>
-      </p:sp>
-      <p:sp>
-        <p:nvSpPr>
-          <p:cNvPr id="19" name="Rechteck 18"/>
-          <p:cNvSpPr/>
-          <p:nvPr/>
-        </p:nvSpPr>
-        <p:spPr>
-          <a:xfrm>
-            <a:off x="8050781" y="3429759"/>
-            <a:ext cx="1615442" cy="461665"/>
-          </a:xfrm>
-          <a:prstGeom prst="rect">
-            <a:avLst/>
-          </a:prstGeom>
-        </p:spPr>
-        <p:txBody>
-          <a:bodyPr wrap="none">
-            <a:spAutoFit/>
-          </a:bodyPr>
-          <a:lstStyle/>
-          <a:p>
-            <a:r>
-              <a:rPr lang="de-DE" sz="2400" dirty="0" smtClean="0"/>
-              <a:t>Bemerkung</a:t>
-            </a:r>
-            <a:endParaRPr lang="de-DE" sz="2400" dirty="0"/>
-          </a:p>
-        </p:txBody>
-      </p:sp>
-      <p:sp>
-        <p:nvSpPr>
-          <p:cNvPr id="20" name="Rechteck 19"/>
-          <p:cNvSpPr/>
-          <p:nvPr/>
-        </p:nvSpPr>
-        <p:spPr>
-          <a:xfrm>
-            <a:off x="6808549" y="4618870"/>
-            <a:ext cx="4099905" cy="461665"/>
-          </a:xfrm>
-          <a:prstGeom prst="rect">
-            <a:avLst/>
-          </a:prstGeom>
-        </p:spPr>
-        <p:txBody>
-          <a:bodyPr wrap="none">
-            <a:spAutoFit/>
-          </a:bodyPr>
-          <a:lstStyle/>
-          <a:p>
-            <a:r>
-              <a:rPr lang="de-DE" sz="2400" dirty="0" smtClean="0"/>
-              <a:t>Vorbestellung / Nachbestellung</a:t>
-            </a:r>
-            <a:endParaRPr lang="de-DE" sz="2400" dirty="0"/>
-          </a:p>
-        </p:txBody>
-      </p:sp>
-      <p:sp>
-        <p:nvSpPr>
-          <p:cNvPr id="22" name="Abgerundetes Rechteck 21">
-            <a:hlinkClick r:id="rId3" action="ppaction://hlinksldjump"/>
-          </p:cNvPr>
-          <p:cNvSpPr/>
-          <p:nvPr/>
-        </p:nvSpPr>
-        <p:spPr>
-          <a:xfrm>
-            <a:off x="7873341" y="5949538"/>
-            <a:ext cx="3776354" cy="748620"/>
-          </a:xfrm>
-          <a:prstGeom prst="roundRect">
-            <a:avLst/>
-          </a:prstGeom>
-        </p:spPr>
-        <p:style>
-          <a:lnRef idx="2">
-            <a:schemeClr val="accent1">
-              <a:shade val="50000"/>
-            </a:schemeClr>
-          </a:lnRef>
-          <a:fillRef idx="1">
-            <a:schemeClr val="accent1"/>
-          </a:fillRef>
-          <a:effectRef idx="0">
-            <a:schemeClr val="accent1"/>
-          </a:effectRef>
-          <a:fontRef idx="minor">
-            <a:schemeClr val="lt1"/>
-          </a:fontRef>
-        </p:style>
-        <p:txBody>
-          <a:bodyPr rtlCol="0" anchor="ctr"/>
-          <a:lstStyle/>
-          <a:p>
-            <a:pPr algn="ctr"/>
-            <a:r>
-              <a:rPr lang="de-DE" sz="2800" dirty="0" smtClean="0"/>
-              <a:t>Bestellung weiterleiten</a:t>
-            </a:r>
-            <a:endParaRPr lang="de-DE" sz="2800" dirty="0"/>
-          </a:p>
-        </p:txBody>
-      </p:sp>
-      <p:sp>
-        <p:nvSpPr>
-          <p:cNvPr id="23" name="Abgerundetes Rechteck 22">
-            <a:hlinkClick r:id="rId4" action="ppaction://hlinksldjump"/>
-          </p:cNvPr>
-          <p:cNvSpPr/>
-          <p:nvPr/>
-        </p:nvSpPr>
-        <p:spPr>
-          <a:xfrm>
-            <a:off x="1785968" y="6385819"/>
-            <a:ext cx="2833539" cy="320634"/>
-          </a:xfrm>
-          <a:prstGeom prst="roundRect">
-            <a:avLst/>
-          </a:prstGeom>
-          <a:ln w="12700"/>
-        </p:spPr>
-        <p:style>
-          <a:lnRef idx="1">
-            <a:schemeClr val="accent3"/>
-          </a:lnRef>
-          <a:fillRef idx="2">
-            <a:schemeClr val="accent3"/>
-          </a:fillRef>
-          <a:effectRef idx="1">
-            <a:schemeClr val="accent3"/>
-          </a:effectRef>
-          <a:fontRef idx="minor">
-            <a:schemeClr val="dk1"/>
-          </a:fontRef>
-        </p:style>
-        <p:txBody>
-          <a:bodyPr rtlCol="0" anchor="ctr"/>
-          <a:lstStyle/>
-          <a:p>
-            <a:pPr algn="ctr"/>
-            <a:r>
-              <a:rPr lang="de-DE" dirty="0" smtClean="0"/>
-              <a:t>Zurück zum Hauptmenü</a:t>
-            </a:r>
-            <a:endParaRPr lang="de-DE" dirty="0"/>
-          </a:p>
-        </p:txBody>
-      </p:sp>
       <p:graphicFrame>
         <p:nvGraphicFramePr>
-          <p:cNvPr id="21" name="Tabelle 20"/>
+          <p:cNvPr id="4" name="Tabelle 3"/>
           <p:cNvGraphicFramePr>
             <a:graphicFrameLocks noGrp="1"/>
           </p:cNvGraphicFramePr>
           <p:nvPr>
             <p:extLst>
               <p:ext uri="{D42A27DB-BD31-4B8C-83A1-F6EECF244321}">
-                <p14:modId xmlns:p14="http://schemas.microsoft.com/office/powerpoint/2010/main" val="2567544615"/>
+                <p14:modId xmlns:p14="http://schemas.microsoft.com/office/powerpoint/2010/main" val="1101122687"/>
               </p:ext>
             </p:extLst>
           </p:nvPr>
@@ -6673,12 +5635,42 @@
                     <a:lstStyle/>
                     <a:p>
                       <a:r>
+                        <a:rPr lang="de-DE" dirty="0" smtClean="0"/>
+                        <a:t>Max Musterlehrer (MM)</a:t>
+                      </a:r>
+                      <a:endParaRPr lang="de-DE" dirty="0"/>
+                    </a:p>
+                  </a:txBody>
+                  <a:tcPr/>
+                </a:tc>
+              </a:tr>
+              <a:tr h="370840">
+                <a:tc>
+                  <a:txBody>
+                    <a:bodyPr/>
+                    <a:lstStyle/>
+                    <a:p>
+                      <a:r>
+                        <a:rPr lang="de-DE" dirty="0" smtClean="0"/>
+                        <a:t>Abteilung:</a:t>
+                      </a:r>
+                      <a:endParaRPr lang="de-DE" dirty="0"/>
+                    </a:p>
+                  </a:txBody>
+                  <a:tcPr/>
+                </a:tc>
+                <a:tc>
+                  <a:txBody>
+                    <a:bodyPr/>
+                    <a:lstStyle/>
+                    <a:p>
+                      <a:r>
                         <a:rPr lang="de-DE" dirty="0" err="1" smtClean="0"/>
                         <a:t>Gregorian</a:t>
                       </a:r>
                       <a:r>
                         <a:rPr lang="de-DE" dirty="0" smtClean="0"/>
-                        <a:t> Abteilungsleiter (FA)</a:t>
+                        <a:t>, Schmitt-Schwickert</a:t>
                       </a:r>
                       <a:endParaRPr lang="de-DE" dirty="0"/>
                     </a:p>
@@ -6694,7 +5686,7 @@
                     <a:p>
                       <a:r>
                         <a:rPr lang="de-DE" dirty="0" smtClean="0"/>
-                        <a:t>Abteilung:</a:t>
+                        <a:t>Fachschaft:</a:t>
                       </a:r>
                       <a:endParaRPr lang="de-DE" dirty="0"/>
                     </a:p>
@@ -6707,31 +5699,9 @@
                     <a:lstStyle/>
                     <a:p>
                       <a:r>
-                        <a:rPr lang="de-DE" dirty="0" err="1" smtClean="0"/>
-                        <a:t>Gregorian</a:t>
-                      </a:r>
-                      <a:endParaRPr lang="de-DE" dirty="0"/>
-                    </a:p>
-                  </a:txBody>
-                  <a:tcPr/>
-                </a:tc>
-              </a:tr>
-              <a:tr h="370840">
-                <a:tc>
-                  <a:txBody>
-                    <a:bodyPr/>
-                    <a:lstStyle/>
-                    <a:p>
-                      <a:endParaRPr lang="de-DE" dirty="0"/>
-                    </a:p>
-                  </a:txBody>
-                  <a:tcPr/>
-                </a:tc>
-                <a:tc>
-                  <a:txBody>
-                    <a:bodyPr/>
-                    <a:lstStyle/>
-                    <a:p>
+                        <a:rPr lang="de-DE" dirty="0" smtClean="0"/>
+                        <a:t>Elektrotechnik</a:t>
+                      </a:r>
                       <a:endParaRPr lang="de-DE" dirty="0"/>
                     </a:p>
                   </a:txBody>
@@ -6742,6 +5712,1227 @@
           </a:graphicData>
         </a:graphic>
       </p:graphicFrame>
+      <p:sp>
+        <p:nvSpPr>
+          <p:cNvPr id="5" name="Textfeld 4"/>
+          <p:cNvSpPr txBox="1"/>
+          <p:nvPr/>
+        </p:nvSpPr>
+        <p:spPr>
+          <a:xfrm>
+            <a:off x="203199" y="1360559"/>
+            <a:ext cx="2999539" cy="523220"/>
+          </a:xfrm>
+          <a:prstGeom prst="rect">
+            <a:avLst/>
+          </a:prstGeom>
+          <a:noFill/>
+        </p:spPr>
+        <p:txBody>
+          <a:bodyPr wrap="none" rtlCol="0">
+            <a:spAutoFit/>
+          </a:bodyPr>
+          <a:lstStyle/>
+          <a:p>
+            <a:r>
+              <a:rPr lang="de-DE" sz="2800" dirty="0" smtClean="0"/>
+              <a:t>Haushaltsjahr 2016</a:t>
+            </a:r>
+            <a:endParaRPr lang="de-DE" sz="2800" dirty="0"/>
+          </a:p>
+        </p:txBody>
+      </p:sp>
+      <p:sp>
+        <p:nvSpPr>
+          <p:cNvPr id="7" name="Abgerundetes Rechteck 6">
+            <a:hlinkClick r:id="rId2" action="ppaction://hlinksldjump"/>
+          </p:cNvPr>
+          <p:cNvSpPr/>
+          <p:nvPr/>
+        </p:nvSpPr>
+        <p:spPr>
+          <a:xfrm>
+            <a:off x="4232158" y="1036539"/>
+            <a:ext cx="1206741" cy="320634"/>
+          </a:xfrm>
+          <a:prstGeom prst="roundRect">
+            <a:avLst/>
+          </a:prstGeom>
+          <a:ln w="12700"/>
+        </p:spPr>
+        <p:style>
+          <a:lnRef idx="1">
+            <a:schemeClr val="accent3"/>
+          </a:lnRef>
+          <a:fillRef idx="2">
+            <a:schemeClr val="accent3"/>
+          </a:fillRef>
+          <a:effectRef idx="1">
+            <a:schemeClr val="accent3"/>
+          </a:effectRef>
+          <a:fontRef idx="minor">
+            <a:schemeClr val="dk1"/>
+          </a:fontRef>
+        </p:style>
+        <p:txBody>
+          <a:bodyPr rtlCol="0" anchor="ctr"/>
+          <a:lstStyle/>
+          <a:p>
+            <a:pPr algn="ctr"/>
+            <a:r>
+              <a:rPr lang="de-DE" dirty="0" err="1" smtClean="0"/>
+              <a:t>Logout</a:t>
+            </a:r>
+            <a:endParaRPr lang="de-DE" dirty="0"/>
+          </a:p>
+        </p:txBody>
+      </p:sp>
+      <p:sp>
+        <p:nvSpPr>
+          <p:cNvPr id="9" name="Rechteck 8"/>
+          <p:cNvSpPr/>
+          <p:nvPr/>
+        </p:nvSpPr>
+        <p:spPr>
+          <a:xfrm>
+            <a:off x="1455387" y="2609446"/>
+            <a:ext cx="2291556" cy="343843"/>
+          </a:xfrm>
+          <a:prstGeom prst="rect">
+            <a:avLst/>
+          </a:prstGeom>
+        </p:spPr>
+        <p:style>
+          <a:lnRef idx="2">
+            <a:schemeClr val="dk1"/>
+          </a:lnRef>
+          <a:fillRef idx="1">
+            <a:schemeClr val="lt1"/>
+          </a:fillRef>
+          <a:effectRef idx="0">
+            <a:schemeClr val="dk1"/>
+          </a:effectRef>
+          <a:fontRef idx="minor">
+            <a:schemeClr val="dk1"/>
+          </a:fontRef>
+        </p:style>
+        <p:txBody>
+          <a:bodyPr rtlCol="0" anchor="ctr"/>
+          <a:lstStyle/>
+          <a:p>
+            <a:pPr algn="ctr"/>
+            <a:endParaRPr lang="de-DE"/>
+          </a:p>
+        </p:txBody>
+      </p:sp>
+      <p:sp>
+        <p:nvSpPr>
+          <p:cNvPr id="14" name="Textfeld 13"/>
+          <p:cNvSpPr txBox="1"/>
+          <p:nvPr/>
+        </p:nvSpPr>
+        <p:spPr>
+          <a:xfrm>
+            <a:off x="4514894" y="1772552"/>
+            <a:ext cx="3172279" cy="461665"/>
+          </a:xfrm>
+          <a:prstGeom prst="rect">
+            <a:avLst/>
+          </a:prstGeom>
+          <a:noFill/>
+        </p:spPr>
+        <p:txBody>
+          <a:bodyPr wrap="none" rtlCol="0">
+            <a:spAutoFit/>
+          </a:bodyPr>
+          <a:lstStyle/>
+          <a:p>
+            <a:r>
+              <a:rPr lang="de-DE" sz="2400" dirty="0" smtClean="0"/>
+              <a:t>Neue Bestellung Bücher</a:t>
+            </a:r>
+            <a:endParaRPr lang="de-DE" sz="2400" dirty="0"/>
+          </a:p>
+        </p:txBody>
+      </p:sp>
+      <p:sp>
+        <p:nvSpPr>
+          <p:cNvPr id="15" name="Textfeld 14"/>
+          <p:cNvSpPr txBox="1"/>
+          <p:nvPr/>
+        </p:nvSpPr>
+        <p:spPr>
+          <a:xfrm>
+            <a:off x="2236385" y="2192654"/>
+            <a:ext cx="729559" cy="461665"/>
+          </a:xfrm>
+          <a:prstGeom prst="rect">
+            <a:avLst/>
+          </a:prstGeom>
+          <a:noFill/>
+        </p:spPr>
+        <p:txBody>
+          <a:bodyPr wrap="none" rtlCol="0">
+            <a:spAutoFit/>
+          </a:bodyPr>
+          <a:lstStyle/>
+          <a:p>
+            <a:r>
+              <a:rPr lang="de-DE" sz="2400" dirty="0" smtClean="0"/>
+              <a:t>Titel</a:t>
+            </a:r>
+            <a:endParaRPr lang="de-DE" sz="2400" dirty="0"/>
+          </a:p>
+        </p:txBody>
+      </p:sp>
+      <p:sp>
+        <p:nvSpPr>
+          <p:cNvPr id="16" name="Rechteck 15"/>
+          <p:cNvSpPr/>
+          <p:nvPr/>
+        </p:nvSpPr>
+        <p:spPr>
+          <a:xfrm>
+            <a:off x="2236386" y="2951167"/>
+            <a:ext cx="768159" cy="461665"/>
+          </a:xfrm>
+          <a:prstGeom prst="rect">
+            <a:avLst/>
+          </a:prstGeom>
+        </p:spPr>
+        <p:txBody>
+          <a:bodyPr wrap="none">
+            <a:spAutoFit/>
+          </a:bodyPr>
+          <a:lstStyle/>
+          <a:p>
+            <a:r>
+              <a:rPr lang="de-DE" sz="2400" dirty="0" smtClean="0"/>
+              <a:t>ISBN</a:t>
+            </a:r>
+            <a:endParaRPr lang="de-DE" sz="2400" dirty="0"/>
+          </a:p>
+        </p:txBody>
+      </p:sp>
+      <p:sp>
+        <p:nvSpPr>
+          <p:cNvPr id="17" name="Rechteck 16"/>
+          <p:cNvSpPr/>
+          <p:nvPr/>
+        </p:nvSpPr>
+        <p:spPr>
+          <a:xfrm>
+            <a:off x="2109910" y="5130162"/>
+            <a:ext cx="1021113" cy="461665"/>
+          </a:xfrm>
+          <a:prstGeom prst="rect">
+            <a:avLst/>
+          </a:prstGeom>
+        </p:spPr>
+        <p:txBody>
+          <a:bodyPr wrap="none">
+            <a:spAutoFit/>
+          </a:bodyPr>
+          <a:lstStyle/>
+          <a:p>
+            <a:r>
+              <a:rPr lang="de-DE" sz="2400" dirty="0" smtClean="0"/>
+              <a:t>Anzahl</a:t>
+            </a:r>
+            <a:endParaRPr lang="de-DE" sz="2400" dirty="0"/>
+          </a:p>
+        </p:txBody>
+      </p:sp>
+      <p:sp>
+        <p:nvSpPr>
+          <p:cNvPr id="18" name="Rechteck 17"/>
+          <p:cNvSpPr/>
+          <p:nvPr/>
+        </p:nvSpPr>
+        <p:spPr>
+          <a:xfrm>
+            <a:off x="9494973" y="2199641"/>
+            <a:ext cx="1469441" cy="461665"/>
+          </a:xfrm>
+          <a:prstGeom prst="rect">
+            <a:avLst/>
+          </a:prstGeom>
+        </p:spPr>
+        <p:txBody>
+          <a:bodyPr wrap="none">
+            <a:spAutoFit/>
+          </a:bodyPr>
+          <a:lstStyle/>
+          <a:p>
+            <a:r>
+              <a:rPr lang="de-DE" sz="2400" dirty="0" smtClean="0"/>
+              <a:t>Stückpreis</a:t>
+            </a:r>
+            <a:endParaRPr lang="de-DE" sz="2400" dirty="0"/>
+          </a:p>
+        </p:txBody>
+      </p:sp>
+      <p:sp>
+        <p:nvSpPr>
+          <p:cNvPr id="20" name="Rechteck 19"/>
+          <p:cNvSpPr/>
+          <p:nvPr/>
+        </p:nvSpPr>
+        <p:spPr>
+          <a:xfrm>
+            <a:off x="7378717" y="5139082"/>
+            <a:ext cx="4099905" cy="461665"/>
+          </a:xfrm>
+          <a:prstGeom prst="rect">
+            <a:avLst/>
+          </a:prstGeom>
+        </p:spPr>
+        <p:txBody>
+          <a:bodyPr wrap="none">
+            <a:spAutoFit/>
+          </a:bodyPr>
+          <a:lstStyle/>
+          <a:p>
+            <a:r>
+              <a:rPr lang="de-DE" sz="2400" dirty="0" smtClean="0"/>
+              <a:t>Vorbestellung / Nachbestellung</a:t>
+            </a:r>
+            <a:endParaRPr lang="de-DE" sz="2400" dirty="0"/>
+          </a:p>
+        </p:txBody>
+      </p:sp>
+      <p:sp>
+        <p:nvSpPr>
+          <p:cNvPr id="22" name="Abgerundetes Rechteck 21">
+            <a:hlinkClick r:id="rId3" action="ppaction://hlinksldjump"/>
+          </p:cNvPr>
+          <p:cNvSpPr/>
+          <p:nvPr/>
+        </p:nvSpPr>
+        <p:spPr>
+          <a:xfrm>
+            <a:off x="8816195" y="6202392"/>
+            <a:ext cx="2833499" cy="495766"/>
+          </a:xfrm>
+          <a:prstGeom prst="roundRect">
+            <a:avLst/>
+          </a:prstGeom>
+        </p:spPr>
+        <p:style>
+          <a:lnRef idx="2">
+            <a:schemeClr val="accent1">
+              <a:shade val="50000"/>
+            </a:schemeClr>
+          </a:lnRef>
+          <a:fillRef idx="1">
+            <a:schemeClr val="accent1"/>
+          </a:fillRef>
+          <a:effectRef idx="0">
+            <a:schemeClr val="accent1"/>
+          </a:effectRef>
+          <a:fontRef idx="minor">
+            <a:schemeClr val="lt1"/>
+          </a:fontRef>
+        </p:style>
+        <p:txBody>
+          <a:bodyPr rtlCol="0" anchor="ctr"/>
+          <a:lstStyle/>
+          <a:p>
+            <a:pPr algn="ctr"/>
+            <a:r>
+              <a:rPr lang="de-DE" sz="2000" dirty="0" smtClean="0"/>
+              <a:t>Bestellung weiterleiten</a:t>
+            </a:r>
+            <a:endParaRPr lang="de-DE" sz="2000" dirty="0"/>
+          </a:p>
+        </p:txBody>
+      </p:sp>
+      <p:sp>
+        <p:nvSpPr>
+          <p:cNvPr id="23" name="Abgerundetes Rechteck 22">
+            <a:hlinkClick r:id="rId4" action="ppaction://hlinksldjump"/>
+          </p:cNvPr>
+          <p:cNvSpPr/>
+          <p:nvPr/>
+        </p:nvSpPr>
+        <p:spPr>
+          <a:xfrm>
+            <a:off x="1785968" y="6385819"/>
+            <a:ext cx="2833539" cy="320634"/>
+          </a:xfrm>
+          <a:prstGeom prst="roundRect">
+            <a:avLst/>
+          </a:prstGeom>
+          <a:ln w="12700"/>
+        </p:spPr>
+        <p:style>
+          <a:lnRef idx="1">
+            <a:schemeClr val="accent3"/>
+          </a:lnRef>
+          <a:fillRef idx="2">
+            <a:schemeClr val="accent3"/>
+          </a:fillRef>
+          <a:effectRef idx="1">
+            <a:schemeClr val="accent3"/>
+          </a:effectRef>
+          <a:fontRef idx="minor">
+            <a:schemeClr val="dk1"/>
+          </a:fontRef>
+        </p:style>
+        <p:txBody>
+          <a:bodyPr rtlCol="0" anchor="ctr"/>
+          <a:lstStyle/>
+          <a:p>
+            <a:pPr algn="ctr"/>
+            <a:r>
+              <a:rPr lang="de-DE" dirty="0" smtClean="0"/>
+              <a:t>Zurück zum Hauptmenü</a:t>
+            </a:r>
+            <a:endParaRPr lang="de-DE" dirty="0"/>
+          </a:p>
+        </p:txBody>
+      </p:sp>
+      <p:sp>
+        <p:nvSpPr>
+          <p:cNvPr id="21" name="Rechteck 20"/>
+          <p:cNvSpPr/>
+          <p:nvPr/>
+        </p:nvSpPr>
+        <p:spPr>
+          <a:xfrm>
+            <a:off x="1474688" y="3335300"/>
+            <a:ext cx="2291556" cy="343843"/>
+          </a:xfrm>
+          <a:prstGeom prst="rect">
+            <a:avLst/>
+          </a:prstGeom>
+        </p:spPr>
+        <p:style>
+          <a:lnRef idx="2">
+            <a:schemeClr val="dk1"/>
+          </a:lnRef>
+          <a:fillRef idx="1">
+            <a:schemeClr val="lt1"/>
+          </a:fillRef>
+          <a:effectRef idx="0">
+            <a:schemeClr val="dk1"/>
+          </a:effectRef>
+          <a:fontRef idx="minor">
+            <a:schemeClr val="dk1"/>
+          </a:fontRef>
+        </p:style>
+        <p:txBody>
+          <a:bodyPr rtlCol="0" anchor="ctr"/>
+          <a:lstStyle/>
+          <a:p>
+            <a:pPr algn="ctr"/>
+            <a:endParaRPr lang="de-DE"/>
+          </a:p>
+        </p:txBody>
+      </p:sp>
+      <p:sp>
+        <p:nvSpPr>
+          <p:cNvPr id="24" name="Rechteck 23"/>
+          <p:cNvSpPr/>
+          <p:nvPr/>
+        </p:nvSpPr>
+        <p:spPr>
+          <a:xfrm>
+            <a:off x="1474688" y="5582538"/>
+            <a:ext cx="2291556" cy="343843"/>
+          </a:xfrm>
+          <a:prstGeom prst="rect">
+            <a:avLst/>
+          </a:prstGeom>
+        </p:spPr>
+        <p:style>
+          <a:lnRef idx="2">
+            <a:schemeClr val="dk1"/>
+          </a:lnRef>
+          <a:fillRef idx="1">
+            <a:schemeClr val="lt1"/>
+          </a:fillRef>
+          <a:effectRef idx="0">
+            <a:schemeClr val="dk1"/>
+          </a:effectRef>
+          <a:fontRef idx="minor">
+            <a:schemeClr val="dk1"/>
+          </a:fontRef>
+        </p:style>
+        <p:txBody>
+          <a:bodyPr rtlCol="0" anchor="ctr"/>
+          <a:lstStyle/>
+          <a:p>
+            <a:pPr algn="ctr"/>
+            <a:endParaRPr lang="de-DE"/>
+          </a:p>
+        </p:txBody>
+      </p:sp>
+      <p:sp>
+        <p:nvSpPr>
+          <p:cNvPr id="25" name="Rechteck 24"/>
+          <p:cNvSpPr/>
+          <p:nvPr/>
+        </p:nvSpPr>
+        <p:spPr>
+          <a:xfrm>
+            <a:off x="9083916" y="2605271"/>
+            <a:ext cx="2291556" cy="343843"/>
+          </a:xfrm>
+          <a:prstGeom prst="rect">
+            <a:avLst/>
+          </a:prstGeom>
+        </p:spPr>
+        <p:style>
+          <a:lnRef idx="2">
+            <a:schemeClr val="dk1"/>
+          </a:lnRef>
+          <a:fillRef idx="1">
+            <a:schemeClr val="lt1"/>
+          </a:fillRef>
+          <a:effectRef idx="0">
+            <a:schemeClr val="dk1"/>
+          </a:effectRef>
+          <a:fontRef idx="minor">
+            <a:schemeClr val="dk1"/>
+          </a:fontRef>
+        </p:style>
+        <p:txBody>
+          <a:bodyPr rtlCol="0" anchor="ctr"/>
+          <a:lstStyle/>
+          <a:p>
+            <a:pPr algn="ctr"/>
+            <a:endParaRPr lang="de-DE"/>
+          </a:p>
+        </p:txBody>
+      </p:sp>
+      <p:sp>
+        <p:nvSpPr>
+          <p:cNvPr id="27" name="Rechteck 26"/>
+          <p:cNvSpPr/>
+          <p:nvPr/>
+        </p:nvSpPr>
+        <p:spPr>
+          <a:xfrm>
+            <a:off x="8282891" y="5600747"/>
+            <a:ext cx="2291556" cy="343843"/>
+          </a:xfrm>
+          <a:prstGeom prst="rect">
+            <a:avLst/>
+          </a:prstGeom>
+        </p:spPr>
+        <p:style>
+          <a:lnRef idx="2">
+            <a:schemeClr val="dk1"/>
+          </a:lnRef>
+          <a:fillRef idx="1">
+            <a:schemeClr val="lt1"/>
+          </a:fillRef>
+          <a:effectRef idx="0">
+            <a:schemeClr val="dk1"/>
+          </a:effectRef>
+          <a:fontRef idx="minor">
+            <a:schemeClr val="dk1"/>
+          </a:fontRef>
+        </p:style>
+        <p:txBody>
+          <a:bodyPr rtlCol="0" anchor="ctr"/>
+          <a:lstStyle/>
+          <a:p>
+            <a:pPr algn="ctr"/>
+            <a:endParaRPr lang="de-DE"/>
+          </a:p>
+        </p:txBody>
+      </p:sp>
+      <p:graphicFrame>
+        <p:nvGraphicFramePr>
+          <p:cNvPr id="29" name="Tabelle 28"/>
+          <p:cNvGraphicFramePr>
+            <a:graphicFrameLocks noGrp="1"/>
+          </p:cNvGraphicFramePr>
+          <p:nvPr>
+            <p:extLst>
+              <p:ext uri="{D42A27DB-BD31-4B8C-83A1-F6EECF244321}">
+                <p14:modId xmlns:p14="http://schemas.microsoft.com/office/powerpoint/2010/main" val="3275785320"/>
+              </p:ext>
+            </p:extLst>
+          </p:nvPr>
+        </p:nvGraphicFramePr>
+        <p:xfrm>
+          <a:off x="508959" y="3839104"/>
+          <a:ext cx="10506969" cy="1112520"/>
+        </p:xfrm>
+        <a:graphic>
+          <a:graphicData uri="http://schemas.openxmlformats.org/drawingml/2006/table">
+            <a:tbl>
+              <a:tblPr firstRow="1" bandRow="1">
+                <a:tableStyleId>{5C22544A-7EE6-4342-B048-85BDC9FD1C3A}</a:tableStyleId>
+              </a:tblPr>
+              <a:tblGrid>
+                <a:gridCol w="1337094"/>
+                <a:gridCol w="1664898"/>
+                <a:gridCol w="923026"/>
+                <a:gridCol w="4437498"/>
+                <a:gridCol w="2144453"/>
+              </a:tblGrid>
+              <a:tr h="370840">
+                <a:tc>
+                  <a:txBody>
+                    <a:bodyPr/>
+                    <a:lstStyle/>
+                    <a:p>
+                      <a:r>
+                        <a:rPr lang="de-DE" sz="1400" dirty="0" smtClean="0"/>
+                        <a:t>Titel</a:t>
+                      </a:r>
+                      <a:endParaRPr lang="de-DE" sz="1400" dirty="0"/>
+                    </a:p>
+                  </a:txBody>
+                  <a:tcPr/>
+                </a:tc>
+                <a:tc>
+                  <a:txBody>
+                    <a:bodyPr/>
+                    <a:lstStyle/>
+                    <a:p>
+                      <a:r>
+                        <a:rPr lang="de-DE" sz="1400" dirty="0" smtClean="0"/>
+                        <a:t>ISBN</a:t>
+                      </a:r>
+                      <a:endParaRPr lang="de-DE" sz="1400" dirty="0"/>
+                    </a:p>
+                  </a:txBody>
+                  <a:tcPr/>
+                </a:tc>
+                <a:tc>
+                  <a:txBody>
+                    <a:bodyPr/>
+                    <a:lstStyle/>
+                    <a:p>
+                      <a:r>
+                        <a:rPr lang="de-DE" sz="1400" dirty="0" err="1" smtClean="0"/>
+                        <a:t>StkPreis</a:t>
+                      </a:r>
+                      <a:endParaRPr lang="de-DE" sz="1400" dirty="0"/>
+                    </a:p>
+                  </a:txBody>
+                  <a:tcPr/>
+                </a:tc>
+                <a:tc>
+                  <a:txBody>
+                    <a:bodyPr/>
+                    <a:lstStyle/>
+                    <a:p>
+                      <a:r>
+                        <a:rPr lang="de-DE" sz="1400" dirty="0" smtClean="0"/>
+                        <a:t>Fach</a:t>
+                      </a:r>
+                      <a:endParaRPr lang="de-DE" sz="1400" dirty="0"/>
+                    </a:p>
+                  </a:txBody>
+                  <a:tcPr/>
+                </a:tc>
+                <a:tc>
+                  <a:txBody>
+                    <a:bodyPr/>
+                    <a:lstStyle/>
+                    <a:p>
+                      <a:r>
+                        <a:rPr lang="de-DE" sz="1400" dirty="0" smtClean="0"/>
+                        <a:t>Bearbeiten</a:t>
+                      </a:r>
+                      <a:endParaRPr lang="de-DE" sz="1400" dirty="0"/>
+                    </a:p>
+                  </a:txBody>
+                  <a:tcPr/>
+                </a:tc>
+              </a:tr>
+              <a:tr h="370840">
+                <a:tc>
+                  <a:txBody>
+                    <a:bodyPr/>
+                    <a:lstStyle/>
+                    <a:p>
+                      <a:r>
+                        <a:rPr lang="de-DE" sz="1400" dirty="0" smtClean="0"/>
+                        <a:t>Der PIC</a:t>
+                      </a:r>
+                      <a:endParaRPr lang="de-DE" sz="1400" dirty="0"/>
+                    </a:p>
+                  </a:txBody>
+                  <a:tcPr/>
+                </a:tc>
+                <a:tc>
+                  <a:txBody>
+                    <a:bodyPr/>
+                    <a:lstStyle/>
+                    <a:p>
+                      <a:r>
+                        <a:rPr lang="de-DE" sz="1400" dirty="0" smtClean="0"/>
+                        <a:t>124-54-8421-5</a:t>
+                      </a:r>
+                      <a:endParaRPr lang="de-DE" sz="1400" dirty="0"/>
+                    </a:p>
+                  </a:txBody>
+                  <a:tcPr/>
+                </a:tc>
+                <a:tc>
+                  <a:txBody>
+                    <a:bodyPr/>
+                    <a:lstStyle/>
+                    <a:p>
+                      <a:r>
+                        <a:rPr lang="de-DE" sz="1400" dirty="0" smtClean="0"/>
+                        <a:t>16,99 €</a:t>
+                      </a:r>
+                      <a:endParaRPr lang="de-DE" sz="1400" dirty="0"/>
+                    </a:p>
+                  </a:txBody>
+                  <a:tcPr/>
+                </a:tc>
+                <a:tc>
+                  <a:txBody>
+                    <a:bodyPr/>
+                    <a:lstStyle/>
+                    <a:p>
+                      <a:endParaRPr lang="de-DE" sz="1400" dirty="0"/>
+                    </a:p>
+                  </a:txBody>
+                  <a:tcPr/>
+                </a:tc>
+                <a:tc>
+                  <a:txBody>
+                    <a:bodyPr/>
+                    <a:lstStyle/>
+                    <a:p>
+                      <a:r>
+                        <a:rPr lang="de-DE" sz="1400" dirty="0" smtClean="0"/>
+                        <a:t>Ändern / Löschen</a:t>
+                      </a:r>
+                      <a:endParaRPr lang="de-DE" sz="1400" dirty="0"/>
+                    </a:p>
+                  </a:txBody>
+                  <a:tcPr/>
+                </a:tc>
+              </a:tr>
+              <a:tr h="370840">
+                <a:tc>
+                  <a:txBody>
+                    <a:bodyPr/>
+                    <a:lstStyle/>
+                    <a:p>
+                      <a:r>
+                        <a:rPr lang="de-DE" sz="1400" dirty="0" smtClean="0"/>
+                        <a:t>Das</a:t>
+                      </a:r>
+                      <a:r>
+                        <a:rPr lang="de-DE" sz="1400" baseline="0" dirty="0" smtClean="0"/>
+                        <a:t> Netzteil</a:t>
+                      </a:r>
+                      <a:endParaRPr lang="de-DE" sz="1400" dirty="0"/>
+                    </a:p>
+                  </a:txBody>
+                  <a:tcPr/>
+                </a:tc>
+                <a:tc>
+                  <a:txBody>
+                    <a:bodyPr/>
+                    <a:lstStyle/>
+                    <a:p>
+                      <a:r>
+                        <a:rPr lang="de-DE" sz="1400" dirty="0" smtClean="0"/>
+                        <a:t>158-21-8426-1</a:t>
+                      </a:r>
+                      <a:endParaRPr lang="de-DE" sz="1400" dirty="0"/>
+                    </a:p>
+                  </a:txBody>
+                  <a:tcPr/>
+                </a:tc>
+                <a:tc>
+                  <a:txBody>
+                    <a:bodyPr/>
+                    <a:lstStyle/>
+                    <a:p>
+                      <a:r>
+                        <a:rPr lang="de-DE" sz="1400" dirty="0" smtClean="0"/>
+                        <a:t>18,89 €</a:t>
+                      </a:r>
+                      <a:endParaRPr lang="de-DE" sz="1400" dirty="0"/>
+                    </a:p>
+                  </a:txBody>
+                  <a:tcPr/>
+                </a:tc>
+                <a:tc>
+                  <a:txBody>
+                    <a:bodyPr/>
+                    <a:lstStyle/>
+                    <a:p>
+                      <a:endParaRPr lang="de-DE" sz="1400" dirty="0"/>
+                    </a:p>
+                  </a:txBody>
+                  <a:tcPr/>
+                </a:tc>
+                <a:tc>
+                  <a:txBody>
+                    <a:bodyPr/>
+                    <a:lstStyle/>
+                    <a:p>
+                      <a:pPr marL="0" marR="0" indent="0" algn="l" defTabSz="914400" rtl="0" eaLnBrk="1" fontAlgn="auto" latinLnBrk="0" hangingPunct="1">
+                        <a:lnSpc>
+                          <a:spcPct val="100000"/>
+                        </a:lnSpc>
+                        <a:spcBef>
+                          <a:spcPts val="0"/>
+                        </a:spcBef>
+                        <a:spcAft>
+                          <a:spcPts val="0"/>
+                        </a:spcAft>
+                        <a:buClrTx/>
+                        <a:buSzTx/>
+                        <a:buFontTx/>
+                        <a:buNone/>
+                        <a:tabLst/>
+                        <a:defRPr/>
+                      </a:pPr>
+                      <a:r>
+                        <a:rPr lang="de-DE" sz="1400" dirty="0" smtClean="0"/>
+                        <a:t>Ändern / Löschen</a:t>
+                      </a:r>
+                    </a:p>
+                  </a:txBody>
+                  <a:tcPr/>
+                </a:tc>
+              </a:tr>
+            </a:tbl>
+          </a:graphicData>
+        </a:graphic>
+      </p:graphicFrame>
+      <p:sp>
+        <p:nvSpPr>
+          <p:cNvPr id="2" name="Rechteck 1"/>
+          <p:cNvSpPr/>
+          <p:nvPr/>
+        </p:nvSpPr>
+        <p:spPr>
+          <a:xfrm>
+            <a:off x="11015929" y="3839104"/>
+            <a:ext cx="345059" cy="1112520"/>
+          </a:xfrm>
+          <a:prstGeom prst="rect">
+            <a:avLst/>
+          </a:prstGeom>
+        </p:spPr>
+        <p:style>
+          <a:lnRef idx="2">
+            <a:schemeClr val="dk1"/>
+          </a:lnRef>
+          <a:fillRef idx="1">
+            <a:schemeClr val="lt1"/>
+          </a:fillRef>
+          <a:effectRef idx="0">
+            <a:schemeClr val="dk1"/>
+          </a:effectRef>
+          <a:fontRef idx="minor">
+            <a:schemeClr val="dk1"/>
+          </a:fontRef>
+        </p:style>
+        <p:txBody>
+          <a:bodyPr rtlCol="0" anchor="ctr"/>
+          <a:lstStyle/>
+          <a:p>
+            <a:pPr algn="ctr"/>
+            <a:endParaRPr lang="de-DE"/>
+          </a:p>
+        </p:txBody>
+      </p:sp>
+      <p:sp>
+        <p:nvSpPr>
+          <p:cNvPr id="3" name="Rechteck 2"/>
+          <p:cNvSpPr/>
+          <p:nvPr/>
+        </p:nvSpPr>
+        <p:spPr>
+          <a:xfrm>
+            <a:off x="11015929" y="3839104"/>
+            <a:ext cx="345059" cy="301575"/>
+          </a:xfrm>
+          <a:prstGeom prst="rect">
+            <a:avLst/>
+          </a:prstGeom>
+        </p:spPr>
+        <p:style>
+          <a:lnRef idx="2">
+            <a:schemeClr val="dk1"/>
+          </a:lnRef>
+          <a:fillRef idx="1">
+            <a:schemeClr val="lt1"/>
+          </a:fillRef>
+          <a:effectRef idx="0">
+            <a:schemeClr val="dk1"/>
+          </a:effectRef>
+          <a:fontRef idx="minor">
+            <a:schemeClr val="dk1"/>
+          </a:fontRef>
+        </p:style>
+        <p:txBody>
+          <a:bodyPr rtlCol="0" anchor="ctr"/>
+          <a:lstStyle/>
+          <a:p>
+            <a:pPr algn="ctr"/>
+            <a:endParaRPr lang="de-DE"/>
+          </a:p>
+        </p:txBody>
+      </p:sp>
+      <p:sp>
+        <p:nvSpPr>
+          <p:cNvPr id="30" name="Rechteck 29"/>
+          <p:cNvSpPr/>
+          <p:nvPr/>
+        </p:nvSpPr>
+        <p:spPr>
+          <a:xfrm>
+            <a:off x="11015928" y="4655103"/>
+            <a:ext cx="345059" cy="301575"/>
+          </a:xfrm>
+          <a:prstGeom prst="rect">
+            <a:avLst/>
+          </a:prstGeom>
+        </p:spPr>
+        <p:style>
+          <a:lnRef idx="2">
+            <a:schemeClr val="dk1"/>
+          </a:lnRef>
+          <a:fillRef idx="1">
+            <a:schemeClr val="lt1"/>
+          </a:fillRef>
+          <a:effectRef idx="0">
+            <a:schemeClr val="dk1"/>
+          </a:effectRef>
+          <a:fontRef idx="minor">
+            <a:schemeClr val="dk1"/>
+          </a:fontRef>
+        </p:style>
+        <p:txBody>
+          <a:bodyPr rtlCol="0" anchor="ctr"/>
+          <a:lstStyle/>
+          <a:p>
+            <a:pPr algn="ctr"/>
+            <a:endParaRPr lang="de-DE"/>
+          </a:p>
+        </p:txBody>
+      </p:sp>
+      <p:sp>
+        <p:nvSpPr>
+          <p:cNvPr id="31" name="Rechteck 30"/>
+          <p:cNvSpPr/>
+          <p:nvPr/>
+        </p:nvSpPr>
+        <p:spPr>
+          <a:xfrm>
+            <a:off x="11015928" y="4389047"/>
+            <a:ext cx="345059" cy="176164"/>
+          </a:xfrm>
+          <a:prstGeom prst="rect">
+            <a:avLst/>
+          </a:prstGeom>
+          <a:solidFill>
+            <a:schemeClr val="bg2">
+              <a:lumMod val="75000"/>
+            </a:schemeClr>
+          </a:solidFill>
+        </p:spPr>
+        <p:style>
+          <a:lnRef idx="2">
+            <a:schemeClr val="dk1"/>
+          </a:lnRef>
+          <a:fillRef idx="1">
+            <a:schemeClr val="lt1"/>
+          </a:fillRef>
+          <a:effectRef idx="0">
+            <a:schemeClr val="dk1"/>
+          </a:effectRef>
+          <a:fontRef idx="minor">
+            <a:schemeClr val="dk1"/>
+          </a:fontRef>
+        </p:style>
+        <p:txBody>
+          <a:bodyPr rtlCol="0" anchor="ctr"/>
+          <a:lstStyle/>
+          <a:p>
+            <a:pPr algn="ctr"/>
+            <a:endParaRPr lang="de-DE"/>
+          </a:p>
+        </p:txBody>
+      </p:sp>
+      <p:sp>
+        <p:nvSpPr>
+          <p:cNvPr id="6" name="Gleichschenkliges Dreieck 5"/>
+          <p:cNvSpPr/>
+          <p:nvPr/>
+        </p:nvSpPr>
+        <p:spPr>
+          <a:xfrm>
+            <a:off x="11055183" y="3925193"/>
+            <a:ext cx="242725" cy="129396"/>
+          </a:xfrm>
+          <a:prstGeom prst="triangle">
+            <a:avLst/>
+          </a:prstGeom>
+        </p:spPr>
+        <p:style>
+          <a:lnRef idx="2">
+            <a:schemeClr val="dk1">
+              <a:shade val="50000"/>
+            </a:schemeClr>
+          </a:lnRef>
+          <a:fillRef idx="1">
+            <a:schemeClr val="dk1"/>
+          </a:fillRef>
+          <a:effectRef idx="0">
+            <a:schemeClr val="dk1"/>
+          </a:effectRef>
+          <a:fontRef idx="minor">
+            <a:schemeClr val="lt1"/>
+          </a:fontRef>
+        </p:style>
+        <p:txBody>
+          <a:bodyPr rtlCol="0" anchor="ctr"/>
+          <a:lstStyle/>
+          <a:p>
+            <a:pPr algn="ctr"/>
+            <a:endParaRPr lang="de-DE"/>
+          </a:p>
+        </p:txBody>
+      </p:sp>
+      <p:sp>
+        <p:nvSpPr>
+          <p:cNvPr id="32" name="Gleichschenkliges Dreieck 31"/>
+          <p:cNvSpPr/>
+          <p:nvPr/>
+        </p:nvSpPr>
+        <p:spPr>
+          <a:xfrm rot="10800000">
+            <a:off x="11063808" y="4746248"/>
+            <a:ext cx="242725" cy="129396"/>
+          </a:xfrm>
+          <a:prstGeom prst="triangle">
+            <a:avLst/>
+          </a:prstGeom>
+        </p:spPr>
+        <p:style>
+          <a:lnRef idx="2">
+            <a:schemeClr val="dk1">
+              <a:shade val="50000"/>
+            </a:schemeClr>
+          </a:lnRef>
+          <a:fillRef idx="1">
+            <a:schemeClr val="dk1"/>
+          </a:fillRef>
+          <a:effectRef idx="0">
+            <a:schemeClr val="dk1"/>
+          </a:effectRef>
+          <a:fontRef idx="minor">
+            <a:schemeClr val="lt1"/>
+          </a:fontRef>
+        </p:style>
+        <p:txBody>
+          <a:bodyPr rtlCol="0" anchor="ctr"/>
+          <a:lstStyle/>
+          <a:p>
+            <a:pPr algn="ctr"/>
+            <a:endParaRPr lang="de-DE"/>
+          </a:p>
+        </p:txBody>
+      </p:sp>
+      <p:sp>
+        <p:nvSpPr>
+          <p:cNvPr id="33" name="Abgerundetes Rechteck 32">
+            <a:hlinkClick r:id="rId3" action="ppaction://hlinksldjump"/>
+          </p:cNvPr>
+          <p:cNvSpPr/>
+          <p:nvPr/>
+        </p:nvSpPr>
+        <p:spPr>
+          <a:xfrm>
+            <a:off x="8816194" y="3163458"/>
+            <a:ext cx="2833499" cy="495766"/>
+          </a:xfrm>
+          <a:prstGeom prst="roundRect">
+            <a:avLst/>
+          </a:prstGeom>
+        </p:spPr>
+        <p:style>
+          <a:lnRef idx="2">
+            <a:schemeClr val="accent1">
+              <a:shade val="50000"/>
+            </a:schemeClr>
+          </a:lnRef>
+          <a:fillRef idx="1">
+            <a:schemeClr val="accent1"/>
+          </a:fillRef>
+          <a:effectRef idx="0">
+            <a:schemeClr val="accent1"/>
+          </a:effectRef>
+          <a:fontRef idx="minor">
+            <a:schemeClr val="lt1"/>
+          </a:fontRef>
+        </p:style>
+        <p:txBody>
+          <a:bodyPr rtlCol="0" anchor="ctr"/>
+          <a:lstStyle/>
+          <a:p>
+            <a:pPr algn="ctr"/>
+            <a:r>
+              <a:rPr lang="de-DE" sz="2000" dirty="0" smtClean="0"/>
+              <a:t>Neues Buch anlegen</a:t>
+            </a:r>
+            <a:endParaRPr lang="de-DE" sz="2000" dirty="0"/>
+          </a:p>
+        </p:txBody>
+      </p:sp>
+      <p:sp>
+        <p:nvSpPr>
+          <p:cNvPr id="34" name="Rechteck 33"/>
+          <p:cNvSpPr/>
+          <p:nvPr/>
+        </p:nvSpPr>
+        <p:spPr>
+          <a:xfrm>
+            <a:off x="5500430" y="2199641"/>
+            <a:ext cx="756682" cy="461665"/>
+          </a:xfrm>
+          <a:prstGeom prst="rect">
+            <a:avLst/>
+          </a:prstGeom>
+        </p:spPr>
+        <p:txBody>
+          <a:bodyPr wrap="none">
+            <a:spAutoFit/>
+          </a:bodyPr>
+          <a:lstStyle/>
+          <a:p>
+            <a:r>
+              <a:rPr lang="de-DE" sz="2400" dirty="0" smtClean="0"/>
+              <a:t>Fach</a:t>
+            </a:r>
+            <a:endParaRPr lang="de-DE" sz="2400" dirty="0"/>
+          </a:p>
+        </p:txBody>
+      </p:sp>
+      <p:sp>
+        <p:nvSpPr>
+          <p:cNvPr id="35" name="Rechteck 34"/>
+          <p:cNvSpPr/>
+          <p:nvPr/>
+        </p:nvSpPr>
+        <p:spPr>
+          <a:xfrm>
+            <a:off x="4732993" y="2609446"/>
+            <a:ext cx="2291556" cy="343843"/>
+          </a:xfrm>
+          <a:prstGeom prst="rect">
+            <a:avLst/>
+          </a:prstGeom>
+        </p:spPr>
+        <p:style>
+          <a:lnRef idx="2">
+            <a:schemeClr val="dk1"/>
+          </a:lnRef>
+          <a:fillRef idx="1">
+            <a:schemeClr val="lt1"/>
+          </a:fillRef>
+          <a:effectRef idx="0">
+            <a:schemeClr val="dk1"/>
+          </a:effectRef>
+          <a:fontRef idx="minor">
+            <a:schemeClr val="dk1"/>
+          </a:fontRef>
+        </p:style>
+        <p:txBody>
+          <a:bodyPr rtlCol="0" anchor="ctr"/>
+          <a:lstStyle/>
+          <a:p>
+            <a:pPr algn="ctr"/>
+            <a:endParaRPr lang="de-DE"/>
+          </a:p>
+        </p:txBody>
+      </p:sp>
+      <p:sp>
+        <p:nvSpPr>
+          <p:cNvPr id="36" name="Rechteck 35"/>
+          <p:cNvSpPr/>
+          <p:nvPr/>
+        </p:nvSpPr>
+        <p:spPr>
+          <a:xfrm>
+            <a:off x="1556319" y="4310057"/>
+            <a:ext cx="146649" cy="147769"/>
+          </a:xfrm>
+          <a:prstGeom prst="rect">
+            <a:avLst/>
+          </a:prstGeom>
+        </p:spPr>
+        <p:style>
+          <a:lnRef idx="2">
+            <a:schemeClr val="dk1"/>
+          </a:lnRef>
+          <a:fillRef idx="1">
+            <a:schemeClr val="lt1"/>
+          </a:fillRef>
+          <a:effectRef idx="0">
+            <a:schemeClr val="dk1"/>
+          </a:effectRef>
+          <a:fontRef idx="minor">
+            <a:schemeClr val="dk1"/>
+          </a:fontRef>
+        </p:style>
+        <p:txBody>
+          <a:bodyPr rtlCol="0" anchor="ctr"/>
+          <a:lstStyle/>
+          <a:p>
+            <a:pPr algn="ctr"/>
+            <a:endParaRPr lang="de-DE"/>
+          </a:p>
+        </p:txBody>
+      </p:sp>
+      <p:sp>
+        <p:nvSpPr>
+          <p:cNvPr id="37" name="Rechteck 36"/>
+          <p:cNvSpPr/>
+          <p:nvPr/>
+        </p:nvSpPr>
+        <p:spPr>
+          <a:xfrm>
+            <a:off x="1556319" y="4672363"/>
+            <a:ext cx="146649" cy="147769"/>
+          </a:xfrm>
+          <a:prstGeom prst="rect">
+            <a:avLst/>
+          </a:prstGeom>
+        </p:spPr>
+        <p:style>
+          <a:lnRef idx="2">
+            <a:schemeClr val="dk1"/>
+          </a:lnRef>
+          <a:fillRef idx="1">
+            <a:schemeClr val="lt1"/>
+          </a:fillRef>
+          <a:effectRef idx="0">
+            <a:schemeClr val="dk1"/>
+          </a:effectRef>
+          <a:fontRef idx="minor">
+            <a:schemeClr val="dk1"/>
+          </a:fontRef>
+        </p:style>
+        <p:txBody>
+          <a:bodyPr rtlCol="0" anchor="ctr"/>
+          <a:lstStyle/>
+          <a:p>
+            <a:pPr algn="ctr"/>
+            <a:endParaRPr lang="de-DE"/>
+          </a:p>
+        </p:txBody>
+      </p:sp>
     </p:spTree>
     <p:extLst>
       <p:ext uri="{BB962C8B-B14F-4D97-AF65-F5344CB8AC3E}">
@@ -6779,619 +6970,16 @@
           <a:chExt cx="0" cy="0"/>
         </a:xfrm>
       </p:grpSpPr>
-      <p:sp>
-        <p:nvSpPr>
-          <p:cNvPr id="5" name="Textfeld 4"/>
-          <p:cNvSpPr txBox="1"/>
-          <p:nvPr/>
-        </p:nvSpPr>
-        <p:spPr>
-          <a:xfrm>
-            <a:off x="203199" y="1360559"/>
-            <a:ext cx="2999539" cy="523220"/>
-          </a:xfrm>
-          <a:prstGeom prst="rect">
-            <a:avLst/>
-          </a:prstGeom>
-          <a:noFill/>
-        </p:spPr>
-        <p:txBody>
-          <a:bodyPr wrap="none" rtlCol="0">
-            <a:spAutoFit/>
-          </a:bodyPr>
-          <a:lstStyle/>
-          <a:p>
-            <a:r>
-              <a:rPr lang="de-DE" sz="2800" dirty="0" smtClean="0"/>
-              <a:t>Haushaltsjahr 2016</a:t>
-            </a:r>
-            <a:endParaRPr lang="de-DE" sz="2800" dirty="0"/>
-          </a:p>
-        </p:txBody>
-      </p:sp>
-      <p:sp>
-        <p:nvSpPr>
-          <p:cNvPr id="7" name="Abgerundetes Rechteck 6">
-            <a:hlinkClick r:id="rId2" action="ppaction://hlinksldjump"/>
-          </p:cNvPr>
-          <p:cNvSpPr/>
-          <p:nvPr/>
-        </p:nvSpPr>
-        <p:spPr>
-          <a:xfrm>
-            <a:off x="4232158" y="1036539"/>
-            <a:ext cx="1206741" cy="320634"/>
-          </a:xfrm>
-          <a:prstGeom prst="roundRect">
-            <a:avLst/>
-          </a:prstGeom>
-          <a:ln w="12700"/>
-        </p:spPr>
-        <p:style>
-          <a:lnRef idx="1">
-            <a:schemeClr val="accent3"/>
-          </a:lnRef>
-          <a:fillRef idx="2">
-            <a:schemeClr val="accent3"/>
-          </a:fillRef>
-          <a:effectRef idx="1">
-            <a:schemeClr val="accent3"/>
-          </a:effectRef>
-          <a:fontRef idx="minor">
-            <a:schemeClr val="dk1"/>
-          </a:fontRef>
-        </p:style>
-        <p:txBody>
-          <a:bodyPr rtlCol="0" anchor="ctr"/>
-          <a:lstStyle/>
-          <a:p>
-            <a:pPr algn="ctr"/>
-            <a:r>
-              <a:rPr lang="de-DE" dirty="0" err="1" smtClean="0"/>
-              <a:t>Logout</a:t>
-            </a:r>
-            <a:endParaRPr lang="de-DE" dirty="0"/>
-          </a:p>
-        </p:txBody>
-      </p:sp>
-      <p:sp>
-        <p:nvSpPr>
-          <p:cNvPr id="8" name="Abgerundetes Rechteck 7">
-            <a:hlinkClick r:id="rId3" action="ppaction://hlinksldjump"/>
-          </p:cNvPr>
-          <p:cNvSpPr/>
-          <p:nvPr/>
-        </p:nvSpPr>
-        <p:spPr>
-          <a:xfrm>
-            <a:off x="1785968" y="6385819"/>
-            <a:ext cx="2833539" cy="320634"/>
-          </a:xfrm>
-          <a:prstGeom prst="roundRect">
-            <a:avLst/>
-          </a:prstGeom>
-          <a:ln w="12700"/>
-        </p:spPr>
-        <p:style>
-          <a:lnRef idx="1">
-            <a:schemeClr val="accent3"/>
-          </a:lnRef>
-          <a:fillRef idx="2">
-            <a:schemeClr val="accent3"/>
-          </a:fillRef>
-          <a:effectRef idx="1">
-            <a:schemeClr val="accent3"/>
-          </a:effectRef>
-          <a:fontRef idx="minor">
-            <a:schemeClr val="dk1"/>
-          </a:fontRef>
-        </p:style>
-        <p:txBody>
-          <a:bodyPr rtlCol="0" anchor="ctr"/>
-          <a:lstStyle/>
-          <a:p>
-            <a:pPr algn="ctr"/>
-            <a:r>
-              <a:rPr lang="de-DE" dirty="0" smtClean="0"/>
-              <a:t>Zurück zum Hauptmenü</a:t>
-            </a:r>
-            <a:endParaRPr lang="de-DE" dirty="0"/>
-          </a:p>
-        </p:txBody>
-      </p:sp>
-      <p:sp>
-        <p:nvSpPr>
-          <p:cNvPr id="9" name="Rechteck 8"/>
-          <p:cNvSpPr/>
-          <p:nvPr/>
-        </p:nvSpPr>
-        <p:spPr>
-          <a:xfrm>
-            <a:off x="1455387" y="3830333"/>
-            <a:ext cx="3776354" cy="570015"/>
-          </a:xfrm>
-          <a:prstGeom prst="rect">
-            <a:avLst/>
-          </a:prstGeom>
-        </p:spPr>
-        <p:style>
-          <a:lnRef idx="2">
-            <a:schemeClr val="dk1"/>
-          </a:lnRef>
-          <a:fillRef idx="1">
-            <a:schemeClr val="lt1"/>
-          </a:fillRef>
-          <a:effectRef idx="0">
-            <a:schemeClr val="dk1"/>
-          </a:effectRef>
-          <a:fontRef idx="minor">
-            <a:schemeClr val="dk1"/>
-          </a:fontRef>
-        </p:style>
-        <p:txBody>
-          <a:bodyPr rtlCol="0" anchor="ctr"/>
-          <a:lstStyle/>
-          <a:p>
-            <a:pPr algn="ctr"/>
-            <a:endParaRPr lang="de-DE"/>
-          </a:p>
-        </p:txBody>
-      </p:sp>
-      <p:sp>
-        <p:nvSpPr>
-          <p:cNvPr id="10" name="Rechteck 9"/>
-          <p:cNvSpPr/>
-          <p:nvPr/>
-        </p:nvSpPr>
-        <p:spPr>
-          <a:xfrm>
-            <a:off x="1455387" y="2609446"/>
-            <a:ext cx="3776354" cy="570015"/>
-          </a:xfrm>
-          <a:prstGeom prst="rect">
-            <a:avLst/>
-          </a:prstGeom>
-        </p:spPr>
-        <p:style>
-          <a:lnRef idx="2">
-            <a:schemeClr val="dk1"/>
-          </a:lnRef>
-          <a:fillRef idx="1">
-            <a:schemeClr val="lt1"/>
-          </a:fillRef>
-          <a:effectRef idx="0">
-            <a:schemeClr val="dk1"/>
-          </a:effectRef>
-          <a:fontRef idx="minor">
-            <a:schemeClr val="dk1"/>
-          </a:fontRef>
-        </p:style>
-        <p:txBody>
-          <a:bodyPr rtlCol="0" anchor="ctr"/>
-          <a:lstStyle/>
-          <a:p>
-            <a:pPr algn="ctr"/>
-            <a:endParaRPr lang="de-DE"/>
-          </a:p>
-        </p:txBody>
-      </p:sp>
-      <p:sp>
-        <p:nvSpPr>
-          <p:cNvPr id="11" name="Rechteck 10"/>
-          <p:cNvSpPr/>
-          <p:nvPr/>
-        </p:nvSpPr>
-        <p:spPr>
-          <a:xfrm>
-            <a:off x="1455387" y="5046560"/>
-            <a:ext cx="3776354" cy="570015"/>
-          </a:xfrm>
-          <a:prstGeom prst="rect">
-            <a:avLst/>
-          </a:prstGeom>
-        </p:spPr>
-        <p:style>
-          <a:lnRef idx="2">
-            <a:schemeClr val="dk1"/>
-          </a:lnRef>
-          <a:fillRef idx="1">
-            <a:schemeClr val="lt1"/>
-          </a:fillRef>
-          <a:effectRef idx="0">
-            <a:schemeClr val="dk1"/>
-          </a:effectRef>
-          <a:fontRef idx="minor">
-            <a:schemeClr val="dk1"/>
-          </a:fontRef>
-        </p:style>
-        <p:txBody>
-          <a:bodyPr rtlCol="0" anchor="ctr"/>
-          <a:lstStyle/>
-          <a:p>
-            <a:pPr algn="ctr"/>
-            <a:endParaRPr lang="de-DE"/>
-          </a:p>
-        </p:txBody>
-      </p:sp>
-      <p:sp>
-        <p:nvSpPr>
-          <p:cNvPr id="12" name="Rechteck 11"/>
-          <p:cNvSpPr/>
-          <p:nvPr/>
-        </p:nvSpPr>
-        <p:spPr>
-          <a:xfrm>
-            <a:off x="6935190" y="2614105"/>
-            <a:ext cx="3776354" cy="570015"/>
-          </a:xfrm>
-          <a:prstGeom prst="rect">
-            <a:avLst/>
-          </a:prstGeom>
-        </p:spPr>
-        <p:style>
-          <a:lnRef idx="2">
-            <a:schemeClr val="dk1"/>
-          </a:lnRef>
-          <a:fillRef idx="1">
-            <a:schemeClr val="lt1"/>
-          </a:fillRef>
-          <a:effectRef idx="0">
-            <a:schemeClr val="dk1"/>
-          </a:effectRef>
-          <a:fontRef idx="minor">
-            <a:schemeClr val="dk1"/>
-          </a:fontRef>
-        </p:style>
-        <p:txBody>
-          <a:bodyPr rtlCol="0" anchor="ctr"/>
-          <a:lstStyle/>
-          <a:p>
-            <a:pPr algn="ctr"/>
-            <a:endParaRPr lang="de-DE"/>
-          </a:p>
-        </p:txBody>
-      </p:sp>
-      <p:sp>
-        <p:nvSpPr>
-          <p:cNvPr id="13" name="Rechteck 12"/>
-          <p:cNvSpPr/>
-          <p:nvPr/>
-        </p:nvSpPr>
-        <p:spPr>
-          <a:xfrm>
-            <a:off x="6935190" y="5046561"/>
-            <a:ext cx="3776354" cy="570015"/>
-          </a:xfrm>
-          <a:prstGeom prst="rect">
-            <a:avLst/>
-          </a:prstGeom>
-        </p:spPr>
-        <p:style>
-          <a:lnRef idx="2">
-            <a:schemeClr val="dk1"/>
-          </a:lnRef>
-          <a:fillRef idx="1">
-            <a:schemeClr val="lt1"/>
-          </a:fillRef>
-          <a:effectRef idx="0">
-            <a:schemeClr val="dk1"/>
-          </a:effectRef>
-          <a:fontRef idx="minor">
-            <a:schemeClr val="dk1"/>
-          </a:fontRef>
-        </p:style>
-        <p:txBody>
-          <a:bodyPr rtlCol="0" anchor="ctr"/>
-          <a:lstStyle/>
-          <a:p>
-            <a:pPr algn="ctr"/>
-            <a:endParaRPr lang="de-DE"/>
-          </a:p>
-        </p:txBody>
-      </p:sp>
-      <p:sp>
-        <p:nvSpPr>
-          <p:cNvPr id="14" name="Rechteck 13"/>
-          <p:cNvSpPr/>
-          <p:nvPr/>
-        </p:nvSpPr>
-        <p:spPr>
-          <a:xfrm>
-            <a:off x="6935190" y="3830333"/>
-            <a:ext cx="3776354" cy="570015"/>
-          </a:xfrm>
-          <a:prstGeom prst="rect">
-            <a:avLst/>
-          </a:prstGeom>
-        </p:spPr>
-        <p:style>
-          <a:lnRef idx="2">
-            <a:schemeClr val="dk1"/>
-          </a:lnRef>
-          <a:fillRef idx="1">
-            <a:schemeClr val="lt1"/>
-          </a:fillRef>
-          <a:effectRef idx="0">
-            <a:schemeClr val="dk1"/>
-          </a:effectRef>
-          <a:fontRef idx="minor">
-            <a:schemeClr val="dk1"/>
-          </a:fontRef>
-        </p:style>
-        <p:txBody>
-          <a:bodyPr rtlCol="0" anchor="ctr"/>
-          <a:lstStyle/>
-          <a:p>
-            <a:pPr algn="ctr"/>
-            <a:endParaRPr lang="de-DE"/>
-          </a:p>
-        </p:txBody>
-      </p:sp>
-      <p:sp>
-        <p:nvSpPr>
-          <p:cNvPr id="15" name="Textfeld 14"/>
-          <p:cNvSpPr txBox="1"/>
-          <p:nvPr/>
-        </p:nvSpPr>
-        <p:spPr>
-          <a:xfrm>
-            <a:off x="4391330" y="1772552"/>
-            <a:ext cx="3882601" cy="461665"/>
-          </a:xfrm>
-          <a:prstGeom prst="rect">
-            <a:avLst/>
-          </a:prstGeom>
-          <a:noFill/>
-        </p:spPr>
-        <p:txBody>
-          <a:bodyPr wrap="none" rtlCol="0">
-            <a:spAutoFit/>
-          </a:bodyPr>
-          <a:lstStyle/>
-          <a:p>
-            <a:r>
-              <a:rPr lang="de-DE" sz="2400" dirty="0" smtClean="0"/>
-              <a:t>Neue Bestellung </a:t>
-            </a:r>
-            <a:r>
-              <a:rPr lang="de-DE" sz="2400" dirty="0" smtClean="0"/>
-              <a:t>Lehrmaterial</a:t>
-            </a:r>
-            <a:endParaRPr lang="de-DE" sz="2400" dirty="0"/>
-          </a:p>
-        </p:txBody>
-      </p:sp>
-      <p:sp>
-        <p:nvSpPr>
-          <p:cNvPr id="16" name="Textfeld 15"/>
-          <p:cNvSpPr txBox="1"/>
-          <p:nvPr/>
-        </p:nvSpPr>
-        <p:spPr>
-          <a:xfrm>
-            <a:off x="2552483" y="2172261"/>
-            <a:ext cx="1763303" cy="461665"/>
-          </a:xfrm>
-          <a:prstGeom prst="rect">
-            <a:avLst/>
-          </a:prstGeom>
-          <a:noFill/>
-        </p:spPr>
-        <p:txBody>
-          <a:bodyPr wrap="none" rtlCol="0">
-            <a:spAutoFit/>
-          </a:bodyPr>
-          <a:lstStyle/>
-          <a:p>
-            <a:r>
-              <a:rPr lang="de-DE" sz="2400" dirty="0" smtClean="0"/>
-              <a:t>Bezeichnung</a:t>
-            </a:r>
-            <a:endParaRPr lang="de-DE" sz="2400" dirty="0"/>
-          </a:p>
-        </p:txBody>
-      </p:sp>
-      <p:sp>
-        <p:nvSpPr>
-          <p:cNvPr id="17" name="Rechteck 16"/>
-          <p:cNvSpPr/>
-          <p:nvPr/>
-        </p:nvSpPr>
-        <p:spPr>
-          <a:xfrm>
-            <a:off x="2388206" y="3397983"/>
-            <a:ext cx="2091855" cy="461665"/>
-          </a:xfrm>
-          <a:prstGeom prst="rect">
-            <a:avLst/>
-          </a:prstGeom>
-        </p:spPr>
-        <p:txBody>
-          <a:bodyPr wrap="none">
-            <a:spAutoFit/>
-          </a:bodyPr>
-          <a:lstStyle/>
-          <a:p>
-            <a:r>
-              <a:rPr lang="de-DE" sz="2400" dirty="0" smtClean="0"/>
-              <a:t>Bestellnummer</a:t>
-            </a:r>
-            <a:endParaRPr lang="de-DE" sz="2400" dirty="0"/>
-          </a:p>
-        </p:txBody>
-      </p:sp>
-      <p:sp>
-        <p:nvSpPr>
-          <p:cNvPr id="18" name="Rechteck 17"/>
-          <p:cNvSpPr/>
-          <p:nvPr/>
-        </p:nvSpPr>
-        <p:spPr>
-          <a:xfrm>
-            <a:off x="2852306" y="4618870"/>
-            <a:ext cx="1021113" cy="461665"/>
-          </a:xfrm>
-          <a:prstGeom prst="rect">
-            <a:avLst/>
-          </a:prstGeom>
-        </p:spPr>
-        <p:txBody>
-          <a:bodyPr wrap="none">
-            <a:spAutoFit/>
-          </a:bodyPr>
-          <a:lstStyle/>
-          <a:p>
-            <a:r>
-              <a:rPr lang="de-DE" sz="2400" dirty="0" smtClean="0"/>
-              <a:t>Anzahl</a:t>
-            </a:r>
-            <a:endParaRPr lang="de-DE" sz="2400" dirty="0"/>
-          </a:p>
-        </p:txBody>
-      </p:sp>
-      <p:sp>
-        <p:nvSpPr>
-          <p:cNvPr id="19" name="Rechteck 18"/>
-          <p:cNvSpPr/>
-          <p:nvPr/>
-        </p:nvSpPr>
-        <p:spPr>
-          <a:xfrm>
-            <a:off x="8123782" y="2192654"/>
-            <a:ext cx="1469441" cy="461665"/>
-          </a:xfrm>
-          <a:prstGeom prst="rect">
-            <a:avLst/>
-          </a:prstGeom>
-        </p:spPr>
-        <p:txBody>
-          <a:bodyPr wrap="none">
-            <a:spAutoFit/>
-          </a:bodyPr>
-          <a:lstStyle/>
-          <a:p>
-            <a:r>
-              <a:rPr lang="de-DE" sz="2400" dirty="0" smtClean="0"/>
-              <a:t>Stückpreis</a:t>
-            </a:r>
-            <a:endParaRPr lang="de-DE" sz="2400" dirty="0"/>
-          </a:p>
-        </p:txBody>
-      </p:sp>
-      <p:sp>
-        <p:nvSpPr>
-          <p:cNvPr id="20" name="Rechteck 19"/>
-          <p:cNvSpPr/>
-          <p:nvPr/>
-        </p:nvSpPr>
-        <p:spPr>
-          <a:xfrm>
-            <a:off x="8050781" y="3429759"/>
-            <a:ext cx="1615442" cy="461665"/>
-          </a:xfrm>
-          <a:prstGeom prst="rect">
-            <a:avLst/>
-          </a:prstGeom>
-        </p:spPr>
-        <p:txBody>
-          <a:bodyPr wrap="none">
-            <a:spAutoFit/>
-          </a:bodyPr>
-          <a:lstStyle/>
-          <a:p>
-            <a:r>
-              <a:rPr lang="de-DE" sz="2400" dirty="0" smtClean="0"/>
-              <a:t>Bemerkung</a:t>
-            </a:r>
-            <a:endParaRPr lang="de-DE" sz="2400" dirty="0"/>
-          </a:p>
-        </p:txBody>
-      </p:sp>
-      <p:sp>
-        <p:nvSpPr>
-          <p:cNvPr id="21" name="Rechteck 20"/>
-          <p:cNvSpPr/>
-          <p:nvPr/>
-        </p:nvSpPr>
-        <p:spPr>
-          <a:xfrm>
-            <a:off x="6808549" y="4618870"/>
-            <a:ext cx="4099905" cy="461665"/>
-          </a:xfrm>
-          <a:prstGeom prst="rect">
-            <a:avLst/>
-          </a:prstGeom>
-        </p:spPr>
-        <p:txBody>
-          <a:bodyPr wrap="none">
-            <a:spAutoFit/>
-          </a:bodyPr>
-          <a:lstStyle/>
-          <a:p>
-            <a:r>
-              <a:rPr lang="de-DE" sz="2400" dirty="0" smtClean="0"/>
-              <a:t>Vorbestellung / Nachbestellung</a:t>
-            </a:r>
-            <a:endParaRPr lang="de-DE" sz="2400" dirty="0"/>
-          </a:p>
-        </p:txBody>
-      </p:sp>
-      <p:sp>
-        <p:nvSpPr>
-          <p:cNvPr id="22" name="Abgerundetes Rechteck 21">
-            <a:hlinkClick r:id="rId4" action="ppaction://hlinksldjump"/>
-          </p:cNvPr>
-          <p:cNvSpPr/>
-          <p:nvPr/>
-        </p:nvSpPr>
-        <p:spPr>
-          <a:xfrm>
-            <a:off x="7873341" y="5949538"/>
-            <a:ext cx="3776354" cy="748620"/>
-          </a:xfrm>
-          <a:prstGeom prst="roundRect">
-            <a:avLst/>
-          </a:prstGeom>
-        </p:spPr>
-        <p:style>
-          <a:lnRef idx="2">
-            <a:schemeClr val="accent1">
-              <a:shade val="50000"/>
-            </a:schemeClr>
-          </a:lnRef>
-          <a:fillRef idx="1">
-            <a:schemeClr val="accent1"/>
-          </a:fillRef>
-          <a:effectRef idx="0">
-            <a:schemeClr val="accent1"/>
-          </a:effectRef>
-          <a:fontRef idx="minor">
-            <a:schemeClr val="lt1"/>
-          </a:fontRef>
-        </p:style>
-        <p:txBody>
-          <a:bodyPr rtlCol="0" anchor="ctr"/>
-          <a:lstStyle/>
-          <a:p>
-            <a:pPr algn="ctr"/>
-            <a:r>
-              <a:rPr lang="de-DE" sz="2800" dirty="0" smtClean="0"/>
-              <a:t>Bestellung weiterleiten</a:t>
-            </a:r>
-            <a:endParaRPr lang="de-DE" sz="2800" dirty="0"/>
-          </a:p>
-        </p:txBody>
-      </p:sp>
       <p:graphicFrame>
         <p:nvGraphicFramePr>
-          <p:cNvPr id="23" name="Tabelle 22"/>
+          <p:cNvPr id="4" name="Tabelle 3"/>
           <p:cNvGraphicFramePr>
             <a:graphicFrameLocks noGrp="1"/>
           </p:cNvGraphicFramePr>
           <p:nvPr>
             <p:extLst>
               <p:ext uri="{D42A27DB-BD31-4B8C-83A1-F6EECF244321}">
-                <p14:modId xmlns:p14="http://schemas.microsoft.com/office/powerpoint/2010/main" val="2567544615"/>
+                <p14:modId xmlns:p14="http://schemas.microsoft.com/office/powerpoint/2010/main" val="1101122687"/>
               </p:ext>
             </p:extLst>
           </p:nvPr>
@@ -7431,12 +7019,42 @@
                     <a:lstStyle/>
                     <a:p>
                       <a:r>
+                        <a:rPr lang="de-DE" dirty="0" smtClean="0"/>
+                        <a:t>Max Musterlehrer (MM)</a:t>
+                      </a:r>
+                      <a:endParaRPr lang="de-DE" dirty="0"/>
+                    </a:p>
+                  </a:txBody>
+                  <a:tcPr/>
+                </a:tc>
+              </a:tr>
+              <a:tr h="370840">
+                <a:tc>
+                  <a:txBody>
+                    <a:bodyPr/>
+                    <a:lstStyle/>
+                    <a:p>
+                      <a:r>
+                        <a:rPr lang="de-DE" dirty="0" smtClean="0"/>
+                        <a:t>Abteilung:</a:t>
+                      </a:r>
+                      <a:endParaRPr lang="de-DE" dirty="0"/>
+                    </a:p>
+                  </a:txBody>
+                  <a:tcPr/>
+                </a:tc>
+                <a:tc>
+                  <a:txBody>
+                    <a:bodyPr/>
+                    <a:lstStyle/>
+                    <a:p>
+                      <a:r>
                         <a:rPr lang="de-DE" dirty="0" err="1" smtClean="0"/>
                         <a:t>Gregorian</a:t>
                       </a:r>
                       <a:r>
                         <a:rPr lang="de-DE" dirty="0" smtClean="0"/>
-                        <a:t> Abteilungsleiter (FA)</a:t>
+                        <a:t>, Schmitt-Schwickert</a:t>
                       </a:r>
                       <a:endParaRPr lang="de-DE" dirty="0"/>
                     </a:p>
@@ -7452,7 +7070,7 @@
                     <a:p>
                       <a:r>
                         <a:rPr lang="de-DE" dirty="0" smtClean="0"/>
-                        <a:t>Abteilung:</a:t>
+                        <a:t>Fachschaft:</a:t>
                       </a:r>
                       <a:endParaRPr lang="de-DE" dirty="0"/>
                     </a:p>
@@ -7465,31 +7083,9 @@
                     <a:lstStyle/>
                     <a:p>
                       <a:r>
-                        <a:rPr lang="de-DE" dirty="0" err="1" smtClean="0"/>
-                        <a:t>Gregorian</a:t>
-                      </a:r>
-                      <a:endParaRPr lang="de-DE" dirty="0"/>
-                    </a:p>
-                  </a:txBody>
-                  <a:tcPr/>
-                </a:tc>
-              </a:tr>
-              <a:tr h="370840">
-                <a:tc>
-                  <a:txBody>
-                    <a:bodyPr/>
-                    <a:lstStyle/>
-                    <a:p>
-                      <a:endParaRPr lang="de-DE" dirty="0"/>
-                    </a:p>
-                  </a:txBody>
-                  <a:tcPr/>
-                </a:tc>
-                <a:tc>
-                  <a:txBody>
-                    <a:bodyPr/>
-                    <a:lstStyle/>
-                    <a:p>
+                        <a:rPr lang="de-DE" dirty="0" smtClean="0"/>
+                        <a:t>Elektrotechnik</a:t>
+                      </a:r>
                       <a:endParaRPr lang="de-DE" dirty="0"/>
                     </a:p>
                   </a:txBody>
@@ -7500,6 +7096,1292 @@
           </a:graphicData>
         </a:graphic>
       </p:graphicFrame>
+      <p:sp>
+        <p:nvSpPr>
+          <p:cNvPr id="5" name="Textfeld 4"/>
+          <p:cNvSpPr txBox="1"/>
+          <p:nvPr/>
+        </p:nvSpPr>
+        <p:spPr>
+          <a:xfrm>
+            <a:off x="203199" y="1360559"/>
+            <a:ext cx="2999539" cy="523220"/>
+          </a:xfrm>
+          <a:prstGeom prst="rect">
+            <a:avLst/>
+          </a:prstGeom>
+          <a:noFill/>
+        </p:spPr>
+        <p:txBody>
+          <a:bodyPr wrap="none" rtlCol="0">
+            <a:spAutoFit/>
+          </a:bodyPr>
+          <a:lstStyle/>
+          <a:p>
+            <a:r>
+              <a:rPr lang="de-DE" sz="2800" dirty="0" smtClean="0"/>
+              <a:t>Haushaltsjahr 2016</a:t>
+            </a:r>
+            <a:endParaRPr lang="de-DE" sz="2800" dirty="0"/>
+          </a:p>
+        </p:txBody>
+      </p:sp>
+      <p:sp>
+        <p:nvSpPr>
+          <p:cNvPr id="7" name="Abgerundetes Rechteck 6">
+            <a:hlinkClick r:id="rId2" action="ppaction://hlinksldjump"/>
+          </p:cNvPr>
+          <p:cNvSpPr/>
+          <p:nvPr/>
+        </p:nvSpPr>
+        <p:spPr>
+          <a:xfrm>
+            <a:off x="4232158" y="1036539"/>
+            <a:ext cx="1206741" cy="320634"/>
+          </a:xfrm>
+          <a:prstGeom prst="roundRect">
+            <a:avLst/>
+          </a:prstGeom>
+          <a:ln w="12700"/>
+        </p:spPr>
+        <p:style>
+          <a:lnRef idx="1">
+            <a:schemeClr val="accent3"/>
+          </a:lnRef>
+          <a:fillRef idx="2">
+            <a:schemeClr val="accent3"/>
+          </a:fillRef>
+          <a:effectRef idx="1">
+            <a:schemeClr val="accent3"/>
+          </a:effectRef>
+          <a:fontRef idx="minor">
+            <a:schemeClr val="dk1"/>
+          </a:fontRef>
+        </p:style>
+        <p:txBody>
+          <a:bodyPr rtlCol="0" anchor="ctr"/>
+          <a:lstStyle/>
+          <a:p>
+            <a:pPr algn="ctr"/>
+            <a:r>
+              <a:rPr lang="de-DE" dirty="0" err="1" smtClean="0"/>
+              <a:t>Logout</a:t>
+            </a:r>
+            <a:endParaRPr lang="de-DE" dirty="0"/>
+          </a:p>
+        </p:txBody>
+      </p:sp>
+      <p:sp>
+        <p:nvSpPr>
+          <p:cNvPr id="8" name="Abgerundetes Rechteck 7">
+            <a:hlinkClick r:id="rId3" action="ppaction://hlinksldjump"/>
+          </p:cNvPr>
+          <p:cNvSpPr/>
+          <p:nvPr/>
+        </p:nvSpPr>
+        <p:spPr>
+          <a:xfrm>
+            <a:off x="1785968" y="6385819"/>
+            <a:ext cx="2833539" cy="320634"/>
+          </a:xfrm>
+          <a:prstGeom prst="roundRect">
+            <a:avLst/>
+          </a:prstGeom>
+          <a:ln w="12700"/>
+        </p:spPr>
+        <p:style>
+          <a:lnRef idx="1">
+            <a:schemeClr val="accent3"/>
+          </a:lnRef>
+          <a:fillRef idx="2">
+            <a:schemeClr val="accent3"/>
+          </a:fillRef>
+          <a:effectRef idx="1">
+            <a:schemeClr val="accent3"/>
+          </a:effectRef>
+          <a:fontRef idx="minor">
+            <a:schemeClr val="dk1"/>
+          </a:fontRef>
+        </p:style>
+        <p:txBody>
+          <a:bodyPr rtlCol="0" anchor="ctr"/>
+          <a:lstStyle/>
+          <a:p>
+            <a:pPr algn="ctr"/>
+            <a:r>
+              <a:rPr lang="de-DE" dirty="0" smtClean="0"/>
+              <a:t>Zurück zum Hauptmenü</a:t>
+            </a:r>
+            <a:endParaRPr lang="de-DE" dirty="0"/>
+          </a:p>
+        </p:txBody>
+      </p:sp>
+      <p:sp>
+        <p:nvSpPr>
+          <p:cNvPr id="15" name="Textfeld 14"/>
+          <p:cNvSpPr txBox="1"/>
+          <p:nvPr/>
+        </p:nvSpPr>
+        <p:spPr>
+          <a:xfrm>
+            <a:off x="4391330" y="1772552"/>
+            <a:ext cx="3581365" cy="461665"/>
+          </a:xfrm>
+          <a:prstGeom prst="rect">
+            <a:avLst/>
+          </a:prstGeom>
+          <a:noFill/>
+        </p:spPr>
+        <p:txBody>
+          <a:bodyPr wrap="none" rtlCol="0">
+            <a:spAutoFit/>
+          </a:bodyPr>
+          <a:lstStyle/>
+          <a:p>
+            <a:r>
+              <a:rPr lang="de-DE" sz="2400" dirty="0" smtClean="0"/>
+              <a:t>Neue Bestellung Lehrmittel</a:t>
+            </a:r>
+            <a:endParaRPr lang="de-DE" sz="2400" dirty="0"/>
+          </a:p>
+        </p:txBody>
+      </p:sp>
+      <p:sp>
+        <p:nvSpPr>
+          <p:cNvPr id="23" name="Rechteck 22"/>
+          <p:cNvSpPr/>
+          <p:nvPr/>
+        </p:nvSpPr>
+        <p:spPr>
+          <a:xfrm>
+            <a:off x="1455387" y="2609446"/>
+            <a:ext cx="2291556" cy="343843"/>
+          </a:xfrm>
+          <a:prstGeom prst="rect">
+            <a:avLst/>
+          </a:prstGeom>
+        </p:spPr>
+        <p:style>
+          <a:lnRef idx="2">
+            <a:schemeClr val="dk1"/>
+          </a:lnRef>
+          <a:fillRef idx="1">
+            <a:schemeClr val="lt1"/>
+          </a:fillRef>
+          <a:effectRef idx="0">
+            <a:schemeClr val="dk1"/>
+          </a:effectRef>
+          <a:fontRef idx="minor">
+            <a:schemeClr val="dk1"/>
+          </a:fontRef>
+        </p:style>
+        <p:txBody>
+          <a:bodyPr rtlCol="0" anchor="ctr"/>
+          <a:lstStyle/>
+          <a:p>
+            <a:pPr algn="ctr"/>
+            <a:endParaRPr lang="de-DE"/>
+          </a:p>
+        </p:txBody>
+      </p:sp>
+      <p:sp>
+        <p:nvSpPr>
+          <p:cNvPr id="25" name="Textfeld 24"/>
+          <p:cNvSpPr txBox="1"/>
+          <p:nvPr/>
+        </p:nvSpPr>
+        <p:spPr>
+          <a:xfrm>
+            <a:off x="1751283" y="2181358"/>
+            <a:ext cx="1763303" cy="461665"/>
+          </a:xfrm>
+          <a:prstGeom prst="rect">
+            <a:avLst/>
+          </a:prstGeom>
+          <a:noFill/>
+        </p:spPr>
+        <p:txBody>
+          <a:bodyPr wrap="none" rtlCol="0">
+            <a:spAutoFit/>
+          </a:bodyPr>
+          <a:lstStyle/>
+          <a:p>
+            <a:r>
+              <a:rPr lang="de-DE" sz="2400" dirty="0" smtClean="0"/>
+              <a:t>Bezeichnung</a:t>
+            </a:r>
+            <a:endParaRPr lang="de-DE" sz="2400" dirty="0"/>
+          </a:p>
+        </p:txBody>
+      </p:sp>
+      <p:sp>
+        <p:nvSpPr>
+          <p:cNvPr id="26" name="Rechteck 25"/>
+          <p:cNvSpPr/>
+          <p:nvPr/>
+        </p:nvSpPr>
+        <p:spPr>
+          <a:xfrm>
+            <a:off x="1901451" y="2959330"/>
+            <a:ext cx="1462965" cy="461665"/>
+          </a:xfrm>
+          <a:prstGeom prst="rect">
+            <a:avLst/>
+          </a:prstGeom>
+        </p:spPr>
+        <p:txBody>
+          <a:bodyPr wrap="none">
+            <a:spAutoFit/>
+          </a:bodyPr>
+          <a:lstStyle/>
+          <a:p>
+            <a:r>
+              <a:rPr lang="de-DE" sz="2400" dirty="0"/>
+              <a:t>Bestell-Nr.</a:t>
+            </a:r>
+            <a:endParaRPr lang="de-DE" sz="2400" dirty="0"/>
+          </a:p>
+        </p:txBody>
+      </p:sp>
+      <p:sp>
+        <p:nvSpPr>
+          <p:cNvPr id="27" name="Rechteck 26"/>
+          <p:cNvSpPr/>
+          <p:nvPr/>
+        </p:nvSpPr>
+        <p:spPr>
+          <a:xfrm>
+            <a:off x="2109910" y="5130162"/>
+            <a:ext cx="1021113" cy="461665"/>
+          </a:xfrm>
+          <a:prstGeom prst="rect">
+            <a:avLst/>
+          </a:prstGeom>
+        </p:spPr>
+        <p:txBody>
+          <a:bodyPr wrap="none">
+            <a:spAutoFit/>
+          </a:bodyPr>
+          <a:lstStyle/>
+          <a:p>
+            <a:r>
+              <a:rPr lang="de-DE" sz="2400" dirty="0" smtClean="0"/>
+              <a:t>Anzahl</a:t>
+            </a:r>
+            <a:endParaRPr lang="de-DE" sz="2400" dirty="0"/>
+          </a:p>
+        </p:txBody>
+      </p:sp>
+      <p:sp>
+        <p:nvSpPr>
+          <p:cNvPr id="28" name="Rechteck 27"/>
+          <p:cNvSpPr/>
+          <p:nvPr/>
+        </p:nvSpPr>
+        <p:spPr>
+          <a:xfrm>
+            <a:off x="9494973" y="2199641"/>
+            <a:ext cx="1469441" cy="461665"/>
+          </a:xfrm>
+          <a:prstGeom prst="rect">
+            <a:avLst/>
+          </a:prstGeom>
+        </p:spPr>
+        <p:txBody>
+          <a:bodyPr wrap="none">
+            <a:spAutoFit/>
+          </a:bodyPr>
+          <a:lstStyle/>
+          <a:p>
+            <a:r>
+              <a:rPr lang="de-DE" sz="2400" dirty="0" smtClean="0"/>
+              <a:t>Stückpreis</a:t>
+            </a:r>
+            <a:endParaRPr lang="de-DE" sz="2400" dirty="0"/>
+          </a:p>
+        </p:txBody>
+      </p:sp>
+      <p:sp>
+        <p:nvSpPr>
+          <p:cNvPr id="29" name="Rechteck 28"/>
+          <p:cNvSpPr/>
+          <p:nvPr/>
+        </p:nvSpPr>
+        <p:spPr>
+          <a:xfrm>
+            <a:off x="7378717" y="5139082"/>
+            <a:ext cx="4099905" cy="461665"/>
+          </a:xfrm>
+          <a:prstGeom prst="rect">
+            <a:avLst/>
+          </a:prstGeom>
+        </p:spPr>
+        <p:txBody>
+          <a:bodyPr wrap="none">
+            <a:spAutoFit/>
+          </a:bodyPr>
+          <a:lstStyle/>
+          <a:p>
+            <a:r>
+              <a:rPr lang="de-DE" sz="2400" dirty="0" smtClean="0"/>
+              <a:t>Vorbestellung / Nachbestellung</a:t>
+            </a:r>
+            <a:endParaRPr lang="de-DE" sz="2400" dirty="0"/>
+          </a:p>
+        </p:txBody>
+      </p:sp>
+      <p:sp>
+        <p:nvSpPr>
+          <p:cNvPr id="30" name="Abgerundetes Rechteck 29">
+            <a:hlinkClick r:id="rId4" action="ppaction://hlinksldjump"/>
+          </p:cNvPr>
+          <p:cNvSpPr/>
+          <p:nvPr/>
+        </p:nvSpPr>
+        <p:spPr>
+          <a:xfrm>
+            <a:off x="8816195" y="6202392"/>
+            <a:ext cx="2833499" cy="495766"/>
+          </a:xfrm>
+          <a:prstGeom prst="roundRect">
+            <a:avLst/>
+          </a:prstGeom>
+        </p:spPr>
+        <p:style>
+          <a:lnRef idx="2">
+            <a:schemeClr val="accent1">
+              <a:shade val="50000"/>
+            </a:schemeClr>
+          </a:lnRef>
+          <a:fillRef idx="1">
+            <a:schemeClr val="accent1"/>
+          </a:fillRef>
+          <a:effectRef idx="0">
+            <a:schemeClr val="accent1"/>
+          </a:effectRef>
+          <a:fontRef idx="minor">
+            <a:schemeClr val="lt1"/>
+          </a:fontRef>
+        </p:style>
+        <p:txBody>
+          <a:bodyPr rtlCol="0" anchor="ctr"/>
+          <a:lstStyle/>
+          <a:p>
+            <a:pPr algn="ctr"/>
+            <a:r>
+              <a:rPr lang="de-DE" sz="2000" dirty="0" smtClean="0"/>
+              <a:t>Bestellung weiterleiten</a:t>
+            </a:r>
+            <a:endParaRPr lang="de-DE" sz="2000" dirty="0"/>
+          </a:p>
+        </p:txBody>
+      </p:sp>
+      <p:sp>
+        <p:nvSpPr>
+          <p:cNvPr id="31" name="Abgerundetes Rechteck 30">
+            <a:hlinkClick r:id="rId3" action="ppaction://hlinksldjump"/>
+          </p:cNvPr>
+          <p:cNvSpPr/>
+          <p:nvPr/>
+        </p:nvSpPr>
+        <p:spPr>
+          <a:xfrm>
+            <a:off x="1785968" y="6385819"/>
+            <a:ext cx="2833539" cy="320634"/>
+          </a:xfrm>
+          <a:prstGeom prst="roundRect">
+            <a:avLst/>
+          </a:prstGeom>
+          <a:ln w="12700"/>
+        </p:spPr>
+        <p:style>
+          <a:lnRef idx="1">
+            <a:schemeClr val="accent3"/>
+          </a:lnRef>
+          <a:fillRef idx="2">
+            <a:schemeClr val="accent3"/>
+          </a:fillRef>
+          <a:effectRef idx="1">
+            <a:schemeClr val="accent3"/>
+          </a:effectRef>
+          <a:fontRef idx="minor">
+            <a:schemeClr val="dk1"/>
+          </a:fontRef>
+        </p:style>
+        <p:txBody>
+          <a:bodyPr rtlCol="0" anchor="ctr"/>
+          <a:lstStyle/>
+          <a:p>
+            <a:pPr algn="ctr"/>
+            <a:r>
+              <a:rPr lang="de-DE" dirty="0" smtClean="0"/>
+              <a:t>Zurück zum Hauptmenü</a:t>
+            </a:r>
+            <a:endParaRPr lang="de-DE" dirty="0"/>
+          </a:p>
+        </p:txBody>
+      </p:sp>
+      <p:sp>
+        <p:nvSpPr>
+          <p:cNvPr id="32" name="Rechteck 31"/>
+          <p:cNvSpPr/>
+          <p:nvPr/>
+        </p:nvSpPr>
+        <p:spPr>
+          <a:xfrm>
+            <a:off x="1474688" y="3335300"/>
+            <a:ext cx="2291556" cy="343843"/>
+          </a:xfrm>
+          <a:prstGeom prst="rect">
+            <a:avLst/>
+          </a:prstGeom>
+        </p:spPr>
+        <p:style>
+          <a:lnRef idx="2">
+            <a:schemeClr val="dk1"/>
+          </a:lnRef>
+          <a:fillRef idx="1">
+            <a:schemeClr val="lt1"/>
+          </a:fillRef>
+          <a:effectRef idx="0">
+            <a:schemeClr val="dk1"/>
+          </a:effectRef>
+          <a:fontRef idx="minor">
+            <a:schemeClr val="dk1"/>
+          </a:fontRef>
+        </p:style>
+        <p:txBody>
+          <a:bodyPr rtlCol="0" anchor="ctr"/>
+          <a:lstStyle/>
+          <a:p>
+            <a:pPr algn="ctr"/>
+            <a:endParaRPr lang="de-DE"/>
+          </a:p>
+        </p:txBody>
+      </p:sp>
+      <p:sp>
+        <p:nvSpPr>
+          <p:cNvPr id="33" name="Rechteck 32"/>
+          <p:cNvSpPr/>
+          <p:nvPr/>
+        </p:nvSpPr>
+        <p:spPr>
+          <a:xfrm>
+            <a:off x="1474688" y="5582538"/>
+            <a:ext cx="2291556" cy="343843"/>
+          </a:xfrm>
+          <a:prstGeom prst="rect">
+            <a:avLst/>
+          </a:prstGeom>
+        </p:spPr>
+        <p:style>
+          <a:lnRef idx="2">
+            <a:schemeClr val="dk1"/>
+          </a:lnRef>
+          <a:fillRef idx="1">
+            <a:schemeClr val="lt1"/>
+          </a:fillRef>
+          <a:effectRef idx="0">
+            <a:schemeClr val="dk1"/>
+          </a:effectRef>
+          <a:fontRef idx="minor">
+            <a:schemeClr val="dk1"/>
+          </a:fontRef>
+        </p:style>
+        <p:txBody>
+          <a:bodyPr rtlCol="0" anchor="ctr"/>
+          <a:lstStyle/>
+          <a:p>
+            <a:pPr algn="ctr"/>
+            <a:endParaRPr lang="de-DE"/>
+          </a:p>
+        </p:txBody>
+      </p:sp>
+      <p:sp>
+        <p:nvSpPr>
+          <p:cNvPr id="34" name="Rechteck 33"/>
+          <p:cNvSpPr/>
+          <p:nvPr/>
+        </p:nvSpPr>
+        <p:spPr>
+          <a:xfrm>
+            <a:off x="9083916" y="2605271"/>
+            <a:ext cx="2291556" cy="343843"/>
+          </a:xfrm>
+          <a:prstGeom prst="rect">
+            <a:avLst/>
+          </a:prstGeom>
+        </p:spPr>
+        <p:style>
+          <a:lnRef idx="2">
+            <a:schemeClr val="dk1"/>
+          </a:lnRef>
+          <a:fillRef idx="1">
+            <a:schemeClr val="lt1"/>
+          </a:fillRef>
+          <a:effectRef idx="0">
+            <a:schemeClr val="dk1"/>
+          </a:effectRef>
+          <a:fontRef idx="minor">
+            <a:schemeClr val="dk1"/>
+          </a:fontRef>
+        </p:style>
+        <p:txBody>
+          <a:bodyPr rtlCol="0" anchor="ctr"/>
+          <a:lstStyle/>
+          <a:p>
+            <a:pPr algn="ctr"/>
+            <a:endParaRPr lang="de-DE"/>
+          </a:p>
+        </p:txBody>
+      </p:sp>
+      <p:sp>
+        <p:nvSpPr>
+          <p:cNvPr id="35" name="Rechteck 34"/>
+          <p:cNvSpPr/>
+          <p:nvPr/>
+        </p:nvSpPr>
+        <p:spPr>
+          <a:xfrm>
+            <a:off x="8282891" y="5600747"/>
+            <a:ext cx="2291556" cy="343843"/>
+          </a:xfrm>
+          <a:prstGeom prst="rect">
+            <a:avLst/>
+          </a:prstGeom>
+        </p:spPr>
+        <p:style>
+          <a:lnRef idx="2">
+            <a:schemeClr val="dk1"/>
+          </a:lnRef>
+          <a:fillRef idx="1">
+            <a:schemeClr val="lt1"/>
+          </a:fillRef>
+          <a:effectRef idx="0">
+            <a:schemeClr val="dk1"/>
+          </a:effectRef>
+          <a:fontRef idx="minor">
+            <a:schemeClr val="dk1"/>
+          </a:fontRef>
+        </p:style>
+        <p:txBody>
+          <a:bodyPr rtlCol="0" anchor="ctr"/>
+          <a:lstStyle/>
+          <a:p>
+            <a:pPr algn="ctr"/>
+            <a:endParaRPr lang="de-DE"/>
+          </a:p>
+        </p:txBody>
+      </p:sp>
+      <p:sp>
+        <p:nvSpPr>
+          <p:cNvPr id="43" name="Abgerundetes Rechteck 42">
+            <a:hlinkClick r:id="rId4" action="ppaction://hlinksldjump"/>
+          </p:cNvPr>
+          <p:cNvSpPr/>
+          <p:nvPr/>
+        </p:nvSpPr>
+        <p:spPr>
+          <a:xfrm>
+            <a:off x="8816194" y="3163458"/>
+            <a:ext cx="2833499" cy="495766"/>
+          </a:xfrm>
+          <a:prstGeom prst="roundRect">
+            <a:avLst/>
+          </a:prstGeom>
+        </p:spPr>
+        <p:style>
+          <a:lnRef idx="2">
+            <a:schemeClr val="accent1">
+              <a:shade val="50000"/>
+            </a:schemeClr>
+          </a:lnRef>
+          <a:fillRef idx="1">
+            <a:schemeClr val="accent1"/>
+          </a:fillRef>
+          <a:effectRef idx="0">
+            <a:schemeClr val="accent1"/>
+          </a:effectRef>
+          <a:fontRef idx="minor">
+            <a:schemeClr val="lt1"/>
+          </a:fontRef>
+        </p:style>
+        <p:txBody>
+          <a:bodyPr rtlCol="0" anchor="ctr"/>
+          <a:lstStyle/>
+          <a:p>
+            <a:pPr algn="ctr"/>
+            <a:r>
+              <a:rPr lang="de-DE" dirty="0" smtClean="0"/>
+              <a:t>Neues Lehrmittel anlegen</a:t>
+            </a:r>
+            <a:endParaRPr lang="de-DE" dirty="0"/>
+          </a:p>
+        </p:txBody>
+      </p:sp>
+      <p:sp>
+        <p:nvSpPr>
+          <p:cNvPr id="44" name="Rechteck 43"/>
+          <p:cNvSpPr/>
+          <p:nvPr/>
+        </p:nvSpPr>
+        <p:spPr>
+          <a:xfrm>
+            <a:off x="5500430" y="2199641"/>
+            <a:ext cx="756682" cy="461665"/>
+          </a:xfrm>
+          <a:prstGeom prst="rect">
+            <a:avLst/>
+          </a:prstGeom>
+        </p:spPr>
+        <p:txBody>
+          <a:bodyPr wrap="none">
+            <a:spAutoFit/>
+          </a:bodyPr>
+          <a:lstStyle/>
+          <a:p>
+            <a:r>
+              <a:rPr lang="de-DE" sz="2400" dirty="0" smtClean="0"/>
+              <a:t>Fach</a:t>
+            </a:r>
+            <a:endParaRPr lang="de-DE" sz="2400" dirty="0"/>
+          </a:p>
+        </p:txBody>
+      </p:sp>
+      <p:sp>
+        <p:nvSpPr>
+          <p:cNvPr id="45" name="Rechteck 44"/>
+          <p:cNvSpPr/>
+          <p:nvPr/>
+        </p:nvSpPr>
+        <p:spPr>
+          <a:xfrm>
+            <a:off x="4732993" y="2609446"/>
+            <a:ext cx="2291556" cy="343843"/>
+          </a:xfrm>
+          <a:prstGeom prst="rect">
+            <a:avLst/>
+          </a:prstGeom>
+        </p:spPr>
+        <p:style>
+          <a:lnRef idx="2">
+            <a:schemeClr val="dk1"/>
+          </a:lnRef>
+          <a:fillRef idx="1">
+            <a:schemeClr val="lt1"/>
+          </a:fillRef>
+          <a:effectRef idx="0">
+            <a:schemeClr val="dk1"/>
+          </a:effectRef>
+          <a:fontRef idx="minor">
+            <a:schemeClr val="dk1"/>
+          </a:fontRef>
+        </p:style>
+        <p:txBody>
+          <a:bodyPr rtlCol="0" anchor="ctr"/>
+          <a:lstStyle/>
+          <a:p>
+            <a:pPr algn="ctr"/>
+            <a:endParaRPr lang="de-DE"/>
+          </a:p>
+        </p:txBody>
+      </p:sp>
+      <p:sp>
+        <p:nvSpPr>
+          <p:cNvPr id="46" name="Rechteck 45"/>
+          <p:cNvSpPr/>
+          <p:nvPr/>
+        </p:nvSpPr>
+        <p:spPr>
+          <a:xfrm>
+            <a:off x="2072080" y="4324076"/>
+            <a:ext cx="146649" cy="147769"/>
+          </a:xfrm>
+          <a:prstGeom prst="rect">
+            <a:avLst/>
+          </a:prstGeom>
+        </p:spPr>
+        <p:style>
+          <a:lnRef idx="2">
+            <a:schemeClr val="dk1"/>
+          </a:lnRef>
+          <a:fillRef idx="1">
+            <a:schemeClr val="lt1"/>
+          </a:fillRef>
+          <a:effectRef idx="0">
+            <a:schemeClr val="dk1"/>
+          </a:effectRef>
+          <a:fontRef idx="minor">
+            <a:schemeClr val="dk1"/>
+          </a:fontRef>
+        </p:style>
+        <p:txBody>
+          <a:bodyPr rtlCol="0" anchor="ctr"/>
+          <a:lstStyle/>
+          <a:p>
+            <a:pPr algn="ctr"/>
+            <a:endParaRPr lang="de-DE"/>
+          </a:p>
+        </p:txBody>
+      </p:sp>
+      <p:graphicFrame>
+        <p:nvGraphicFramePr>
+          <p:cNvPr id="48" name="Tabelle 47"/>
+          <p:cNvGraphicFramePr>
+            <a:graphicFrameLocks noGrp="1"/>
+          </p:cNvGraphicFramePr>
+          <p:nvPr>
+            <p:extLst>
+              <p:ext uri="{D42A27DB-BD31-4B8C-83A1-F6EECF244321}">
+                <p14:modId xmlns:p14="http://schemas.microsoft.com/office/powerpoint/2010/main" val="3691373764"/>
+              </p:ext>
+            </p:extLst>
+          </p:nvPr>
+        </p:nvGraphicFramePr>
+        <p:xfrm>
+          <a:off x="283534" y="3883260"/>
+          <a:ext cx="11370753" cy="741680"/>
+        </p:xfrm>
+        <a:graphic>
+          <a:graphicData uri="http://schemas.openxmlformats.org/drawingml/2006/table">
+            <a:tbl>
+              <a:tblPr firstRow="1" bandRow="1">
+                <a:tableStyleId>{5C22544A-7EE6-4342-B048-85BDC9FD1C3A}</a:tableStyleId>
+              </a:tblPr>
+              <a:tblGrid>
+                <a:gridCol w="1628375"/>
+                <a:gridCol w="1387604"/>
+                <a:gridCol w="859578"/>
+                <a:gridCol w="1178849"/>
+                <a:gridCol w="2689249"/>
+                <a:gridCol w="3627098"/>
+              </a:tblGrid>
+              <a:tr h="370840">
+                <a:tc>
+                  <a:txBody>
+                    <a:bodyPr/>
+                    <a:lstStyle/>
+                    <a:p>
+                      <a:r>
+                        <a:rPr lang="de-DE" sz="1400" dirty="0" smtClean="0"/>
+                        <a:t>Bezeichnung</a:t>
+                      </a:r>
+                      <a:endParaRPr lang="de-DE" sz="1400" dirty="0"/>
+                    </a:p>
+                  </a:txBody>
+                  <a:tcPr/>
+                </a:tc>
+                <a:tc>
+                  <a:txBody>
+                    <a:bodyPr/>
+                    <a:lstStyle/>
+                    <a:p>
+                      <a:r>
+                        <a:rPr lang="de-DE" sz="1400" dirty="0" smtClean="0"/>
+                        <a:t>Bestell-Nr.</a:t>
+                      </a:r>
+                      <a:endParaRPr lang="de-DE" sz="1400" dirty="0"/>
+                    </a:p>
+                  </a:txBody>
+                  <a:tcPr/>
+                </a:tc>
+                <a:tc>
+                  <a:txBody>
+                    <a:bodyPr/>
+                    <a:lstStyle/>
+                    <a:p>
+                      <a:r>
+                        <a:rPr lang="de-DE" sz="1400" dirty="0" err="1" smtClean="0"/>
+                        <a:t>StkPreis</a:t>
+                      </a:r>
+                      <a:endParaRPr lang="de-DE" sz="1400" dirty="0"/>
+                    </a:p>
+                  </a:txBody>
+                  <a:tcPr/>
+                </a:tc>
+                <a:tc>
+                  <a:txBody>
+                    <a:bodyPr/>
+                    <a:lstStyle/>
+                    <a:p>
+                      <a:r>
+                        <a:rPr lang="de-DE" sz="1400" dirty="0" smtClean="0"/>
+                        <a:t>Fach</a:t>
+                      </a:r>
+                      <a:endParaRPr lang="de-DE" sz="1400" dirty="0"/>
+                    </a:p>
+                  </a:txBody>
+                  <a:tcPr/>
+                </a:tc>
+                <a:tc>
+                  <a:txBody>
+                    <a:bodyPr/>
+                    <a:lstStyle/>
+                    <a:p>
+                      <a:r>
+                        <a:rPr lang="de-DE" sz="1400" dirty="0" smtClean="0"/>
+                        <a:t>Bemerkung</a:t>
+                      </a:r>
+                      <a:endParaRPr lang="de-DE" sz="1400" dirty="0"/>
+                    </a:p>
+                  </a:txBody>
+                  <a:tcPr/>
+                </a:tc>
+                <a:tc>
+                  <a:txBody>
+                    <a:bodyPr/>
+                    <a:lstStyle/>
+                    <a:p>
+                      <a:r>
+                        <a:rPr lang="de-DE" sz="1400" dirty="0" smtClean="0"/>
+                        <a:t>Bearbeiten</a:t>
+                      </a:r>
+                      <a:endParaRPr lang="de-DE" sz="1400" dirty="0"/>
+                    </a:p>
+                  </a:txBody>
+                  <a:tcPr/>
+                </a:tc>
+              </a:tr>
+              <a:tr h="370840">
+                <a:tc>
+                  <a:txBody>
+                    <a:bodyPr/>
+                    <a:lstStyle/>
+                    <a:p>
+                      <a:r>
+                        <a:rPr lang="de-DE" sz="1400" dirty="0" smtClean="0"/>
+                        <a:t>Lötzinn</a:t>
+                      </a:r>
+                      <a:endParaRPr lang="de-DE" sz="1400" dirty="0"/>
+                    </a:p>
+                  </a:txBody>
+                  <a:tcPr/>
+                </a:tc>
+                <a:tc>
+                  <a:txBody>
+                    <a:bodyPr/>
+                    <a:lstStyle/>
+                    <a:p>
+                      <a:r>
+                        <a:rPr lang="de-DE" sz="1400" dirty="0" smtClean="0"/>
+                        <a:t>564516384-45</a:t>
+                      </a:r>
+                      <a:endParaRPr lang="de-DE" sz="1400" dirty="0"/>
+                    </a:p>
+                  </a:txBody>
+                  <a:tcPr/>
+                </a:tc>
+                <a:tc>
+                  <a:txBody>
+                    <a:bodyPr/>
+                    <a:lstStyle/>
+                    <a:p>
+                      <a:r>
+                        <a:rPr lang="de-DE" sz="1400" dirty="0" smtClean="0"/>
+                        <a:t>4,59 €</a:t>
+                      </a:r>
+                      <a:endParaRPr lang="de-DE" sz="1400" dirty="0"/>
+                    </a:p>
+                  </a:txBody>
+                  <a:tcPr/>
+                </a:tc>
+                <a:tc>
+                  <a:txBody>
+                    <a:bodyPr/>
+                    <a:lstStyle/>
+                    <a:p>
+                      <a:endParaRPr lang="de-DE" sz="1400" dirty="0"/>
+                    </a:p>
+                  </a:txBody>
+                  <a:tcPr/>
+                </a:tc>
+                <a:tc>
+                  <a:txBody>
+                    <a:bodyPr/>
+                    <a:lstStyle/>
+                    <a:p>
+                      <a:endParaRPr lang="de-DE" sz="1400" dirty="0"/>
+                    </a:p>
+                  </a:txBody>
+                  <a:tcPr/>
+                </a:tc>
+                <a:tc>
+                  <a:txBody>
+                    <a:bodyPr/>
+                    <a:lstStyle/>
+                    <a:p>
+                      <a:pPr algn="ctr"/>
+                      <a:r>
+                        <a:rPr lang="de-DE" sz="1400" dirty="0" smtClean="0"/>
+                        <a:t>Ändern / Löschen</a:t>
+                      </a:r>
+                      <a:endParaRPr lang="de-DE" sz="1400" dirty="0"/>
+                    </a:p>
+                  </a:txBody>
+                  <a:tcPr/>
+                </a:tc>
+              </a:tr>
+            </a:tbl>
+          </a:graphicData>
+        </a:graphic>
+      </p:graphicFrame>
+      <p:sp>
+        <p:nvSpPr>
+          <p:cNvPr id="47" name="Rechteck 46"/>
+          <p:cNvSpPr/>
+          <p:nvPr/>
+        </p:nvSpPr>
+        <p:spPr>
+          <a:xfrm>
+            <a:off x="1604634" y="4361655"/>
+            <a:ext cx="146649" cy="147769"/>
+          </a:xfrm>
+          <a:prstGeom prst="rect">
+            <a:avLst/>
+          </a:prstGeom>
+        </p:spPr>
+        <p:style>
+          <a:lnRef idx="2">
+            <a:schemeClr val="dk1"/>
+          </a:lnRef>
+          <a:fillRef idx="1">
+            <a:schemeClr val="lt1"/>
+          </a:fillRef>
+          <a:effectRef idx="0">
+            <a:schemeClr val="dk1"/>
+          </a:effectRef>
+          <a:fontRef idx="minor">
+            <a:schemeClr val="dk1"/>
+          </a:fontRef>
+        </p:style>
+        <p:txBody>
+          <a:bodyPr rtlCol="0" anchor="ctr"/>
+          <a:lstStyle/>
+          <a:p>
+            <a:pPr algn="ctr"/>
+            <a:endParaRPr lang="de-DE"/>
+          </a:p>
+        </p:txBody>
+      </p:sp>
+      <p:sp>
+        <p:nvSpPr>
+          <p:cNvPr id="49" name="Rechteck 48"/>
+          <p:cNvSpPr/>
+          <p:nvPr/>
+        </p:nvSpPr>
+        <p:spPr>
+          <a:xfrm>
+            <a:off x="5071050" y="2935455"/>
+            <a:ext cx="1615442" cy="461665"/>
+          </a:xfrm>
+          <a:prstGeom prst="rect">
+            <a:avLst/>
+          </a:prstGeom>
+        </p:spPr>
+        <p:txBody>
+          <a:bodyPr wrap="none">
+            <a:spAutoFit/>
+          </a:bodyPr>
+          <a:lstStyle/>
+          <a:p>
+            <a:r>
+              <a:rPr lang="de-DE" sz="2400" dirty="0" smtClean="0"/>
+              <a:t>Bemerkung</a:t>
+            </a:r>
+            <a:endParaRPr lang="de-DE" sz="2400" dirty="0"/>
+          </a:p>
+        </p:txBody>
+      </p:sp>
+      <p:sp>
+        <p:nvSpPr>
+          <p:cNvPr id="50" name="Rechteck 49"/>
+          <p:cNvSpPr/>
+          <p:nvPr/>
+        </p:nvSpPr>
+        <p:spPr>
+          <a:xfrm>
+            <a:off x="4732993" y="3335300"/>
+            <a:ext cx="2291556" cy="343843"/>
+          </a:xfrm>
+          <a:prstGeom prst="rect">
+            <a:avLst/>
+          </a:prstGeom>
+        </p:spPr>
+        <p:style>
+          <a:lnRef idx="2">
+            <a:schemeClr val="dk1"/>
+          </a:lnRef>
+          <a:fillRef idx="1">
+            <a:schemeClr val="lt1"/>
+          </a:fillRef>
+          <a:effectRef idx="0">
+            <a:schemeClr val="dk1"/>
+          </a:effectRef>
+          <a:fontRef idx="minor">
+            <a:schemeClr val="dk1"/>
+          </a:fontRef>
+        </p:style>
+        <p:txBody>
+          <a:bodyPr rtlCol="0" anchor="ctr"/>
+          <a:lstStyle/>
+          <a:p>
+            <a:pPr algn="ctr"/>
+            <a:endParaRPr lang="de-DE"/>
+          </a:p>
+        </p:txBody>
+      </p:sp>
+      <p:grpSp>
+        <p:nvGrpSpPr>
+          <p:cNvPr id="2" name="Gruppieren 1"/>
+          <p:cNvGrpSpPr/>
+          <p:nvPr/>
+        </p:nvGrpSpPr>
+        <p:grpSpPr>
+          <a:xfrm>
+            <a:off x="11649694" y="3883261"/>
+            <a:ext cx="325390" cy="741680"/>
+            <a:chOff x="11015928" y="3839104"/>
+            <a:chExt cx="345060" cy="1117574"/>
+          </a:xfrm>
+        </p:grpSpPr>
+        <p:sp>
+          <p:nvSpPr>
+            <p:cNvPr id="37" name="Rechteck 36"/>
+            <p:cNvSpPr/>
+            <p:nvPr/>
+          </p:nvSpPr>
+          <p:spPr>
+            <a:xfrm>
+              <a:off x="11015929" y="3839104"/>
+              <a:ext cx="345059" cy="1112520"/>
+            </a:xfrm>
+            <a:prstGeom prst="rect">
+              <a:avLst/>
+            </a:prstGeom>
+          </p:spPr>
+          <p:style>
+            <a:lnRef idx="2">
+              <a:schemeClr val="dk1"/>
+            </a:lnRef>
+            <a:fillRef idx="1">
+              <a:schemeClr val="lt1"/>
+            </a:fillRef>
+            <a:effectRef idx="0">
+              <a:schemeClr val="dk1"/>
+            </a:effectRef>
+            <a:fontRef idx="minor">
+              <a:schemeClr val="dk1"/>
+            </a:fontRef>
+          </p:style>
+          <p:txBody>
+            <a:bodyPr rtlCol="0" anchor="ctr"/>
+            <a:lstStyle/>
+            <a:p>
+              <a:pPr algn="ctr"/>
+              <a:endParaRPr lang="de-DE"/>
+            </a:p>
+          </p:txBody>
+        </p:sp>
+        <p:sp>
+          <p:nvSpPr>
+            <p:cNvPr id="38" name="Rechteck 37"/>
+            <p:cNvSpPr/>
+            <p:nvPr/>
+          </p:nvSpPr>
+          <p:spPr>
+            <a:xfrm>
+              <a:off x="11015929" y="3839104"/>
+              <a:ext cx="345059" cy="301575"/>
+            </a:xfrm>
+            <a:prstGeom prst="rect">
+              <a:avLst/>
+            </a:prstGeom>
+          </p:spPr>
+          <p:style>
+            <a:lnRef idx="2">
+              <a:schemeClr val="dk1"/>
+            </a:lnRef>
+            <a:fillRef idx="1">
+              <a:schemeClr val="lt1"/>
+            </a:fillRef>
+            <a:effectRef idx="0">
+              <a:schemeClr val="dk1"/>
+            </a:effectRef>
+            <a:fontRef idx="minor">
+              <a:schemeClr val="dk1"/>
+            </a:fontRef>
+          </p:style>
+          <p:txBody>
+            <a:bodyPr rtlCol="0" anchor="ctr"/>
+            <a:lstStyle/>
+            <a:p>
+              <a:pPr algn="ctr"/>
+              <a:endParaRPr lang="de-DE"/>
+            </a:p>
+          </p:txBody>
+        </p:sp>
+        <p:sp>
+          <p:nvSpPr>
+            <p:cNvPr id="39" name="Rechteck 38"/>
+            <p:cNvSpPr/>
+            <p:nvPr/>
+          </p:nvSpPr>
+          <p:spPr>
+            <a:xfrm>
+              <a:off x="11015928" y="4655103"/>
+              <a:ext cx="345059" cy="301575"/>
+            </a:xfrm>
+            <a:prstGeom prst="rect">
+              <a:avLst/>
+            </a:prstGeom>
+          </p:spPr>
+          <p:style>
+            <a:lnRef idx="2">
+              <a:schemeClr val="dk1"/>
+            </a:lnRef>
+            <a:fillRef idx="1">
+              <a:schemeClr val="lt1"/>
+            </a:fillRef>
+            <a:effectRef idx="0">
+              <a:schemeClr val="dk1"/>
+            </a:effectRef>
+            <a:fontRef idx="minor">
+              <a:schemeClr val="dk1"/>
+            </a:fontRef>
+          </p:style>
+          <p:txBody>
+            <a:bodyPr rtlCol="0" anchor="ctr"/>
+            <a:lstStyle/>
+            <a:p>
+              <a:pPr algn="ctr"/>
+              <a:endParaRPr lang="de-DE"/>
+            </a:p>
+          </p:txBody>
+        </p:sp>
+        <p:sp>
+          <p:nvSpPr>
+            <p:cNvPr id="40" name="Rechteck 39"/>
+            <p:cNvSpPr/>
+            <p:nvPr/>
+          </p:nvSpPr>
+          <p:spPr>
+            <a:xfrm>
+              <a:off x="11015928" y="4389047"/>
+              <a:ext cx="345059" cy="176164"/>
+            </a:xfrm>
+            <a:prstGeom prst="rect">
+              <a:avLst/>
+            </a:prstGeom>
+            <a:solidFill>
+              <a:schemeClr val="bg2">
+                <a:lumMod val="75000"/>
+              </a:schemeClr>
+            </a:solidFill>
+          </p:spPr>
+          <p:style>
+            <a:lnRef idx="2">
+              <a:schemeClr val="dk1"/>
+            </a:lnRef>
+            <a:fillRef idx="1">
+              <a:schemeClr val="lt1"/>
+            </a:fillRef>
+            <a:effectRef idx="0">
+              <a:schemeClr val="dk1"/>
+            </a:effectRef>
+            <a:fontRef idx="minor">
+              <a:schemeClr val="dk1"/>
+            </a:fontRef>
+          </p:style>
+          <p:txBody>
+            <a:bodyPr rtlCol="0" anchor="ctr"/>
+            <a:lstStyle/>
+            <a:p>
+              <a:pPr algn="ctr"/>
+              <a:endParaRPr lang="de-DE"/>
+            </a:p>
+          </p:txBody>
+        </p:sp>
+        <p:sp>
+          <p:nvSpPr>
+            <p:cNvPr id="41" name="Gleichschenkliges Dreieck 40"/>
+            <p:cNvSpPr/>
+            <p:nvPr/>
+          </p:nvSpPr>
+          <p:spPr>
+            <a:xfrm>
+              <a:off x="11055183" y="3925193"/>
+              <a:ext cx="242725" cy="129396"/>
+            </a:xfrm>
+            <a:prstGeom prst="triangle">
+              <a:avLst/>
+            </a:prstGeom>
+          </p:spPr>
+          <p:style>
+            <a:lnRef idx="2">
+              <a:schemeClr val="dk1">
+                <a:shade val="50000"/>
+              </a:schemeClr>
+            </a:lnRef>
+            <a:fillRef idx="1">
+              <a:schemeClr val="dk1"/>
+            </a:fillRef>
+            <a:effectRef idx="0">
+              <a:schemeClr val="dk1"/>
+            </a:effectRef>
+            <a:fontRef idx="minor">
+              <a:schemeClr val="lt1"/>
+            </a:fontRef>
+          </p:style>
+          <p:txBody>
+            <a:bodyPr rtlCol="0" anchor="ctr"/>
+            <a:lstStyle/>
+            <a:p>
+              <a:pPr algn="ctr"/>
+              <a:endParaRPr lang="de-DE"/>
+            </a:p>
+          </p:txBody>
+        </p:sp>
+        <p:sp>
+          <p:nvSpPr>
+            <p:cNvPr id="42" name="Gleichschenkliges Dreieck 41"/>
+            <p:cNvSpPr/>
+            <p:nvPr/>
+          </p:nvSpPr>
+          <p:spPr>
+            <a:xfrm rot="10800000">
+              <a:off x="11063808" y="4746248"/>
+              <a:ext cx="242725" cy="129396"/>
+            </a:xfrm>
+            <a:prstGeom prst="triangle">
+              <a:avLst/>
+            </a:prstGeom>
+          </p:spPr>
+          <p:style>
+            <a:lnRef idx="2">
+              <a:schemeClr val="dk1">
+                <a:shade val="50000"/>
+              </a:schemeClr>
+            </a:lnRef>
+            <a:fillRef idx="1">
+              <a:schemeClr val="dk1"/>
+            </a:fillRef>
+            <a:effectRef idx="0">
+              <a:schemeClr val="dk1"/>
+            </a:effectRef>
+            <a:fontRef idx="minor">
+              <a:schemeClr val="lt1"/>
+            </a:fontRef>
+          </p:style>
+          <p:txBody>
+            <a:bodyPr rtlCol="0" anchor="ctr"/>
+            <a:lstStyle/>
+            <a:p>
+              <a:pPr algn="ctr"/>
+              <a:endParaRPr lang="de-DE"/>
+            </a:p>
+          </p:txBody>
+        </p:sp>
+      </p:grpSp>
     </p:spTree>
     <p:extLst>
       <p:ext uri="{BB962C8B-B14F-4D97-AF65-F5344CB8AC3E}">
@@ -7537,552 +8419,16 @@
           <a:chExt cx="0" cy="0"/>
         </a:xfrm>
       </p:grpSpPr>
-      <p:sp>
-        <p:nvSpPr>
-          <p:cNvPr id="5" name="Textfeld 4"/>
-          <p:cNvSpPr txBox="1"/>
-          <p:nvPr/>
-        </p:nvSpPr>
-        <p:spPr>
-          <a:xfrm>
-            <a:off x="203199" y="1360559"/>
-            <a:ext cx="2999539" cy="523220"/>
-          </a:xfrm>
-          <a:prstGeom prst="rect">
-            <a:avLst/>
-          </a:prstGeom>
-          <a:noFill/>
-        </p:spPr>
-        <p:txBody>
-          <a:bodyPr wrap="none" rtlCol="0">
-            <a:spAutoFit/>
-          </a:bodyPr>
-          <a:lstStyle/>
-          <a:p>
-            <a:r>
-              <a:rPr lang="de-DE" sz="2800" dirty="0" smtClean="0"/>
-              <a:t>Haushaltsjahr 2016</a:t>
-            </a:r>
-            <a:endParaRPr lang="de-DE" sz="2800" dirty="0"/>
-          </a:p>
-        </p:txBody>
-      </p:sp>
-      <p:sp>
-        <p:nvSpPr>
-          <p:cNvPr id="7" name="Abgerundetes Rechteck 6">
-            <a:hlinkClick r:id="rId2" action="ppaction://hlinksldjump"/>
-          </p:cNvPr>
-          <p:cNvSpPr/>
-          <p:nvPr/>
-        </p:nvSpPr>
-        <p:spPr>
-          <a:xfrm>
-            <a:off x="4232158" y="1036539"/>
-            <a:ext cx="1206741" cy="320634"/>
-          </a:xfrm>
-          <a:prstGeom prst="roundRect">
-            <a:avLst/>
-          </a:prstGeom>
-          <a:ln w="12700"/>
-        </p:spPr>
-        <p:style>
-          <a:lnRef idx="1">
-            <a:schemeClr val="accent3"/>
-          </a:lnRef>
-          <a:fillRef idx="2">
-            <a:schemeClr val="accent3"/>
-          </a:fillRef>
-          <a:effectRef idx="1">
-            <a:schemeClr val="accent3"/>
-          </a:effectRef>
-          <a:fontRef idx="minor">
-            <a:schemeClr val="dk1"/>
-          </a:fontRef>
-        </p:style>
-        <p:txBody>
-          <a:bodyPr rtlCol="0" anchor="ctr"/>
-          <a:lstStyle/>
-          <a:p>
-            <a:pPr algn="ctr"/>
-            <a:r>
-              <a:rPr lang="de-DE" dirty="0" err="1" smtClean="0"/>
-              <a:t>Logout</a:t>
-            </a:r>
-            <a:endParaRPr lang="de-DE" dirty="0"/>
-          </a:p>
-        </p:txBody>
-      </p:sp>
-      <p:sp>
-        <p:nvSpPr>
-          <p:cNvPr id="8" name="Abgerundetes Rechteck 7">
-            <a:hlinkClick r:id="rId3" action="ppaction://hlinksldjump"/>
-          </p:cNvPr>
-          <p:cNvSpPr/>
-          <p:nvPr/>
-        </p:nvSpPr>
-        <p:spPr>
-          <a:xfrm>
-            <a:off x="1785968" y="6385819"/>
-            <a:ext cx="2833539" cy="320634"/>
-          </a:xfrm>
-          <a:prstGeom prst="roundRect">
-            <a:avLst/>
-          </a:prstGeom>
-          <a:ln w="12700"/>
-        </p:spPr>
-        <p:style>
-          <a:lnRef idx="1">
-            <a:schemeClr val="accent3"/>
-          </a:lnRef>
-          <a:fillRef idx="2">
-            <a:schemeClr val="accent3"/>
-          </a:fillRef>
-          <a:effectRef idx="1">
-            <a:schemeClr val="accent3"/>
-          </a:effectRef>
-          <a:fontRef idx="minor">
-            <a:schemeClr val="dk1"/>
-          </a:fontRef>
-        </p:style>
-        <p:txBody>
-          <a:bodyPr rtlCol="0" anchor="ctr"/>
-          <a:lstStyle/>
-          <a:p>
-            <a:pPr algn="ctr"/>
-            <a:r>
-              <a:rPr lang="de-DE" dirty="0" smtClean="0"/>
-              <a:t>Zurück zum Hauptmenü</a:t>
-            </a:r>
-            <a:endParaRPr lang="de-DE" dirty="0"/>
-          </a:p>
-        </p:txBody>
-      </p:sp>
-      <p:sp>
-        <p:nvSpPr>
-          <p:cNvPr id="9" name="Rechteck 8"/>
-          <p:cNvSpPr/>
-          <p:nvPr/>
-        </p:nvSpPr>
-        <p:spPr>
-          <a:xfrm>
-            <a:off x="1455387" y="3830333"/>
-            <a:ext cx="3776354" cy="570015"/>
-          </a:xfrm>
-          <a:prstGeom prst="rect">
-            <a:avLst/>
-          </a:prstGeom>
-        </p:spPr>
-        <p:style>
-          <a:lnRef idx="2">
-            <a:schemeClr val="dk1"/>
-          </a:lnRef>
-          <a:fillRef idx="1">
-            <a:schemeClr val="lt1"/>
-          </a:fillRef>
-          <a:effectRef idx="0">
-            <a:schemeClr val="dk1"/>
-          </a:effectRef>
-          <a:fontRef idx="minor">
-            <a:schemeClr val="dk1"/>
-          </a:fontRef>
-        </p:style>
-        <p:txBody>
-          <a:bodyPr rtlCol="0" anchor="ctr"/>
-          <a:lstStyle/>
-          <a:p>
-            <a:pPr algn="ctr"/>
-            <a:endParaRPr lang="de-DE"/>
-          </a:p>
-        </p:txBody>
-      </p:sp>
-      <p:sp>
-        <p:nvSpPr>
-          <p:cNvPr id="10" name="Rechteck 9"/>
-          <p:cNvSpPr/>
-          <p:nvPr/>
-        </p:nvSpPr>
-        <p:spPr>
-          <a:xfrm>
-            <a:off x="1455387" y="2609446"/>
-            <a:ext cx="3776354" cy="570015"/>
-          </a:xfrm>
-          <a:prstGeom prst="rect">
-            <a:avLst/>
-          </a:prstGeom>
-        </p:spPr>
-        <p:style>
-          <a:lnRef idx="2">
-            <a:schemeClr val="dk1"/>
-          </a:lnRef>
-          <a:fillRef idx="1">
-            <a:schemeClr val="lt1"/>
-          </a:fillRef>
-          <a:effectRef idx="0">
-            <a:schemeClr val="dk1"/>
-          </a:effectRef>
-          <a:fontRef idx="minor">
-            <a:schemeClr val="dk1"/>
-          </a:fontRef>
-        </p:style>
-        <p:txBody>
-          <a:bodyPr rtlCol="0" anchor="ctr"/>
-          <a:lstStyle/>
-          <a:p>
-            <a:pPr algn="ctr"/>
-            <a:endParaRPr lang="de-DE"/>
-          </a:p>
-        </p:txBody>
-      </p:sp>
-      <p:sp>
-        <p:nvSpPr>
-          <p:cNvPr id="12" name="Rechteck 11"/>
-          <p:cNvSpPr/>
-          <p:nvPr/>
-        </p:nvSpPr>
-        <p:spPr>
-          <a:xfrm>
-            <a:off x="6935190" y="2614105"/>
-            <a:ext cx="3776354" cy="570015"/>
-          </a:xfrm>
-          <a:prstGeom prst="rect">
-            <a:avLst/>
-          </a:prstGeom>
-        </p:spPr>
-        <p:style>
-          <a:lnRef idx="2">
-            <a:schemeClr val="dk1"/>
-          </a:lnRef>
-          <a:fillRef idx="1">
-            <a:schemeClr val="lt1"/>
-          </a:fillRef>
-          <a:effectRef idx="0">
-            <a:schemeClr val="dk1"/>
-          </a:effectRef>
-          <a:fontRef idx="minor">
-            <a:schemeClr val="dk1"/>
-          </a:fontRef>
-        </p:style>
-        <p:txBody>
-          <a:bodyPr rtlCol="0" anchor="ctr"/>
-          <a:lstStyle/>
-          <a:p>
-            <a:pPr algn="ctr"/>
-            <a:endParaRPr lang="de-DE"/>
-          </a:p>
-        </p:txBody>
-      </p:sp>
-      <p:sp>
-        <p:nvSpPr>
-          <p:cNvPr id="13" name="Rechteck 12"/>
-          <p:cNvSpPr/>
-          <p:nvPr/>
-        </p:nvSpPr>
-        <p:spPr>
-          <a:xfrm>
-            <a:off x="6935190" y="5046561"/>
-            <a:ext cx="3776354" cy="570015"/>
-          </a:xfrm>
-          <a:prstGeom prst="rect">
-            <a:avLst/>
-          </a:prstGeom>
-        </p:spPr>
-        <p:style>
-          <a:lnRef idx="2">
-            <a:schemeClr val="dk1"/>
-          </a:lnRef>
-          <a:fillRef idx="1">
-            <a:schemeClr val="lt1"/>
-          </a:fillRef>
-          <a:effectRef idx="0">
-            <a:schemeClr val="dk1"/>
-          </a:effectRef>
-          <a:fontRef idx="minor">
-            <a:schemeClr val="dk1"/>
-          </a:fontRef>
-        </p:style>
-        <p:txBody>
-          <a:bodyPr rtlCol="0" anchor="ctr"/>
-          <a:lstStyle/>
-          <a:p>
-            <a:pPr algn="ctr"/>
-            <a:endParaRPr lang="de-DE"/>
-          </a:p>
-        </p:txBody>
-      </p:sp>
-      <p:sp>
-        <p:nvSpPr>
-          <p:cNvPr id="14" name="Rechteck 13"/>
-          <p:cNvSpPr/>
-          <p:nvPr/>
-        </p:nvSpPr>
-        <p:spPr>
-          <a:xfrm>
-            <a:off x="6935190" y="3830333"/>
-            <a:ext cx="3776354" cy="570015"/>
-          </a:xfrm>
-          <a:prstGeom prst="rect">
-            <a:avLst/>
-          </a:prstGeom>
-        </p:spPr>
-        <p:style>
-          <a:lnRef idx="2">
-            <a:schemeClr val="dk1"/>
-          </a:lnRef>
-          <a:fillRef idx="1">
-            <a:schemeClr val="lt1"/>
-          </a:fillRef>
-          <a:effectRef idx="0">
-            <a:schemeClr val="dk1"/>
-          </a:effectRef>
-          <a:fontRef idx="minor">
-            <a:schemeClr val="dk1"/>
-          </a:fontRef>
-        </p:style>
-        <p:txBody>
-          <a:bodyPr rtlCol="0" anchor="ctr"/>
-          <a:lstStyle/>
-          <a:p>
-            <a:pPr algn="ctr"/>
-            <a:endParaRPr lang="de-DE"/>
-          </a:p>
-        </p:txBody>
-      </p:sp>
-      <p:sp>
-        <p:nvSpPr>
-          <p:cNvPr id="15" name="Textfeld 14"/>
-          <p:cNvSpPr txBox="1"/>
-          <p:nvPr/>
-        </p:nvSpPr>
-        <p:spPr>
-          <a:xfrm>
-            <a:off x="4232158" y="1755013"/>
-            <a:ext cx="3930820" cy="461665"/>
-          </a:xfrm>
-          <a:prstGeom prst="rect">
-            <a:avLst/>
-          </a:prstGeom>
-          <a:noFill/>
-        </p:spPr>
-        <p:txBody>
-          <a:bodyPr wrap="none" rtlCol="0">
-            <a:spAutoFit/>
-          </a:bodyPr>
-          <a:lstStyle/>
-          <a:p>
-            <a:r>
-              <a:rPr lang="de-DE" sz="2400" dirty="0" smtClean="0"/>
-              <a:t>Neue Bestellung </a:t>
-            </a:r>
-            <a:r>
-              <a:rPr lang="de-DE" sz="2400" dirty="0" smtClean="0"/>
-              <a:t>Abonnement</a:t>
-            </a:r>
-            <a:endParaRPr lang="de-DE" sz="2400" dirty="0"/>
-          </a:p>
-        </p:txBody>
-      </p:sp>
-      <p:sp>
-        <p:nvSpPr>
-          <p:cNvPr id="16" name="Textfeld 15"/>
-          <p:cNvSpPr txBox="1"/>
-          <p:nvPr/>
-        </p:nvSpPr>
-        <p:spPr>
-          <a:xfrm>
-            <a:off x="2568733" y="2204368"/>
-            <a:ext cx="1763303" cy="461665"/>
-          </a:xfrm>
-          <a:prstGeom prst="rect">
-            <a:avLst/>
-          </a:prstGeom>
-          <a:noFill/>
-        </p:spPr>
-        <p:txBody>
-          <a:bodyPr wrap="none" rtlCol="0">
-            <a:spAutoFit/>
-          </a:bodyPr>
-          <a:lstStyle/>
-          <a:p>
-            <a:r>
-              <a:rPr lang="de-DE" sz="2400" dirty="0" smtClean="0"/>
-              <a:t>Bezeichnung</a:t>
-            </a:r>
-            <a:endParaRPr lang="de-DE" sz="2400" dirty="0"/>
-          </a:p>
-        </p:txBody>
-      </p:sp>
-      <p:sp>
-        <p:nvSpPr>
-          <p:cNvPr id="17" name="Rechteck 16"/>
-          <p:cNvSpPr/>
-          <p:nvPr/>
-        </p:nvSpPr>
-        <p:spPr>
-          <a:xfrm>
-            <a:off x="2219824" y="3427549"/>
-            <a:ext cx="2461123" cy="461665"/>
-          </a:xfrm>
-          <a:prstGeom prst="rect">
-            <a:avLst/>
-          </a:prstGeom>
-        </p:spPr>
-        <p:txBody>
-          <a:bodyPr wrap="none">
-            <a:spAutoFit/>
-          </a:bodyPr>
-          <a:lstStyle/>
-          <a:p>
-            <a:r>
-              <a:rPr lang="de-DE" sz="2400" dirty="0" smtClean="0"/>
-              <a:t>Dauer in Monaten</a:t>
-            </a:r>
-            <a:endParaRPr lang="de-DE" sz="2400" dirty="0"/>
-          </a:p>
-        </p:txBody>
-      </p:sp>
-      <p:sp>
-        <p:nvSpPr>
-          <p:cNvPr id="19" name="Rechteck 18"/>
-          <p:cNvSpPr/>
-          <p:nvPr/>
-        </p:nvSpPr>
-        <p:spPr>
-          <a:xfrm>
-            <a:off x="7597194" y="2204368"/>
-            <a:ext cx="2522614" cy="461665"/>
-          </a:xfrm>
-          <a:prstGeom prst="rect">
-            <a:avLst/>
-          </a:prstGeom>
-        </p:spPr>
-        <p:txBody>
-          <a:bodyPr wrap="none">
-            <a:spAutoFit/>
-          </a:bodyPr>
-          <a:lstStyle/>
-          <a:p>
-            <a:r>
-              <a:rPr lang="de-DE" sz="2400" dirty="0" smtClean="0"/>
-              <a:t>Monatliche Kosten</a:t>
-            </a:r>
-            <a:endParaRPr lang="de-DE" sz="2400" dirty="0"/>
-          </a:p>
-        </p:txBody>
-      </p:sp>
-      <p:sp>
-        <p:nvSpPr>
-          <p:cNvPr id="20" name="Rechteck 19"/>
-          <p:cNvSpPr/>
-          <p:nvPr/>
-        </p:nvSpPr>
-        <p:spPr>
-          <a:xfrm>
-            <a:off x="8050781" y="3429759"/>
-            <a:ext cx="1615442" cy="461665"/>
-          </a:xfrm>
-          <a:prstGeom prst="rect">
-            <a:avLst/>
-          </a:prstGeom>
-        </p:spPr>
-        <p:txBody>
-          <a:bodyPr wrap="none">
-            <a:spAutoFit/>
-          </a:bodyPr>
-          <a:lstStyle/>
-          <a:p>
-            <a:r>
-              <a:rPr lang="de-DE" sz="2400" dirty="0" smtClean="0"/>
-              <a:t>Bemerkung</a:t>
-            </a:r>
-            <a:endParaRPr lang="de-DE" sz="2400" dirty="0"/>
-          </a:p>
-        </p:txBody>
-      </p:sp>
-      <p:sp>
-        <p:nvSpPr>
-          <p:cNvPr id="21" name="Rechteck 20"/>
-          <p:cNvSpPr/>
-          <p:nvPr/>
-        </p:nvSpPr>
-        <p:spPr>
-          <a:xfrm>
-            <a:off x="6808549" y="4618870"/>
-            <a:ext cx="4099905" cy="461665"/>
-          </a:xfrm>
-          <a:prstGeom prst="rect">
-            <a:avLst/>
-          </a:prstGeom>
-        </p:spPr>
-        <p:txBody>
-          <a:bodyPr wrap="none">
-            <a:spAutoFit/>
-          </a:bodyPr>
-          <a:lstStyle/>
-          <a:p>
-            <a:r>
-              <a:rPr lang="de-DE" sz="2400" dirty="0" smtClean="0"/>
-              <a:t>Vorbestellung / Nachbestellung</a:t>
-            </a:r>
-            <a:endParaRPr lang="de-DE" sz="2400" dirty="0"/>
-          </a:p>
-        </p:txBody>
-      </p:sp>
-      <p:sp>
-        <p:nvSpPr>
-          <p:cNvPr id="22" name="Abgerundetes Rechteck 21">
-            <a:hlinkClick r:id="rId4" action="ppaction://hlinksldjump"/>
-          </p:cNvPr>
-          <p:cNvSpPr/>
-          <p:nvPr/>
-        </p:nvSpPr>
-        <p:spPr>
-          <a:xfrm>
-            <a:off x="7873341" y="5949538"/>
-            <a:ext cx="3776354" cy="748620"/>
-          </a:xfrm>
-          <a:prstGeom prst="roundRect">
-            <a:avLst/>
-          </a:prstGeom>
-        </p:spPr>
-        <p:style>
-          <a:lnRef idx="2">
-            <a:schemeClr val="accent1">
-              <a:shade val="50000"/>
-            </a:schemeClr>
-          </a:lnRef>
-          <a:fillRef idx="1">
-            <a:schemeClr val="accent1"/>
-          </a:fillRef>
-          <a:effectRef idx="0">
-            <a:schemeClr val="accent1"/>
-          </a:effectRef>
-          <a:fontRef idx="minor">
-            <a:schemeClr val="lt1"/>
-          </a:fontRef>
-        </p:style>
-        <p:txBody>
-          <a:bodyPr rtlCol="0" anchor="ctr"/>
-          <a:lstStyle/>
-          <a:p>
-            <a:pPr algn="ctr"/>
-            <a:r>
-              <a:rPr lang="de-DE" sz="2800" dirty="0" smtClean="0"/>
-              <a:t>Bestellung weiterleiten</a:t>
-            </a:r>
-            <a:endParaRPr lang="de-DE" sz="2800" dirty="0"/>
-          </a:p>
-        </p:txBody>
-      </p:sp>
       <p:graphicFrame>
         <p:nvGraphicFramePr>
-          <p:cNvPr id="18" name="Tabelle 17"/>
+          <p:cNvPr id="4" name="Tabelle 3"/>
           <p:cNvGraphicFramePr>
             <a:graphicFrameLocks noGrp="1"/>
           </p:cNvGraphicFramePr>
           <p:nvPr>
             <p:extLst>
               <p:ext uri="{D42A27DB-BD31-4B8C-83A1-F6EECF244321}">
-                <p14:modId xmlns:p14="http://schemas.microsoft.com/office/powerpoint/2010/main" val="2567544615"/>
+                <p14:modId xmlns:p14="http://schemas.microsoft.com/office/powerpoint/2010/main" val="1101122687"/>
               </p:ext>
             </p:extLst>
           </p:nvPr>
@@ -8122,12 +8468,42 @@
                     <a:lstStyle/>
                     <a:p>
                       <a:r>
+                        <a:rPr lang="de-DE" dirty="0" smtClean="0"/>
+                        <a:t>Max Musterlehrer (MM)</a:t>
+                      </a:r>
+                      <a:endParaRPr lang="de-DE" dirty="0"/>
+                    </a:p>
+                  </a:txBody>
+                  <a:tcPr/>
+                </a:tc>
+              </a:tr>
+              <a:tr h="370840">
+                <a:tc>
+                  <a:txBody>
+                    <a:bodyPr/>
+                    <a:lstStyle/>
+                    <a:p>
+                      <a:r>
+                        <a:rPr lang="de-DE" dirty="0" smtClean="0"/>
+                        <a:t>Abteilung:</a:t>
+                      </a:r>
+                      <a:endParaRPr lang="de-DE" dirty="0"/>
+                    </a:p>
+                  </a:txBody>
+                  <a:tcPr/>
+                </a:tc>
+                <a:tc>
+                  <a:txBody>
+                    <a:bodyPr/>
+                    <a:lstStyle/>
+                    <a:p>
+                      <a:r>
                         <a:rPr lang="de-DE" dirty="0" err="1" smtClean="0"/>
                         <a:t>Gregorian</a:t>
                       </a:r>
                       <a:r>
                         <a:rPr lang="de-DE" dirty="0" smtClean="0"/>
-                        <a:t> Abteilungsleiter (FA)</a:t>
+                        <a:t>, Schmitt-Schwickert</a:t>
                       </a:r>
                       <a:endParaRPr lang="de-DE" dirty="0"/>
                     </a:p>
@@ -8143,7 +8519,7 @@
                     <a:p>
                       <a:r>
                         <a:rPr lang="de-DE" dirty="0" smtClean="0"/>
-                        <a:t>Abteilung:</a:t>
+                        <a:t>Fachschaft:</a:t>
                       </a:r>
                       <a:endParaRPr lang="de-DE" dirty="0"/>
                     </a:p>
@@ -8156,31 +8532,9 @@
                     <a:lstStyle/>
                     <a:p>
                       <a:r>
-                        <a:rPr lang="de-DE" dirty="0" err="1" smtClean="0"/>
-                        <a:t>Gregorian</a:t>
-                      </a:r>
-                      <a:endParaRPr lang="de-DE" dirty="0"/>
-                    </a:p>
-                  </a:txBody>
-                  <a:tcPr/>
-                </a:tc>
-              </a:tr>
-              <a:tr h="370840">
-                <a:tc>
-                  <a:txBody>
-                    <a:bodyPr/>
-                    <a:lstStyle/>
-                    <a:p>
-                      <a:endParaRPr lang="de-DE" dirty="0"/>
-                    </a:p>
-                  </a:txBody>
-                  <a:tcPr/>
-                </a:tc>
-                <a:tc>
-                  <a:txBody>
-                    <a:bodyPr/>
-                    <a:lstStyle/>
-                    <a:p>
+                        <a:rPr lang="de-DE" dirty="0" smtClean="0"/>
+                        <a:t>Elektrotechnik</a:t>
+                      </a:r>
                       <a:endParaRPr lang="de-DE" dirty="0"/>
                     </a:p>
                   </a:txBody>
@@ -8191,6 +8545,538 @@
           </a:graphicData>
         </a:graphic>
       </p:graphicFrame>
+      <p:sp>
+        <p:nvSpPr>
+          <p:cNvPr id="5" name="Textfeld 4"/>
+          <p:cNvSpPr txBox="1"/>
+          <p:nvPr/>
+        </p:nvSpPr>
+        <p:spPr>
+          <a:xfrm>
+            <a:off x="203199" y="1360559"/>
+            <a:ext cx="2999539" cy="523220"/>
+          </a:xfrm>
+          <a:prstGeom prst="rect">
+            <a:avLst/>
+          </a:prstGeom>
+          <a:noFill/>
+        </p:spPr>
+        <p:txBody>
+          <a:bodyPr wrap="none" rtlCol="0">
+            <a:spAutoFit/>
+          </a:bodyPr>
+          <a:lstStyle/>
+          <a:p>
+            <a:r>
+              <a:rPr lang="de-DE" sz="2800" dirty="0" smtClean="0"/>
+              <a:t>Haushaltsjahr 2016</a:t>
+            </a:r>
+            <a:endParaRPr lang="de-DE" sz="2800" dirty="0"/>
+          </a:p>
+        </p:txBody>
+      </p:sp>
+      <p:sp>
+        <p:nvSpPr>
+          <p:cNvPr id="7" name="Abgerundetes Rechteck 6">
+            <a:hlinkClick r:id="rId2" action="ppaction://hlinksldjump"/>
+          </p:cNvPr>
+          <p:cNvSpPr/>
+          <p:nvPr/>
+        </p:nvSpPr>
+        <p:spPr>
+          <a:xfrm>
+            <a:off x="4232158" y="1036539"/>
+            <a:ext cx="1206741" cy="320634"/>
+          </a:xfrm>
+          <a:prstGeom prst="roundRect">
+            <a:avLst/>
+          </a:prstGeom>
+          <a:ln w="12700"/>
+        </p:spPr>
+        <p:style>
+          <a:lnRef idx="1">
+            <a:schemeClr val="accent3"/>
+          </a:lnRef>
+          <a:fillRef idx="2">
+            <a:schemeClr val="accent3"/>
+          </a:fillRef>
+          <a:effectRef idx="1">
+            <a:schemeClr val="accent3"/>
+          </a:effectRef>
+          <a:fontRef idx="minor">
+            <a:schemeClr val="dk1"/>
+          </a:fontRef>
+        </p:style>
+        <p:txBody>
+          <a:bodyPr rtlCol="0" anchor="ctr"/>
+          <a:lstStyle/>
+          <a:p>
+            <a:pPr algn="ctr"/>
+            <a:r>
+              <a:rPr lang="de-DE" dirty="0" err="1" smtClean="0"/>
+              <a:t>Logout</a:t>
+            </a:r>
+            <a:endParaRPr lang="de-DE" dirty="0"/>
+          </a:p>
+        </p:txBody>
+      </p:sp>
+      <p:sp>
+        <p:nvSpPr>
+          <p:cNvPr id="8" name="Abgerundetes Rechteck 7">
+            <a:hlinkClick r:id="rId3" action="ppaction://hlinksldjump"/>
+          </p:cNvPr>
+          <p:cNvSpPr/>
+          <p:nvPr/>
+        </p:nvSpPr>
+        <p:spPr>
+          <a:xfrm>
+            <a:off x="1785968" y="6385819"/>
+            <a:ext cx="2833539" cy="320634"/>
+          </a:xfrm>
+          <a:prstGeom prst="roundRect">
+            <a:avLst/>
+          </a:prstGeom>
+          <a:ln w="12700"/>
+        </p:spPr>
+        <p:style>
+          <a:lnRef idx="1">
+            <a:schemeClr val="accent3"/>
+          </a:lnRef>
+          <a:fillRef idx="2">
+            <a:schemeClr val="accent3"/>
+          </a:fillRef>
+          <a:effectRef idx="1">
+            <a:schemeClr val="accent3"/>
+          </a:effectRef>
+          <a:fontRef idx="minor">
+            <a:schemeClr val="dk1"/>
+          </a:fontRef>
+        </p:style>
+        <p:txBody>
+          <a:bodyPr rtlCol="0" anchor="ctr"/>
+          <a:lstStyle/>
+          <a:p>
+            <a:pPr algn="ctr"/>
+            <a:r>
+              <a:rPr lang="de-DE" dirty="0" smtClean="0"/>
+              <a:t>Zurück zum Hauptmenü</a:t>
+            </a:r>
+            <a:endParaRPr lang="de-DE" dirty="0"/>
+          </a:p>
+        </p:txBody>
+      </p:sp>
+      <p:sp>
+        <p:nvSpPr>
+          <p:cNvPr id="9" name="Rechteck 8"/>
+          <p:cNvSpPr/>
+          <p:nvPr/>
+        </p:nvSpPr>
+        <p:spPr>
+          <a:xfrm>
+            <a:off x="1455387" y="3830333"/>
+            <a:ext cx="3776354" cy="570015"/>
+          </a:xfrm>
+          <a:prstGeom prst="rect">
+            <a:avLst/>
+          </a:prstGeom>
+        </p:spPr>
+        <p:style>
+          <a:lnRef idx="2">
+            <a:schemeClr val="dk1"/>
+          </a:lnRef>
+          <a:fillRef idx="1">
+            <a:schemeClr val="lt1"/>
+          </a:fillRef>
+          <a:effectRef idx="0">
+            <a:schemeClr val="dk1"/>
+          </a:effectRef>
+          <a:fontRef idx="minor">
+            <a:schemeClr val="dk1"/>
+          </a:fontRef>
+        </p:style>
+        <p:txBody>
+          <a:bodyPr rtlCol="0" anchor="ctr"/>
+          <a:lstStyle/>
+          <a:p>
+            <a:pPr algn="ctr"/>
+            <a:endParaRPr lang="de-DE"/>
+          </a:p>
+        </p:txBody>
+      </p:sp>
+      <p:sp>
+        <p:nvSpPr>
+          <p:cNvPr id="10" name="Rechteck 9"/>
+          <p:cNvSpPr/>
+          <p:nvPr/>
+        </p:nvSpPr>
+        <p:spPr>
+          <a:xfrm>
+            <a:off x="1455387" y="2609446"/>
+            <a:ext cx="3776354" cy="570015"/>
+          </a:xfrm>
+          <a:prstGeom prst="rect">
+            <a:avLst/>
+          </a:prstGeom>
+        </p:spPr>
+        <p:style>
+          <a:lnRef idx="2">
+            <a:schemeClr val="dk1"/>
+          </a:lnRef>
+          <a:fillRef idx="1">
+            <a:schemeClr val="lt1"/>
+          </a:fillRef>
+          <a:effectRef idx="0">
+            <a:schemeClr val="dk1"/>
+          </a:effectRef>
+          <a:fontRef idx="minor">
+            <a:schemeClr val="dk1"/>
+          </a:fontRef>
+        </p:style>
+        <p:txBody>
+          <a:bodyPr rtlCol="0" anchor="ctr"/>
+          <a:lstStyle/>
+          <a:p>
+            <a:pPr algn="ctr"/>
+            <a:endParaRPr lang="de-DE"/>
+          </a:p>
+        </p:txBody>
+      </p:sp>
+      <p:sp>
+        <p:nvSpPr>
+          <p:cNvPr id="12" name="Rechteck 11"/>
+          <p:cNvSpPr/>
+          <p:nvPr/>
+        </p:nvSpPr>
+        <p:spPr>
+          <a:xfrm>
+            <a:off x="6935190" y="2614105"/>
+            <a:ext cx="3776354" cy="570015"/>
+          </a:xfrm>
+          <a:prstGeom prst="rect">
+            <a:avLst/>
+          </a:prstGeom>
+        </p:spPr>
+        <p:style>
+          <a:lnRef idx="2">
+            <a:schemeClr val="dk1"/>
+          </a:lnRef>
+          <a:fillRef idx="1">
+            <a:schemeClr val="lt1"/>
+          </a:fillRef>
+          <a:effectRef idx="0">
+            <a:schemeClr val="dk1"/>
+          </a:effectRef>
+          <a:fontRef idx="minor">
+            <a:schemeClr val="dk1"/>
+          </a:fontRef>
+        </p:style>
+        <p:txBody>
+          <a:bodyPr rtlCol="0" anchor="ctr"/>
+          <a:lstStyle/>
+          <a:p>
+            <a:pPr algn="ctr"/>
+            <a:endParaRPr lang="de-DE"/>
+          </a:p>
+        </p:txBody>
+      </p:sp>
+      <p:sp>
+        <p:nvSpPr>
+          <p:cNvPr id="13" name="Rechteck 12"/>
+          <p:cNvSpPr/>
+          <p:nvPr/>
+        </p:nvSpPr>
+        <p:spPr>
+          <a:xfrm>
+            <a:off x="6935190" y="5046561"/>
+            <a:ext cx="3776354" cy="570015"/>
+          </a:xfrm>
+          <a:prstGeom prst="rect">
+            <a:avLst/>
+          </a:prstGeom>
+        </p:spPr>
+        <p:style>
+          <a:lnRef idx="2">
+            <a:schemeClr val="dk1"/>
+          </a:lnRef>
+          <a:fillRef idx="1">
+            <a:schemeClr val="lt1"/>
+          </a:fillRef>
+          <a:effectRef idx="0">
+            <a:schemeClr val="dk1"/>
+          </a:effectRef>
+          <a:fontRef idx="minor">
+            <a:schemeClr val="dk1"/>
+          </a:fontRef>
+        </p:style>
+        <p:txBody>
+          <a:bodyPr rtlCol="0" anchor="ctr"/>
+          <a:lstStyle/>
+          <a:p>
+            <a:pPr algn="ctr"/>
+            <a:endParaRPr lang="de-DE"/>
+          </a:p>
+        </p:txBody>
+      </p:sp>
+      <p:sp>
+        <p:nvSpPr>
+          <p:cNvPr id="14" name="Rechteck 13"/>
+          <p:cNvSpPr/>
+          <p:nvPr/>
+        </p:nvSpPr>
+        <p:spPr>
+          <a:xfrm>
+            <a:off x="6935190" y="3830333"/>
+            <a:ext cx="3776354" cy="570015"/>
+          </a:xfrm>
+          <a:prstGeom prst="rect">
+            <a:avLst/>
+          </a:prstGeom>
+        </p:spPr>
+        <p:style>
+          <a:lnRef idx="2">
+            <a:schemeClr val="dk1"/>
+          </a:lnRef>
+          <a:fillRef idx="1">
+            <a:schemeClr val="lt1"/>
+          </a:fillRef>
+          <a:effectRef idx="0">
+            <a:schemeClr val="dk1"/>
+          </a:effectRef>
+          <a:fontRef idx="minor">
+            <a:schemeClr val="dk1"/>
+          </a:fontRef>
+        </p:style>
+        <p:txBody>
+          <a:bodyPr rtlCol="0" anchor="ctr"/>
+          <a:lstStyle/>
+          <a:p>
+            <a:pPr algn="ctr"/>
+            <a:endParaRPr lang="de-DE"/>
+          </a:p>
+        </p:txBody>
+      </p:sp>
+      <p:sp>
+        <p:nvSpPr>
+          <p:cNvPr id="15" name="Textfeld 14"/>
+          <p:cNvSpPr txBox="1"/>
+          <p:nvPr/>
+        </p:nvSpPr>
+        <p:spPr>
+          <a:xfrm>
+            <a:off x="4514894" y="1772552"/>
+            <a:ext cx="2682466" cy="461665"/>
+          </a:xfrm>
+          <a:prstGeom prst="rect">
+            <a:avLst/>
+          </a:prstGeom>
+          <a:noFill/>
+        </p:spPr>
+        <p:txBody>
+          <a:bodyPr wrap="none" rtlCol="0">
+            <a:spAutoFit/>
+          </a:bodyPr>
+          <a:lstStyle/>
+          <a:p>
+            <a:r>
+              <a:rPr lang="de-DE" sz="2400" dirty="0" smtClean="0"/>
+              <a:t>Neues Abonnement</a:t>
+            </a:r>
+            <a:endParaRPr lang="de-DE" sz="2400" dirty="0"/>
+          </a:p>
+        </p:txBody>
+      </p:sp>
+      <p:sp>
+        <p:nvSpPr>
+          <p:cNvPr id="16" name="Textfeld 15"/>
+          <p:cNvSpPr txBox="1"/>
+          <p:nvPr/>
+        </p:nvSpPr>
+        <p:spPr>
+          <a:xfrm>
+            <a:off x="2568733" y="2204368"/>
+            <a:ext cx="1763303" cy="461665"/>
+          </a:xfrm>
+          <a:prstGeom prst="rect">
+            <a:avLst/>
+          </a:prstGeom>
+          <a:noFill/>
+        </p:spPr>
+        <p:txBody>
+          <a:bodyPr wrap="none" rtlCol="0">
+            <a:spAutoFit/>
+          </a:bodyPr>
+          <a:lstStyle/>
+          <a:p>
+            <a:r>
+              <a:rPr lang="de-DE" sz="2400" dirty="0" smtClean="0"/>
+              <a:t>Bezeichnung</a:t>
+            </a:r>
+            <a:endParaRPr lang="de-DE" sz="2400" dirty="0"/>
+          </a:p>
+        </p:txBody>
+      </p:sp>
+      <p:sp>
+        <p:nvSpPr>
+          <p:cNvPr id="17" name="Rechteck 16"/>
+          <p:cNvSpPr/>
+          <p:nvPr/>
+        </p:nvSpPr>
+        <p:spPr>
+          <a:xfrm>
+            <a:off x="2219824" y="3427549"/>
+            <a:ext cx="2461123" cy="461665"/>
+          </a:xfrm>
+          <a:prstGeom prst="rect">
+            <a:avLst/>
+          </a:prstGeom>
+        </p:spPr>
+        <p:txBody>
+          <a:bodyPr wrap="none">
+            <a:spAutoFit/>
+          </a:bodyPr>
+          <a:lstStyle/>
+          <a:p>
+            <a:r>
+              <a:rPr lang="de-DE" sz="2400" dirty="0" smtClean="0"/>
+              <a:t>Dauer in Monaten</a:t>
+            </a:r>
+            <a:endParaRPr lang="de-DE" sz="2400" dirty="0"/>
+          </a:p>
+        </p:txBody>
+      </p:sp>
+      <p:sp>
+        <p:nvSpPr>
+          <p:cNvPr id="19" name="Rechteck 18"/>
+          <p:cNvSpPr/>
+          <p:nvPr/>
+        </p:nvSpPr>
+        <p:spPr>
+          <a:xfrm>
+            <a:off x="7597194" y="2204368"/>
+            <a:ext cx="2522614" cy="461665"/>
+          </a:xfrm>
+          <a:prstGeom prst="rect">
+            <a:avLst/>
+          </a:prstGeom>
+        </p:spPr>
+        <p:txBody>
+          <a:bodyPr wrap="none">
+            <a:spAutoFit/>
+          </a:bodyPr>
+          <a:lstStyle/>
+          <a:p>
+            <a:r>
+              <a:rPr lang="de-DE" sz="2400" dirty="0" smtClean="0"/>
+              <a:t>Monatliche Kosten</a:t>
+            </a:r>
+            <a:endParaRPr lang="de-DE" sz="2400" dirty="0"/>
+          </a:p>
+        </p:txBody>
+      </p:sp>
+      <p:sp>
+        <p:nvSpPr>
+          <p:cNvPr id="20" name="Rechteck 19"/>
+          <p:cNvSpPr/>
+          <p:nvPr/>
+        </p:nvSpPr>
+        <p:spPr>
+          <a:xfrm>
+            <a:off x="8050781" y="3429759"/>
+            <a:ext cx="1615442" cy="461665"/>
+          </a:xfrm>
+          <a:prstGeom prst="rect">
+            <a:avLst/>
+          </a:prstGeom>
+        </p:spPr>
+        <p:txBody>
+          <a:bodyPr wrap="none">
+            <a:spAutoFit/>
+          </a:bodyPr>
+          <a:lstStyle/>
+          <a:p>
+            <a:r>
+              <a:rPr lang="de-DE" sz="2400" dirty="0" smtClean="0"/>
+              <a:t>Bemerkung</a:t>
+            </a:r>
+            <a:endParaRPr lang="de-DE" sz="2400" dirty="0"/>
+          </a:p>
+        </p:txBody>
+      </p:sp>
+      <p:sp>
+        <p:nvSpPr>
+          <p:cNvPr id="21" name="Rechteck 20"/>
+          <p:cNvSpPr/>
+          <p:nvPr/>
+        </p:nvSpPr>
+        <p:spPr>
+          <a:xfrm>
+            <a:off x="6808549" y="4618870"/>
+            <a:ext cx="4099905" cy="461665"/>
+          </a:xfrm>
+          <a:prstGeom prst="rect">
+            <a:avLst/>
+          </a:prstGeom>
+        </p:spPr>
+        <p:txBody>
+          <a:bodyPr wrap="none">
+            <a:spAutoFit/>
+          </a:bodyPr>
+          <a:lstStyle/>
+          <a:p>
+            <a:r>
+              <a:rPr lang="de-DE" sz="2400" dirty="0" smtClean="0"/>
+              <a:t>Vorbestellung / Nachbestellung</a:t>
+            </a:r>
+            <a:endParaRPr lang="de-DE" sz="2400" dirty="0"/>
+          </a:p>
+        </p:txBody>
+      </p:sp>
+      <p:sp>
+        <p:nvSpPr>
+          <p:cNvPr id="22" name="Abgerundetes Rechteck 21">
+            <a:hlinkClick r:id="rId4" action="ppaction://hlinksldjump"/>
+          </p:cNvPr>
+          <p:cNvSpPr/>
+          <p:nvPr/>
+        </p:nvSpPr>
+        <p:spPr>
+          <a:xfrm>
+            <a:off x="7873341" y="5949538"/>
+            <a:ext cx="3776354" cy="748620"/>
+          </a:xfrm>
+          <a:prstGeom prst="roundRect">
+            <a:avLst/>
+          </a:prstGeom>
+        </p:spPr>
+        <p:style>
+          <a:lnRef idx="2">
+            <a:schemeClr val="accent1">
+              <a:shade val="50000"/>
+            </a:schemeClr>
+          </a:lnRef>
+          <a:fillRef idx="1">
+            <a:schemeClr val="accent1"/>
+          </a:fillRef>
+          <a:effectRef idx="0">
+            <a:schemeClr val="accent1"/>
+          </a:effectRef>
+          <a:fontRef idx="minor">
+            <a:schemeClr val="lt1"/>
+          </a:fontRef>
+        </p:style>
+        <p:txBody>
+          <a:bodyPr rtlCol="0" anchor="ctr"/>
+          <a:lstStyle/>
+          <a:p>
+            <a:pPr algn="ctr"/>
+            <a:r>
+              <a:rPr lang="de-DE" sz="2800" dirty="0" smtClean="0"/>
+              <a:t>Bestellung weiterleiten</a:t>
+            </a:r>
+            <a:endParaRPr lang="de-DE" sz="2800" dirty="0"/>
+          </a:p>
+        </p:txBody>
+      </p:sp>
     </p:spTree>
     <p:extLst>
       <p:ext uri="{BB962C8B-B14F-4D97-AF65-F5344CB8AC3E}">
@@ -8228,845 +9114,10 @@
           <a:chExt cx="0" cy="0"/>
         </a:xfrm>
       </p:grpSpPr>
-      <p:graphicFrame>
-        <p:nvGraphicFramePr>
-          <p:cNvPr id="2" name="Tabelle 1"/>
-          <p:cNvGraphicFramePr>
-            <a:graphicFrameLocks noGrp="1"/>
-          </p:cNvGraphicFramePr>
-          <p:nvPr>
-            <p:extLst>
-              <p:ext uri="{D42A27DB-BD31-4B8C-83A1-F6EECF244321}">
-                <p14:modId xmlns:p14="http://schemas.microsoft.com/office/powerpoint/2010/main" val="2410246071"/>
-              </p:ext>
-            </p:extLst>
-          </p:nvPr>
-        </p:nvGraphicFramePr>
-        <p:xfrm>
-          <a:off x="738360" y="5178037"/>
-          <a:ext cx="10558290" cy="1092097"/>
-        </p:xfrm>
-        <a:graphic>
-          <a:graphicData uri="http://schemas.openxmlformats.org/drawingml/2006/table">
-            <a:tbl>
-              <a:tblPr firstRow="1" bandRow="1">
-                <a:tableStyleId>{5C22544A-7EE6-4342-B048-85BDC9FD1C3A}</a:tableStyleId>
-              </a:tblPr>
-              <a:tblGrid>
-                <a:gridCol w="3627657"/>
-                <a:gridCol w="983863"/>
-                <a:gridCol w="1727195"/>
-                <a:gridCol w="885825"/>
-                <a:gridCol w="1466850"/>
-                <a:gridCol w="1866900"/>
-              </a:tblGrid>
-              <a:tr h="360588">
-                <a:tc>
-                  <a:txBody>
-                    <a:bodyPr/>
-                    <a:lstStyle/>
-                    <a:p>
-                      <a:r>
-                        <a:rPr lang="de-DE" sz="1400" dirty="0" smtClean="0"/>
-                        <a:t>Lehrer</a:t>
-                      </a:r>
-                      <a:endParaRPr lang="de-DE" sz="1400" dirty="0"/>
-                    </a:p>
-                  </a:txBody>
-                  <a:tcPr/>
-                </a:tc>
-                <a:tc>
-                  <a:txBody>
-                    <a:bodyPr/>
-                    <a:lstStyle/>
-                    <a:p>
-                      <a:pPr marL="0" marR="0" indent="0" algn="l" defTabSz="914400" rtl="0" eaLnBrk="1" fontAlgn="auto" latinLnBrk="0" hangingPunct="1">
-                        <a:lnSpc>
-                          <a:spcPct val="100000"/>
-                        </a:lnSpc>
-                        <a:spcBef>
-                          <a:spcPts val="0"/>
-                        </a:spcBef>
-                        <a:spcAft>
-                          <a:spcPts val="0"/>
-                        </a:spcAft>
-                        <a:buClrTx/>
-                        <a:buSzTx/>
-                        <a:buFontTx/>
-                        <a:buNone/>
-                        <a:tabLst/>
-                        <a:defRPr/>
-                      </a:pPr>
-                      <a:r>
-                        <a:rPr lang="de-DE" sz="1400" dirty="0" smtClean="0"/>
-                        <a:t>Kürzel</a:t>
-                      </a:r>
-                    </a:p>
-                  </a:txBody>
-                  <a:tcPr/>
-                </a:tc>
-                <a:tc>
-                  <a:txBody>
-                    <a:bodyPr/>
-                    <a:lstStyle/>
-                    <a:p>
-                      <a:r>
-                        <a:rPr lang="de-DE" sz="1400" dirty="0" smtClean="0"/>
-                        <a:t>E-Mail</a:t>
-                      </a:r>
-                      <a:endParaRPr lang="de-DE" sz="1400" dirty="0"/>
-                    </a:p>
-                  </a:txBody>
-                  <a:tcPr/>
-                </a:tc>
-                <a:tc>
-                  <a:txBody>
-                    <a:bodyPr/>
-                    <a:lstStyle/>
-                    <a:p>
-                      <a:r>
-                        <a:rPr lang="de-DE" sz="1400" dirty="0" smtClean="0"/>
-                        <a:t>Passwort</a:t>
-                      </a:r>
-                      <a:endParaRPr lang="de-DE" sz="1400" dirty="0"/>
-                    </a:p>
-                  </a:txBody>
-                  <a:tcPr/>
-                </a:tc>
-                <a:tc>
-                  <a:txBody>
-                    <a:bodyPr/>
-                    <a:lstStyle/>
-                    <a:p>
-                      <a:r>
-                        <a:rPr lang="de-DE" sz="1400" dirty="0" smtClean="0"/>
-                        <a:t>Benutzer löschen</a:t>
-                      </a:r>
-                      <a:endParaRPr lang="de-DE" sz="1400" dirty="0"/>
-                    </a:p>
-                  </a:txBody>
-                  <a:tcPr/>
-                </a:tc>
-                <a:tc>
-                  <a:txBody>
-                    <a:bodyPr/>
-                    <a:lstStyle/>
-                    <a:p>
-                      <a:r>
-                        <a:rPr lang="de-DE" sz="1400" dirty="0" smtClean="0"/>
-                        <a:t>Gruppe</a:t>
-                      </a:r>
-                      <a:endParaRPr lang="de-DE" sz="1400" dirty="0"/>
-                    </a:p>
-                  </a:txBody>
-                  <a:tcPr/>
-                </a:tc>
-              </a:tr>
-              <a:tr h="361407">
-                <a:tc>
-                  <a:txBody>
-                    <a:bodyPr/>
-                    <a:lstStyle/>
-                    <a:p>
-                      <a:r>
-                        <a:rPr lang="de-DE" sz="1400" dirty="0" err="1" smtClean="0"/>
-                        <a:t>MaxMusterlehrer</a:t>
-                      </a:r>
-                      <a:endParaRPr lang="de-DE" sz="1400" dirty="0"/>
-                    </a:p>
-                  </a:txBody>
-                  <a:tcPr/>
-                </a:tc>
-                <a:tc>
-                  <a:txBody>
-                    <a:bodyPr/>
-                    <a:lstStyle/>
-                    <a:p>
-                      <a:pPr marL="0" marR="0" indent="0" algn="l" defTabSz="914400" rtl="0" eaLnBrk="1" fontAlgn="auto" latinLnBrk="0" hangingPunct="1">
-                        <a:lnSpc>
-                          <a:spcPct val="100000"/>
-                        </a:lnSpc>
-                        <a:spcBef>
-                          <a:spcPts val="0"/>
-                        </a:spcBef>
-                        <a:spcAft>
-                          <a:spcPts val="0"/>
-                        </a:spcAft>
-                        <a:buClrTx/>
-                        <a:buSzTx/>
-                        <a:buFontTx/>
-                        <a:buNone/>
-                        <a:tabLst/>
-                        <a:defRPr/>
-                      </a:pPr>
-                      <a:r>
-                        <a:rPr lang="de-DE" sz="1400" dirty="0" smtClean="0"/>
-                        <a:t>MM</a:t>
-                      </a:r>
-                    </a:p>
-                  </a:txBody>
-                  <a:tcPr/>
-                </a:tc>
-                <a:tc>
-                  <a:txBody>
-                    <a:bodyPr/>
-                    <a:lstStyle/>
-                    <a:p>
-                      <a:r>
-                        <a:rPr lang="de-DE" sz="1400" dirty="0" smtClean="0">
-                          <a:solidFill>
-                            <a:schemeClr val="tx1"/>
-                          </a:solidFill>
-                        </a:rPr>
-                        <a:t>mm@hw-schule.de</a:t>
-                      </a:r>
-                      <a:endParaRPr lang="de-DE" sz="1400" dirty="0">
-                        <a:solidFill>
-                          <a:schemeClr val="tx1"/>
-                        </a:solidFill>
-                      </a:endParaRPr>
-                    </a:p>
-                  </a:txBody>
-                  <a:tcPr/>
-                </a:tc>
-                <a:tc>
-                  <a:txBody>
-                    <a:bodyPr/>
-                    <a:lstStyle/>
-                    <a:p>
-                      <a:r>
-                        <a:rPr lang="de-DE" sz="1400" dirty="0" smtClean="0">
-                          <a:solidFill>
-                            <a:schemeClr val="tx1"/>
-                          </a:solidFill>
-                        </a:rPr>
-                        <a:t>1234</a:t>
-                      </a:r>
-                      <a:endParaRPr lang="de-DE" sz="1400" dirty="0">
-                        <a:solidFill>
-                          <a:schemeClr val="tx1"/>
-                        </a:solidFill>
-                      </a:endParaRPr>
-                    </a:p>
-                  </a:txBody>
-                  <a:tcPr/>
-                </a:tc>
-                <a:tc>
-                  <a:txBody>
-                    <a:bodyPr/>
-                    <a:lstStyle/>
-                    <a:p>
-                      <a:endParaRPr lang="de-DE" sz="1400" dirty="0">
-                        <a:solidFill>
-                          <a:schemeClr val="tx1"/>
-                        </a:solidFill>
-                      </a:endParaRPr>
-                    </a:p>
-                  </a:txBody>
-                  <a:tcPr/>
-                </a:tc>
-                <a:tc>
-                  <a:txBody>
-                    <a:bodyPr/>
-                    <a:lstStyle/>
-                    <a:p>
-                      <a:r>
-                        <a:rPr lang="de-DE" sz="1400" dirty="0" smtClean="0">
-                          <a:solidFill>
-                            <a:schemeClr val="tx1"/>
-                          </a:solidFill>
-                        </a:rPr>
-                        <a:t>Lehrer</a:t>
-                      </a:r>
-                      <a:endParaRPr lang="de-DE" sz="1400" dirty="0">
-                        <a:solidFill>
-                          <a:schemeClr val="tx1"/>
-                        </a:solidFill>
-                      </a:endParaRPr>
-                    </a:p>
-                  </a:txBody>
-                  <a:tcPr/>
-                </a:tc>
-              </a:tr>
-              <a:tr h="370102">
-                <a:tc>
-                  <a:txBody>
-                    <a:bodyPr/>
-                    <a:lstStyle/>
-                    <a:p>
-                      <a:r>
-                        <a:rPr lang="de-DE" sz="1400" dirty="0" err="1" smtClean="0"/>
-                        <a:t>GregorianAbteilungsleiter</a:t>
-                      </a:r>
-                      <a:endParaRPr lang="de-DE" sz="1400" dirty="0"/>
-                    </a:p>
-                  </a:txBody>
-                  <a:tcPr/>
-                </a:tc>
-                <a:tc>
-                  <a:txBody>
-                    <a:bodyPr/>
-                    <a:lstStyle/>
-                    <a:p>
-                      <a:pPr marL="0" marR="0" indent="0" algn="l" defTabSz="914400" rtl="0" eaLnBrk="1" fontAlgn="auto" latinLnBrk="0" hangingPunct="1">
-                        <a:lnSpc>
-                          <a:spcPct val="100000"/>
-                        </a:lnSpc>
-                        <a:spcBef>
-                          <a:spcPts val="0"/>
-                        </a:spcBef>
-                        <a:spcAft>
-                          <a:spcPts val="0"/>
-                        </a:spcAft>
-                        <a:buClrTx/>
-                        <a:buSzTx/>
-                        <a:buFontTx/>
-                        <a:buNone/>
-                        <a:tabLst/>
-                        <a:defRPr/>
-                      </a:pPr>
-                      <a:r>
-                        <a:rPr lang="de-DE" sz="1400" dirty="0" smtClean="0"/>
-                        <a:t>PM</a:t>
-                      </a:r>
-                    </a:p>
-                  </a:txBody>
-                  <a:tcPr/>
-                </a:tc>
-                <a:tc>
-                  <a:txBody>
-                    <a:bodyPr/>
-                    <a:lstStyle/>
-                    <a:p>
-                      <a:r>
-                        <a:rPr lang="de-DE" sz="1400" dirty="0" smtClean="0">
-                          <a:solidFill>
-                            <a:schemeClr val="tx1"/>
-                          </a:solidFill>
-                        </a:rPr>
-                        <a:t>PM@hw-schule.de</a:t>
-                      </a:r>
-                      <a:endParaRPr lang="de-DE" sz="1400" dirty="0">
-                        <a:solidFill>
-                          <a:schemeClr val="tx1"/>
-                        </a:solidFill>
-                      </a:endParaRPr>
-                    </a:p>
-                  </a:txBody>
-                  <a:tcPr/>
-                </a:tc>
-                <a:tc>
-                  <a:txBody>
-                    <a:bodyPr/>
-                    <a:lstStyle/>
-                    <a:p>
-                      <a:r>
-                        <a:rPr lang="de-DE" sz="1400" dirty="0" smtClean="0">
-                          <a:solidFill>
-                            <a:schemeClr val="tx1"/>
-                          </a:solidFill>
-                        </a:rPr>
-                        <a:t>test</a:t>
-                      </a:r>
-                      <a:endParaRPr lang="de-DE" sz="1400" dirty="0">
-                        <a:solidFill>
-                          <a:schemeClr val="tx1"/>
-                        </a:solidFill>
-                      </a:endParaRPr>
-                    </a:p>
-                  </a:txBody>
-                  <a:tcPr/>
-                </a:tc>
-                <a:tc>
-                  <a:txBody>
-                    <a:bodyPr/>
-                    <a:lstStyle/>
-                    <a:p>
-                      <a:endParaRPr lang="de-DE" sz="1400" dirty="0">
-                        <a:solidFill>
-                          <a:schemeClr val="tx1"/>
-                        </a:solidFill>
-                      </a:endParaRPr>
-                    </a:p>
-                  </a:txBody>
-                  <a:tcPr/>
-                </a:tc>
-                <a:tc>
-                  <a:txBody>
-                    <a:bodyPr/>
-                    <a:lstStyle/>
-                    <a:p>
-                      <a:r>
-                        <a:rPr lang="de-DE" sz="1400" dirty="0" smtClean="0">
-                          <a:solidFill>
-                            <a:schemeClr val="tx1"/>
-                          </a:solidFill>
-                        </a:rPr>
-                        <a:t>Abteilungsleiter</a:t>
-                      </a:r>
-                      <a:endParaRPr lang="de-DE" sz="1400" dirty="0">
-                        <a:solidFill>
-                          <a:schemeClr val="tx1"/>
-                        </a:solidFill>
-                      </a:endParaRPr>
-                    </a:p>
-                  </a:txBody>
-                  <a:tcPr/>
-                </a:tc>
-              </a:tr>
-            </a:tbl>
-          </a:graphicData>
-        </a:graphic>
-      </p:graphicFrame>
-      <p:sp>
-        <p:nvSpPr>
-          <p:cNvPr id="4" name="Rechteck 3"/>
-          <p:cNvSpPr/>
-          <p:nvPr/>
-        </p:nvSpPr>
-        <p:spPr>
-          <a:xfrm>
-            <a:off x="1455387" y="3830333"/>
-            <a:ext cx="3776354" cy="570015"/>
-          </a:xfrm>
-          <a:prstGeom prst="rect">
-            <a:avLst/>
-          </a:prstGeom>
-        </p:spPr>
-        <p:style>
-          <a:lnRef idx="2">
-            <a:schemeClr val="dk1"/>
-          </a:lnRef>
-          <a:fillRef idx="1">
-            <a:schemeClr val="lt1"/>
-          </a:fillRef>
-          <a:effectRef idx="0">
-            <a:schemeClr val="dk1"/>
-          </a:effectRef>
-          <a:fontRef idx="minor">
-            <a:schemeClr val="dk1"/>
-          </a:fontRef>
-        </p:style>
-        <p:txBody>
-          <a:bodyPr rtlCol="0" anchor="ctr"/>
-          <a:lstStyle/>
-          <a:p>
-            <a:pPr algn="ctr"/>
-            <a:endParaRPr lang="de-DE"/>
-          </a:p>
-        </p:txBody>
-      </p:sp>
-      <p:sp>
-        <p:nvSpPr>
-          <p:cNvPr id="5" name="Rechteck 4"/>
-          <p:cNvSpPr/>
-          <p:nvPr/>
-        </p:nvSpPr>
-        <p:spPr>
-          <a:xfrm>
-            <a:off x="1455387" y="2609446"/>
-            <a:ext cx="3776354" cy="570015"/>
-          </a:xfrm>
-          <a:prstGeom prst="rect">
-            <a:avLst/>
-          </a:prstGeom>
-        </p:spPr>
-        <p:style>
-          <a:lnRef idx="2">
-            <a:schemeClr val="dk1"/>
-          </a:lnRef>
-          <a:fillRef idx="1">
-            <a:schemeClr val="lt1"/>
-          </a:fillRef>
-          <a:effectRef idx="0">
-            <a:schemeClr val="dk1"/>
-          </a:effectRef>
-          <a:fontRef idx="minor">
-            <a:schemeClr val="dk1"/>
-          </a:fontRef>
-        </p:style>
-        <p:txBody>
-          <a:bodyPr rtlCol="0" anchor="ctr"/>
-          <a:lstStyle/>
-          <a:p>
-            <a:pPr algn="ctr"/>
-            <a:endParaRPr lang="de-DE"/>
-          </a:p>
-        </p:txBody>
-      </p:sp>
-      <p:sp>
-        <p:nvSpPr>
-          <p:cNvPr id="6" name="Rechteck 5"/>
-          <p:cNvSpPr/>
-          <p:nvPr/>
-        </p:nvSpPr>
-        <p:spPr>
-          <a:xfrm>
-            <a:off x="6935190" y="2614105"/>
-            <a:ext cx="3776354" cy="570015"/>
-          </a:xfrm>
-          <a:prstGeom prst="rect">
-            <a:avLst/>
-          </a:prstGeom>
-        </p:spPr>
-        <p:style>
-          <a:lnRef idx="2">
-            <a:schemeClr val="dk1"/>
-          </a:lnRef>
-          <a:fillRef idx="1">
-            <a:schemeClr val="lt1"/>
-          </a:fillRef>
-          <a:effectRef idx="0">
-            <a:schemeClr val="dk1"/>
-          </a:effectRef>
-          <a:fontRef idx="minor">
-            <a:schemeClr val="dk1"/>
-          </a:fontRef>
-        </p:style>
-        <p:txBody>
-          <a:bodyPr rtlCol="0" anchor="ctr"/>
-          <a:lstStyle/>
-          <a:p>
-            <a:pPr algn="ctr"/>
-            <a:endParaRPr lang="de-DE"/>
-          </a:p>
-        </p:txBody>
-      </p:sp>
-      <p:sp>
-        <p:nvSpPr>
-          <p:cNvPr id="7" name="Rechteck 6"/>
-          <p:cNvSpPr/>
-          <p:nvPr/>
-        </p:nvSpPr>
-        <p:spPr>
-          <a:xfrm>
-            <a:off x="6935190" y="3830333"/>
-            <a:ext cx="3776354" cy="570015"/>
-          </a:xfrm>
-          <a:prstGeom prst="rect">
-            <a:avLst/>
-          </a:prstGeom>
-        </p:spPr>
-        <p:style>
-          <a:lnRef idx="2">
-            <a:schemeClr val="dk1"/>
-          </a:lnRef>
-          <a:fillRef idx="1">
-            <a:schemeClr val="lt1"/>
-          </a:fillRef>
-          <a:effectRef idx="0">
-            <a:schemeClr val="dk1"/>
-          </a:effectRef>
-          <a:fontRef idx="minor">
-            <a:schemeClr val="dk1"/>
-          </a:fontRef>
-        </p:style>
-        <p:txBody>
-          <a:bodyPr rtlCol="0" anchor="ctr"/>
-          <a:lstStyle/>
-          <a:p>
-            <a:pPr algn="ctr"/>
-            <a:endParaRPr lang="de-DE"/>
-          </a:p>
-        </p:txBody>
-      </p:sp>
-      <p:sp>
-        <p:nvSpPr>
-          <p:cNvPr id="8" name="Textfeld 7"/>
-          <p:cNvSpPr txBox="1"/>
-          <p:nvPr/>
-        </p:nvSpPr>
-        <p:spPr>
-          <a:xfrm>
-            <a:off x="2491824" y="2192654"/>
-            <a:ext cx="1703480" cy="461665"/>
-          </a:xfrm>
-          <a:prstGeom prst="rect">
-            <a:avLst/>
-          </a:prstGeom>
-          <a:noFill/>
-        </p:spPr>
-        <p:txBody>
-          <a:bodyPr wrap="none" rtlCol="0">
-            <a:spAutoFit/>
-          </a:bodyPr>
-          <a:lstStyle/>
-          <a:p>
-            <a:r>
-              <a:rPr lang="de-DE" sz="2400" dirty="0" smtClean="0"/>
-              <a:t>Lehrername</a:t>
-            </a:r>
-            <a:endParaRPr lang="de-DE" sz="2400" dirty="0"/>
-          </a:p>
-        </p:txBody>
-      </p:sp>
-      <p:sp>
-        <p:nvSpPr>
-          <p:cNvPr id="9" name="Rechteck 8"/>
-          <p:cNvSpPr/>
-          <p:nvPr/>
-        </p:nvSpPr>
-        <p:spPr>
-          <a:xfrm>
-            <a:off x="2852884" y="3414619"/>
-            <a:ext cx="981359" cy="461665"/>
-          </a:xfrm>
-          <a:prstGeom prst="rect">
-            <a:avLst/>
-          </a:prstGeom>
-        </p:spPr>
-        <p:txBody>
-          <a:bodyPr wrap="none">
-            <a:spAutoFit/>
-          </a:bodyPr>
-          <a:lstStyle/>
-          <a:p>
-            <a:r>
-              <a:rPr lang="de-DE" sz="2400" dirty="0" smtClean="0"/>
-              <a:t>E-Mail</a:t>
-            </a:r>
-            <a:endParaRPr lang="de-DE" sz="2400" dirty="0"/>
-          </a:p>
-        </p:txBody>
-      </p:sp>
-      <p:sp>
-        <p:nvSpPr>
-          <p:cNvPr id="10" name="Rechteck 9"/>
-          <p:cNvSpPr/>
-          <p:nvPr/>
-        </p:nvSpPr>
-        <p:spPr>
-          <a:xfrm>
-            <a:off x="8384109" y="2194558"/>
-            <a:ext cx="948786" cy="461665"/>
-          </a:xfrm>
-          <a:prstGeom prst="rect">
-            <a:avLst/>
-          </a:prstGeom>
-        </p:spPr>
-        <p:txBody>
-          <a:bodyPr wrap="none">
-            <a:spAutoFit/>
-          </a:bodyPr>
-          <a:lstStyle/>
-          <a:p>
-            <a:r>
-              <a:rPr lang="de-DE" sz="2400" dirty="0" smtClean="0"/>
-              <a:t>Kürzel</a:t>
-            </a:r>
-            <a:endParaRPr lang="de-DE" sz="2400" dirty="0"/>
-          </a:p>
-        </p:txBody>
-      </p:sp>
-      <p:sp>
-        <p:nvSpPr>
-          <p:cNvPr id="11" name="Rechteck 10"/>
-          <p:cNvSpPr/>
-          <p:nvPr/>
-        </p:nvSpPr>
-        <p:spPr>
-          <a:xfrm>
-            <a:off x="8202585" y="3418529"/>
-            <a:ext cx="1311834" cy="461665"/>
-          </a:xfrm>
-          <a:prstGeom prst="rect">
-            <a:avLst/>
-          </a:prstGeom>
-        </p:spPr>
-        <p:txBody>
-          <a:bodyPr wrap="none">
-            <a:spAutoFit/>
-          </a:bodyPr>
-          <a:lstStyle/>
-          <a:p>
-            <a:r>
-              <a:rPr lang="de-DE" sz="2400" dirty="0" smtClean="0"/>
-              <a:t>Passwort</a:t>
-            </a:r>
-            <a:endParaRPr lang="de-DE" sz="2400" dirty="0"/>
-          </a:p>
-        </p:txBody>
-      </p:sp>
-      <p:sp>
-        <p:nvSpPr>
-          <p:cNvPr id="12" name="Abgerundetes Rechteck 11">
+      <p:sp>
+        <p:nvSpPr>
+          <p:cNvPr id="2" name="Abgerundetes Rechteck 1">
             <a:hlinkClick r:id="rId2" action="ppaction://hlinksldjump"/>
-          </p:cNvPr>
-          <p:cNvSpPr/>
-          <p:nvPr/>
-        </p:nvSpPr>
-        <p:spPr>
-          <a:xfrm>
-            <a:off x="8964018" y="4628964"/>
-            <a:ext cx="2856718" cy="394102"/>
-          </a:xfrm>
-          <a:prstGeom prst="roundRect">
-            <a:avLst/>
-          </a:prstGeom>
-        </p:spPr>
-        <p:style>
-          <a:lnRef idx="2">
-            <a:schemeClr val="accent1">
-              <a:shade val="50000"/>
-            </a:schemeClr>
-          </a:lnRef>
-          <a:fillRef idx="1">
-            <a:schemeClr val="accent1"/>
-          </a:fillRef>
-          <a:effectRef idx="0">
-            <a:schemeClr val="accent1"/>
-          </a:effectRef>
-          <a:fontRef idx="minor">
-            <a:schemeClr val="lt1"/>
-          </a:fontRef>
-        </p:style>
-        <p:txBody>
-          <a:bodyPr rtlCol="0" anchor="ctr"/>
-          <a:lstStyle/>
-          <a:p>
-            <a:pPr algn="ctr"/>
-            <a:r>
-              <a:rPr lang="de-DE" sz="2800" dirty="0" smtClean="0"/>
-              <a:t>Benutzer anlegen</a:t>
-            </a:r>
-            <a:endParaRPr lang="de-DE" sz="2800" dirty="0"/>
-          </a:p>
-        </p:txBody>
-      </p:sp>
-      <p:sp>
-        <p:nvSpPr>
-          <p:cNvPr id="13" name="Textfeld 12"/>
-          <p:cNvSpPr txBox="1"/>
-          <p:nvPr/>
-        </p:nvSpPr>
-        <p:spPr>
-          <a:xfrm>
-            <a:off x="4632698" y="1788795"/>
-            <a:ext cx="2714974" cy="461665"/>
-          </a:xfrm>
-          <a:prstGeom prst="rect">
-            <a:avLst/>
-          </a:prstGeom>
-          <a:noFill/>
-        </p:spPr>
-        <p:txBody>
-          <a:bodyPr wrap="none" rtlCol="0">
-            <a:spAutoFit/>
-          </a:bodyPr>
-          <a:lstStyle/>
-          <a:p>
-            <a:r>
-              <a:rPr lang="de-DE" sz="2400" dirty="0" smtClean="0"/>
-              <a:t>Benutzerverwaltung</a:t>
-            </a:r>
-            <a:endParaRPr lang="de-DE" sz="2400" dirty="0"/>
-          </a:p>
-        </p:txBody>
-      </p:sp>
-      <p:sp>
-        <p:nvSpPr>
-          <p:cNvPr id="14" name="Rechteck 13"/>
-          <p:cNvSpPr/>
-          <p:nvPr/>
-        </p:nvSpPr>
-        <p:spPr>
-          <a:xfrm>
-            <a:off x="8552679" y="5603473"/>
-            <a:ext cx="192145" cy="211015"/>
-          </a:xfrm>
-          <a:prstGeom prst="rect">
-            <a:avLst/>
-          </a:prstGeom>
-        </p:spPr>
-        <p:style>
-          <a:lnRef idx="2">
-            <a:schemeClr val="accent6"/>
-          </a:lnRef>
-          <a:fillRef idx="1">
-            <a:schemeClr val="lt1"/>
-          </a:fillRef>
-          <a:effectRef idx="0">
-            <a:schemeClr val="accent6"/>
-          </a:effectRef>
-          <a:fontRef idx="minor">
-            <a:schemeClr val="dk1"/>
-          </a:fontRef>
-        </p:style>
-        <p:txBody>
-          <a:bodyPr rtlCol="0" anchor="ctr"/>
-          <a:lstStyle/>
-          <a:p>
-            <a:pPr algn="ctr"/>
-            <a:r>
-              <a:rPr lang="de-DE" dirty="0" smtClean="0">
-                <a:solidFill>
-                  <a:srgbClr val="FF0000"/>
-                </a:solidFill>
-              </a:rPr>
-              <a:t>X</a:t>
-            </a:r>
-            <a:endParaRPr lang="de-DE" dirty="0">
-              <a:solidFill>
-                <a:srgbClr val="FF0000"/>
-              </a:solidFill>
-            </a:endParaRPr>
-          </a:p>
-        </p:txBody>
-      </p:sp>
-      <p:sp>
-        <p:nvSpPr>
-          <p:cNvPr id="15" name="Rechteck 14"/>
-          <p:cNvSpPr/>
-          <p:nvPr/>
-        </p:nvSpPr>
-        <p:spPr>
-          <a:xfrm>
-            <a:off x="8552679" y="6011847"/>
-            <a:ext cx="192145" cy="211015"/>
-          </a:xfrm>
-          <a:prstGeom prst="rect">
-            <a:avLst/>
-          </a:prstGeom>
-        </p:spPr>
-        <p:style>
-          <a:lnRef idx="2">
-            <a:schemeClr val="accent6"/>
-          </a:lnRef>
-          <a:fillRef idx="1">
-            <a:schemeClr val="lt1"/>
-          </a:fillRef>
-          <a:effectRef idx="0">
-            <a:schemeClr val="accent6"/>
-          </a:effectRef>
-          <a:fontRef idx="minor">
-            <a:schemeClr val="dk1"/>
-          </a:fontRef>
-        </p:style>
-        <p:txBody>
-          <a:bodyPr rtlCol="0" anchor="ctr"/>
-          <a:lstStyle/>
-          <a:p>
-            <a:pPr algn="ctr"/>
-            <a:r>
-              <a:rPr lang="de-DE" dirty="0" smtClean="0">
-                <a:solidFill>
-                  <a:srgbClr val="FF0000"/>
-                </a:solidFill>
-              </a:rPr>
-              <a:t>X</a:t>
-            </a:r>
-            <a:endParaRPr lang="de-DE" dirty="0">
-              <a:solidFill>
-                <a:srgbClr val="FF0000"/>
-              </a:solidFill>
-            </a:endParaRPr>
-          </a:p>
-        </p:txBody>
-      </p:sp>
-      <p:sp>
-        <p:nvSpPr>
-          <p:cNvPr id="16" name="Abgerundetes Rechteck 15">
-            <a:hlinkClick r:id="rId3" action="ppaction://hlinksldjump"/>
           </p:cNvPr>
           <p:cNvSpPr/>
           <p:nvPr/>
@@ -9108,61 +9159,16 @@
           </a:p>
         </p:txBody>
       </p:sp>
-      <p:sp>
-        <p:nvSpPr>
-          <p:cNvPr id="17" name="Abgerundetes Rechteck 16">
-            <a:hlinkClick r:id="rId4" action="ppaction://hlinksldjump"/>
-          </p:cNvPr>
-          <p:cNvSpPr/>
-          <p:nvPr/>
-        </p:nvSpPr>
-        <p:spPr>
-          <a:xfrm>
-            <a:off x="4232158" y="1036539"/>
-            <a:ext cx="1206741" cy="320634"/>
-          </a:xfrm>
-          <a:prstGeom prst="roundRect">
-            <a:avLst/>
-          </a:prstGeom>
-          <a:ln w="12700"/>
-        </p:spPr>
-        <p:style>
-          <a:lnRef idx="1">
-            <a:schemeClr val="accent3"/>
-          </a:lnRef>
-          <a:fillRef idx="2">
-            <a:schemeClr val="accent3"/>
-          </a:fillRef>
-          <a:effectRef idx="1">
-            <a:schemeClr val="accent3"/>
-          </a:effectRef>
-          <a:fontRef idx="minor">
-            <a:schemeClr val="dk1"/>
-          </a:fontRef>
-        </p:style>
-        <p:txBody>
-          <a:bodyPr rtlCol="0" anchor="ctr"/>
-          <a:lstStyle/>
-          <a:p>
-            <a:pPr algn="ctr"/>
-            <a:r>
-              <a:rPr lang="de-DE" dirty="0" err="1" smtClean="0"/>
-              <a:t>Logout</a:t>
-            </a:r>
-            <a:endParaRPr lang="de-DE" dirty="0"/>
-          </a:p>
-        </p:txBody>
-      </p:sp>
       <p:graphicFrame>
         <p:nvGraphicFramePr>
-          <p:cNvPr id="18" name="Tabelle 17"/>
+          <p:cNvPr id="3" name="Tabelle 2"/>
           <p:cNvGraphicFramePr>
             <a:graphicFrameLocks noGrp="1"/>
           </p:cNvGraphicFramePr>
           <p:nvPr>
             <p:extLst>
               <p:ext uri="{D42A27DB-BD31-4B8C-83A1-F6EECF244321}">
-                <p14:modId xmlns:p14="http://schemas.microsoft.com/office/powerpoint/2010/main" val="2567544615"/>
+                <p14:modId xmlns:p14="http://schemas.microsoft.com/office/powerpoint/2010/main" val="3440247166"/>
               </p:ext>
             </p:extLst>
           </p:nvPr>
@@ -9202,12 +9208,42 @@
                     <a:lstStyle/>
                     <a:p>
                       <a:r>
+                        <a:rPr lang="de-DE" dirty="0" smtClean="0"/>
+                        <a:t>Max Musterlehrer (MM)</a:t>
+                      </a:r>
+                      <a:endParaRPr lang="de-DE" dirty="0"/>
+                    </a:p>
+                  </a:txBody>
+                  <a:tcPr/>
+                </a:tc>
+              </a:tr>
+              <a:tr h="370840">
+                <a:tc>
+                  <a:txBody>
+                    <a:bodyPr/>
+                    <a:lstStyle/>
+                    <a:p>
+                      <a:r>
+                        <a:rPr lang="de-DE" dirty="0" smtClean="0"/>
+                        <a:t>Abteilung:</a:t>
+                      </a:r>
+                      <a:endParaRPr lang="de-DE" dirty="0"/>
+                    </a:p>
+                  </a:txBody>
+                  <a:tcPr/>
+                </a:tc>
+                <a:tc>
+                  <a:txBody>
+                    <a:bodyPr/>
+                    <a:lstStyle/>
+                    <a:p>
+                      <a:r>
                         <a:rPr lang="de-DE" dirty="0" err="1" smtClean="0"/>
                         <a:t>Gregorian</a:t>
                       </a:r>
                       <a:r>
                         <a:rPr lang="de-DE" dirty="0" smtClean="0"/>
-                        <a:t> Abteilungsleiter (FA)</a:t>
+                        <a:t>, Schmitt-Schwickert</a:t>
                       </a:r>
                       <a:endParaRPr lang="de-DE" dirty="0"/>
                     </a:p>
@@ -9223,7 +9259,7 @@
                     <a:p>
                       <a:r>
                         <a:rPr lang="de-DE" dirty="0" smtClean="0"/>
-                        <a:t>Abteilung:</a:t>
+                        <a:t>Fachschaft:</a:t>
                       </a:r>
                       <a:endParaRPr lang="de-DE" dirty="0"/>
                     </a:p>
@@ -9236,31 +9272,9 @@
                     <a:lstStyle/>
                     <a:p>
                       <a:r>
-                        <a:rPr lang="de-DE" dirty="0" err="1" smtClean="0"/>
-                        <a:t>Gregorian</a:t>
-                      </a:r>
-                      <a:endParaRPr lang="de-DE" dirty="0"/>
-                    </a:p>
-                  </a:txBody>
-                  <a:tcPr/>
-                </a:tc>
-              </a:tr>
-              <a:tr h="370840">
-                <a:tc>
-                  <a:txBody>
-                    <a:bodyPr/>
-                    <a:lstStyle/>
-                    <a:p>
-                      <a:endParaRPr lang="de-DE" dirty="0"/>
-                    </a:p>
-                  </a:txBody>
-                  <a:tcPr/>
-                </a:tc>
-                <a:tc>
-                  <a:txBody>
-                    <a:bodyPr/>
-                    <a:lstStyle/>
-                    <a:p>
+                        <a:rPr lang="de-DE" dirty="0" smtClean="0"/>
+                        <a:t>Elektrotechnik</a:t>
+                      </a:r>
                       <a:endParaRPr lang="de-DE" dirty="0"/>
                     </a:p>
                   </a:txBody>
@@ -9273,28 +9287,61 @@
       </p:graphicFrame>
       <p:sp>
         <p:nvSpPr>
-          <p:cNvPr id="20" name="Rechteck 19"/>
-          <p:cNvSpPr/>
+          <p:cNvPr id="4" name="Textfeld 3"/>
+          <p:cNvSpPr txBox="1"/>
           <p:nvPr/>
         </p:nvSpPr>
         <p:spPr>
           <a:xfrm>
-            <a:off x="7456137" y="4643626"/>
-            <a:ext cx="1219200" cy="337052"/>
+            <a:off x="203199" y="1360559"/>
+            <a:ext cx="2999539" cy="523220"/>
           </a:xfrm>
           <a:prstGeom prst="rect">
             <a:avLst/>
           </a:prstGeom>
+          <a:noFill/>
+        </p:spPr>
+        <p:txBody>
+          <a:bodyPr wrap="none" rtlCol="0">
+            <a:spAutoFit/>
+          </a:bodyPr>
+          <a:lstStyle/>
+          <a:p>
+            <a:r>
+              <a:rPr lang="de-DE" sz="2800" dirty="0" smtClean="0"/>
+              <a:t>Haushaltsjahr 2016</a:t>
+            </a:r>
+            <a:endParaRPr lang="de-DE" sz="2800" dirty="0"/>
+          </a:p>
+        </p:txBody>
+      </p:sp>
+      <p:sp>
+        <p:nvSpPr>
+          <p:cNvPr id="5" name="Abgerundetes Rechteck 4">
+            <a:hlinkClick r:id="rId3" action="ppaction://hlinksldjump"/>
+          </p:cNvPr>
+          <p:cNvSpPr/>
+          <p:nvPr/>
+        </p:nvSpPr>
+        <p:spPr>
+          <a:xfrm>
+            <a:off x="4232158" y="1036539"/>
+            <a:ext cx="1206741" cy="320634"/>
+          </a:xfrm>
+          <a:prstGeom prst="roundRect">
+            <a:avLst/>
+          </a:prstGeom>
+          <a:ln w="12700"/>
         </p:spPr>
         <p:style>
-          <a:lnRef idx="2">
-            <a:schemeClr val="dk1"/>
+          <a:lnRef idx="1">
+            <a:schemeClr val="accent3"/>
           </a:lnRef>
-          <a:fillRef idx="1">
-            <a:schemeClr val="lt1"/>
+          <a:fillRef idx="2">
+            <a:schemeClr val="accent3"/>
           </a:fillRef>
-          <a:effectRef idx="0">
-            <a:schemeClr val="dk1"/>
+          <a:effectRef idx="1">
+            <a:schemeClr val="accent3"/>
           </a:effectRef>
           <a:fontRef idx="minor">
             <a:schemeClr val="dk1"/>
@@ -9304,9 +9351,10 @@
           <a:bodyPr rtlCol="0" anchor="ctr"/>
           <a:lstStyle/>
           <a:p>
-            <a:r>
-              <a:rPr lang="de-DE" dirty="0" smtClean="0"/>
-              <a:t>Gruppe</a:t>
+            <a:pPr algn="ctr"/>
+            <a:r>
+              <a:rPr lang="de-DE" dirty="0" err="1" smtClean="0"/>
+              <a:t>Logout</a:t>
             </a:r>
             <a:endParaRPr lang="de-DE" dirty="0"/>
           </a:p>
@@ -9314,86 +9362,341 @@
       </p:sp>
       <p:sp>
         <p:nvSpPr>
-          <p:cNvPr id="21" name="Rechteck 20"/>
-          <p:cNvSpPr/>
+          <p:cNvPr id="6" name="Textfeld 5"/>
+          <p:cNvSpPr txBox="1"/>
           <p:nvPr/>
         </p:nvSpPr>
         <p:spPr>
           <a:xfrm>
-            <a:off x="8325249" y="4678436"/>
-            <a:ext cx="263943" cy="241161"/>
+            <a:off x="3824780" y="1883779"/>
+            <a:ext cx="4028860" cy="461665"/>
           </a:xfrm>
           <a:prstGeom prst="rect">
             <a:avLst/>
           </a:prstGeom>
-        </p:spPr>
-        <p:style>
-          <a:lnRef idx="2">
-            <a:schemeClr val="dk1"/>
-          </a:lnRef>
-          <a:fillRef idx="1">
-            <a:schemeClr val="lt1"/>
-          </a:fillRef>
-          <a:effectRef idx="0">
-            <a:schemeClr val="dk1"/>
-          </a:effectRef>
-          <a:fontRef idx="minor">
-            <a:schemeClr val="dk1"/>
-          </a:fontRef>
-        </p:style>
-        <p:txBody>
-          <a:bodyPr rtlCol="0" anchor="ctr"/>
-          <a:lstStyle/>
-          <a:p>
-            <a:pPr algn="ctr"/>
-            <a:endParaRPr lang="de-DE"/>
-          </a:p>
-        </p:txBody>
-      </p:sp>
-      <p:sp>
-        <p:nvSpPr>
-          <p:cNvPr id="22" name="Gleichschenkliges Dreieck 21"/>
-          <p:cNvSpPr/>
+          <a:noFill/>
+        </p:spPr>
+        <p:txBody>
+          <a:bodyPr wrap="none" rtlCol="0">
+            <a:spAutoFit/>
+          </a:bodyPr>
+          <a:lstStyle/>
+          <a:p>
+            <a:r>
+              <a:rPr lang="de-DE" sz="2400" dirty="0" smtClean="0"/>
+              <a:t>Verwaltung des Haushaltsetats</a:t>
+            </a:r>
+            <a:endParaRPr lang="de-DE" sz="2400" dirty="0"/>
+          </a:p>
+        </p:txBody>
+      </p:sp>
+      <p:sp>
+        <p:nvSpPr>
+          <p:cNvPr id="7" name="Textfeld 6"/>
+          <p:cNvSpPr txBox="1"/>
           <p:nvPr/>
         </p:nvSpPr>
         <p:spPr>
-          <a:xfrm rot="10800000">
-            <a:off x="8361761" y="4733604"/>
-            <a:ext cx="190918" cy="156783"/>
-          </a:xfrm>
-          <a:prstGeom prst="triangle">
+          <a:xfrm>
+            <a:off x="203198" y="2522250"/>
+            <a:ext cx="4137223" cy="523220"/>
+          </a:xfrm>
+          <a:prstGeom prst="rect">
             <a:avLst/>
           </a:prstGeom>
-        </p:spPr>
-        <p:style>
-          <a:lnRef idx="2">
-            <a:schemeClr val="accent1">
-              <a:shade val="50000"/>
-            </a:schemeClr>
-          </a:lnRef>
-          <a:fillRef idx="1">
-            <a:schemeClr val="accent1"/>
-          </a:fillRef>
-          <a:effectRef idx="0">
-            <a:schemeClr val="accent1"/>
-          </a:effectRef>
-          <a:fontRef idx="minor">
-            <a:schemeClr val="lt1"/>
-          </a:fontRef>
-        </p:style>
-        <p:txBody>
-          <a:bodyPr rtlCol="0" anchor="ctr"/>
-          <a:lstStyle/>
-          <a:p>
-            <a:pPr algn="ctr"/>
-            <a:endParaRPr lang="de-DE"/>
-          </a:p>
-        </p:txBody>
-      </p:sp>
+          <a:noFill/>
+        </p:spPr>
+        <p:txBody>
+          <a:bodyPr wrap="none" rtlCol="0">
+            <a:spAutoFit/>
+          </a:bodyPr>
+          <a:lstStyle/>
+          <a:p>
+            <a:r>
+              <a:rPr lang="de-DE" sz="2800" dirty="0" smtClean="0"/>
+              <a:t>Gesamt verfügbar:   2222€ </a:t>
+            </a:r>
+            <a:endParaRPr lang="de-DE" sz="2800" dirty="0"/>
+          </a:p>
+        </p:txBody>
+      </p:sp>
+      <p:graphicFrame>
+        <p:nvGraphicFramePr>
+          <p:cNvPr id="8" name="Tabelle 7"/>
+          <p:cNvGraphicFramePr>
+            <a:graphicFrameLocks noGrp="1"/>
+          </p:cNvGraphicFramePr>
+          <p:nvPr>
+            <p:extLst>
+              <p:ext uri="{D42A27DB-BD31-4B8C-83A1-F6EECF244321}">
+                <p14:modId xmlns:p14="http://schemas.microsoft.com/office/powerpoint/2010/main" val="3528482278"/>
+              </p:ext>
+            </p:extLst>
+          </p:nvPr>
+        </p:nvGraphicFramePr>
+        <p:xfrm>
+          <a:off x="278248" y="3459358"/>
+          <a:ext cx="11660709" cy="1112520"/>
+        </p:xfrm>
+        <a:graphic>
+          <a:graphicData uri="http://schemas.openxmlformats.org/drawingml/2006/table">
+            <a:tbl>
+              <a:tblPr firstRow="1" bandRow="1">
+                <a:tableStyleId>{5C22544A-7EE6-4342-B048-85BDC9FD1C3A}</a:tableStyleId>
+              </a:tblPr>
+              <a:tblGrid>
+                <a:gridCol w="2448972"/>
+                <a:gridCol w="2099821"/>
+                <a:gridCol w="1129758"/>
+                <a:gridCol w="4018973"/>
+                <a:gridCol w="1963185"/>
+              </a:tblGrid>
+              <a:tr h="370840">
+                <a:tc>
+                  <a:txBody>
+                    <a:bodyPr/>
+                    <a:lstStyle/>
+                    <a:p>
+                      <a:r>
+                        <a:rPr lang="de-DE" sz="1400" dirty="0" smtClean="0"/>
+                        <a:t>Abteilung</a:t>
+                      </a:r>
+                      <a:endParaRPr lang="de-DE" sz="1400" dirty="0"/>
+                    </a:p>
+                  </a:txBody>
+                  <a:tcPr/>
+                </a:tc>
+                <a:tc>
+                  <a:txBody>
+                    <a:bodyPr/>
+                    <a:lstStyle/>
+                    <a:p>
+                      <a:r>
+                        <a:rPr lang="de-DE" sz="1400" dirty="0" smtClean="0"/>
+                        <a:t>Fachschaft</a:t>
+                      </a:r>
+                      <a:endParaRPr lang="de-DE" sz="1400" dirty="0"/>
+                    </a:p>
+                  </a:txBody>
+                  <a:tcPr/>
+                </a:tc>
+                <a:tc>
+                  <a:txBody>
+                    <a:bodyPr/>
+                    <a:lstStyle/>
+                    <a:p>
+                      <a:r>
+                        <a:rPr lang="de-DE" sz="1400" dirty="0" smtClean="0"/>
+                        <a:t>Betrag</a:t>
+                      </a:r>
+                      <a:endParaRPr lang="de-DE" sz="1400" dirty="0"/>
+                    </a:p>
+                  </a:txBody>
+                  <a:tcPr/>
+                </a:tc>
+                <a:tc>
+                  <a:txBody>
+                    <a:bodyPr/>
+                    <a:lstStyle/>
+                    <a:p>
+                      <a:r>
+                        <a:rPr lang="de-DE" sz="1400" dirty="0" smtClean="0"/>
+                        <a:t>Bemerkung</a:t>
+                      </a:r>
+                      <a:endParaRPr lang="de-DE" sz="1400" dirty="0"/>
+                    </a:p>
+                  </a:txBody>
+                  <a:tcPr/>
+                </a:tc>
+                <a:tc>
+                  <a:txBody>
+                    <a:bodyPr/>
+                    <a:lstStyle/>
+                    <a:p>
+                      <a:r>
+                        <a:rPr lang="de-DE" sz="1400" dirty="0" smtClean="0"/>
+                        <a:t>Bearbeitung</a:t>
+                      </a:r>
+                      <a:endParaRPr lang="de-DE" sz="1400" dirty="0"/>
+                    </a:p>
+                  </a:txBody>
+                  <a:tcPr/>
+                </a:tc>
+              </a:tr>
+              <a:tr h="370840">
+                <a:tc>
+                  <a:txBody>
+                    <a:bodyPr/>
+                    <a:lstStyle/>
+                    <a:p>
+                      <a:r>
+                        <a:rPr lang="de-DE" sz="1400" dirty="0" err="1" smtClean="0"/>
+                        <a:t>Gregorian</a:t>
+                      </a:r>
+                      <a:endParaRPr lang="de-DE" sz="1400" dirty="0"/>
+                    </a:p>
+                  </a:txBody>
+                  <a:tcPr/>
+                </a:tc>
+                <a:tc>
+                  <a:txBody>
+                    <a:bodyPr/>
+                    <a:lstStyle/>
+                    <a:p>
+                      <a:r>
+                        <a:rPr lang="de-DE" sz="1400" dirty="0" smtClean="0"/>
+                        <a:t>Technisches</a:t>
+                      </a:r>
+                      <a:r>
+                        <a:rPr lang="de-DE" sz="1400" baseline="0" dirty="0" smtClean="0"/>
+                        <a:t> Gymnasium</a:t>
+                      </a:r>
+                      <a:endParaRPr lang="de-DE" sz="1400" dirty="0"/>
+                    </a:p>
+                  </a:txBody>
+                  <a:tcPr/>
+                </a:tc>
+                <a:tc>
+                  <a:txBody>
+                    <a:bodyPr/>
+                    <a:lstStyle/>
+                    <a:p>
+                      <a:r>
+                        <a:rPr lang="de-DE" sz="1400" dirty="0" smtClean="0"/>
+                        <a:t>1020 €</a:t>
+                      </a:r>
+                      <a:endParaRPr lang="de-DE" sz="1400" dirty="0"/>
+                    </a:p>
+                  </a:txBody>
+                  <a:tcPr/>
+                </a:tc>
+                <a:tc>
+                  <a:txBody>
+                    <a:bodyPr/>
+                    <a:lstStyle/>
+                    <a:p>
+                      <a:r>
+                        <a:rPr lang="de-DE" sz="1400" dirty="0" smtClean="0"/>
+                        <a:t>vorläufig</a:t>
+                      </a:r>
+                      <a:endParaRPr lang="de-DE" sz="1400" dirty="0"/>
+                    </a:p>
+                  </a:txBody>
+                  <a:tcPr/>
+                </a:tc>
+                <a:tc>
+                  <a:txBody>
+                    <a:bodyPr/>
+                    <a:lstStyle/>
+                    <a:p>
+                      <a:pPr algn="ctr"/>
+                      <a:r>
+                        <a:rPr lang="de-DE" sz="1400" dirty="0" smtClean="0">
+                          <a:solidFill>
+                            <a:schemeClr val="tx1"/>
+                          </a:solidFill>
+                        </a:rPr>
+                        <a:t>Ändern / Löschen</a:t>
+                      </a:r>
+                      <a:endParaRPr lang="de-DE" sz="1400" dirty="0">
+                        <a:solidFill>
+                          <a:schemeClr val="tx1"/>
+                        </a:solidFill>
+                      </a:endParaRPr>
+                    </a:p>
+                  </a:txBody>
+                  <a:tcPr/>
+                </a:tc>
+              </a:tr>
+              <a:tr h="370840">
+                <a:tc>
+                  <a:txBody>
+                    <a:bodyPr/>
+                    <a:lstStyle/>
+                    <a:p>
+                      <a:r>
+                        <a:rPr lang="de-DE" sz="1400" dirty="0" smtClean="0"/>
+                        <a:t>Schmitt-Schwickert</a:t>
+                      </a:r>
+                      <a:endParaRPr lang="de-DE" sz="1400" dirty="0"/>
+                    </a:p>
+                  </a:txBody>
+                  <a:tcPr/>
+                </a:tc>
+                <a:tc>
+                  <a:txBody>
+                    <a:bodyPr/>
+                    <a:lstStyle/>
+                    <a:p>
+                      <a:r>
+                        <a:rPr lang="de-DE" sz="1400" dirty="0" smtClean="0"/>
+                        <a:t>Elektrotechnik</a:t>
+                      </a:r>
+                      <a:endParaRPr lang="de-DE" sz="1400" dirty="0"/>
+                    </a:p>
+                  </a:txBody>
+                  <a:tcPr/>
+                </a:tc>
+                <a:tc>
+                  <a:txBody>
+                    <a:bodyPr/>
+                    <a:lstStyle/>
+                    <a:p>
+                      <a:r>
+                        <a:rPr lang="de-DE" sz="1400" dirty="0" smtClean="0"/>
+                        <a:t>1425 €</a:t>
+                      </a:r>
+                      <a:endParaRPr lang="de-DE" sz="1400" dirty="0"/>
+                    </a:p>
+                  </a:txBody>
+                  <a:tcPr/>
+                </a:tc>
+                <a:tc>
+                  <a:txBody>
+                    <a:bodyPr/>
+                    <a:lstStyle/>
+                    <a:p>
+                      <a:r>
+                        <a:rPr lang="de-DE" sz="1400" dirty="0" smtClean="0"/>
+                        <a:t>endgültig</a:t>
+                      </a:r>
+                      <a:endParaRPr lang="de-DE" sz="1400" dirty="0"/>
+                    </a:p>
+                  </a:txBody>
+                  <a:tcPr/>
+                </a:tc>
+                <a:tc>
+                  <a:txBody>
+                    <a:bodyPr/>
+                    <a:lstStyle/>
+                    <a:p>
+                      <a:pPr algn="ctr"/>
+                      <a:r>
+                        <a:rPr lang="de-DE" sz="1400" dirty="0" smtClean="0">
+                          <a:solidFill>
+                            <a:schemeClr val="tx1"/>
+                          </a:solidFill>
+                        </a:rPr>
+                        <a:t>Ändern / Löschen</a:t>
+                      </a:r>
+                      <a:endParaRPr lang="de-DE" sz="1400" dirty="0">
+                        <a:solidFill>
+                          <a:schemeClr val="tx1"/>
+                        </a:solidFill>
+                      </a:endParaRPr>
+                    </a:p>
+                  </a:txBody>
+                  <a:tcPr/>
+                </a:tc>
+              </a:tr>
+            </a:tbl>
+          </a:graphicData>
+        </a:graphic>
+      </p:graphicFrame>
     </p:spTree>
     <p:extLst>
       <p:ext uri="{BB962C8B-B14F-4D97-AF65-F5344CB8AC3E}">
-        <p14:creationId xmlns:p14="http://schemas.microsoft.com/office/powerpoint/2010/main" val="44188365"/>
+        <p14:creationId xmlns:p14="http://schemas.microsoft.com/office/powerpoint/2010/main" val="4140669853"/>
       </p:ext>
     </p:extLst>
   </p:cSld>
@@ -9631,15 +9934,7 @@
             <a:pPr algn="ctr"/>
             <a:r>
               <a:rPr lang="de-DE" dirty="0" smtClean="0"/>
-              <a:t>Log </a:t>
-            </a:r>
-            <a:r>
-              <a:rPr lang="de-DE" dirty="0" err="1" smtClean="0"/>
-              <a:t>me</a:t>
-            </a:r>
-            <a:r>
-              <a:rPr lang="de-DE" dirty="0" smtClean="0"/>
-              <a:t> in</a:t>
+              <a:t>Login</a:t>
             </a:r>
             <a:endParaRPr lang="de-DE" dirty="0"/>
           </a:p>
